--- a/Day 4/Trees.pptx
+++ b/Day 4/Trees.pptx
@@ -6,7 +6,7 @@
     <p:sldMasterId id="2147483671" r:id="rId2"/>
   </p:sldMasterIdLst>
   <p:notesMasterIdLst>
-    <p:notesMasterId r:id="rId30"/>
+    <p:notesMasterId r:id="rId34"/>
   </p:notesMasterIdLst>
   <p:sldIdLst>
     <p:sldId id="256" r:id="rId3"/>
@@ -36,6 +36,10 @@
     <p:sldId id="280" r:id="rId27"/>
     <p:sldId id="281" r:id="rId28"/>
     <p:sldId id="282" r:id="rId29"/>
+    <p:sldId id="283" r:id="rId30"/>
+    <p:sldId id="284" r:id="rId31"/>
+    <p:sldId id="285" r:id="rId32"/>
+    <p:sldId id="286" r:id="rId33"/>
   </p:sldIdLst>
   <p:sldSz cx="9144000" cy="5143500" type="screen16x9"/>
   <p:notesSz cx="6858000" cy="9144000"/>
@@ -494,6 +498,11 @@
         </p:txBody>
       </p:sp>
     </p:spTree>
+    <p:extLst>
+      <p:ext uri="{BB962C8B-B14F-4D97-AF65-F5344CB8AC3E}">
+        <p14:creationId xmlns:p14="http://schemas.microsoft.com/office/powerpoint/2010/main" val="3822460144"/>
+      </p:ext>
+    </p:extLst>
   </p:cSld>
   <p:clrMap bg1="lt1" tx1="dk1" bg2="dk2" tx2="lt2" accent1="accent1" accent2="accent2" accent3="accent3" accent4="accent4" accent5="accent5" accent6="accent6" hlink="hlink" folHlink="folHlink"/>
   <p:notesStyle>
@@ -747,45 +756,7 @@
       </p:grpSpPr>
       <p:sp>
         <p:nvSpPr>
-          <p:cNvPr id="143" name="Google Shape;143;g83887c7651_0_97:notes"/>
-          <p:cNvSpPr txBox="1">
-            <a:spLocks noGrp="1"/>
-          </p:cNvSpPr>
-          <p:nvPr>
-            <p:ph type="body" idx="1"/>
-          </p:nvPr>
-        </p:nvSpPr>
-        <p:spPr>
-          <a:xfrm>
-            <a:off x="685800" y="4343400"/>
-            <a:ext cx="5486400" cy="4114800"/>
-          </a:xfrm>
-          <a:prstGeom prst="rect">
-            <a:avLst/>
-          </a:prstGeom>
-        </p:spPr>
-        <p:txBody>
-          <a:bodyPr spcFirstLastPara="1" wrap="square" lIns="91425" tIns="91425" rIns="91425" bIns="91425" anchor="t" anchorCtr="0">
-            <a:noAutofit/>
-          </a:bodyPr>
-          <a:lstStyle/>
-          <a:p>
-            <a:pPr marL="0" lvl="0" indent="0" algn="l" rtl="0">
-              <a:spcBef>
-                <a:spcPts val="0"/>
-              </a:spcBef>
-              <a:spcAft>
-                <a:spcPts val="0"/>
-              </a:spcAft>
-              <a:buNone/>
-            </a:pPr>
-            <a:endParaRPr/>
-          </a:p>
-        </p:txBody>
-      </p:sp>
-      <p:sp>
-        <p:nvSpPr>
-          <p:cNvPr id="144" name="Google Shape;144;g83887c7651_0_97:notes"/>
+          <p:cNvPr id="143" name="Google Shape;143;g8386651e55_0_582:notes"/>
           <p:cNvSpPr>
             <a:spLocks noGrp="1" noRot="1" noChangeAspect="1"/>
           </p:cNvSpPr>
@@ -795,8 +766,8 @@
         </p:nvSpPr>
         <p:spPr>
           <a:xfrm>
-            <a:off x="1143225" y="685800"/>
-            <a:ext cx="4572300" cy="3429000"/>
+            <a:off x="381300" y="685800"/>
+            <a:ext cx="6096000" cy="3429000"/>
           </a:xfrm>
           <a:custGeom>
             <a:avLst/>
@@ -824,7 +795,70 @@
           </a:custGeom>
         </p:spPr>
       </p:sp>
+      <p:sp>
+        <p:nvSpPr>
+          <p:cNvPr id="144" name="Google Shape;144;g8386651e55_0_582:notes"/>
+          <p:cNvSpPr txBox="1">
+            <a:spLocks noGrp="1"/>
+          </p:cNvSpPr>
+          <p:nvPr>
+            <p:ph type="body" idx="1"/>
+          </p:nvPr>
+        </p:nvSpPr>
+        <p:spPr>
+          <a:xfrm>
+            <a:off x="685800" y="4343400"/>
+            <a:ext cx="5486400" cy="4114800"/>
+          </a:xfrm>
+          <a:prstGeom prst="rect">
+            <a:avLst/>
+          </a:prstGeom>
+        </p:spPr>
+        <p:txBody>
+          <a:bodyPr spcFirstLastPara="1" wrap="square" lIns="91425" tIns="91425" rIns="91425" bIns="91425" anchor="t" anchorCtr="0">
+            <a:noAutofit/>
+          </a:bodyPr>
+          <a:lstStyle/>
+          <a:p>
+            <a:pPr marL="0" lvl="0" indent="0" algn="l" rtl="0">
+              <a:lnSpc>
+                <a:spcPct val="90000"/>
+              </a:lnSpc>
+              <a:spcBef>
+                <a:spcPts val="900"/>
+              </a:spcBef>
+              <a:spcAft>
+                <a:spcPts val="200"/>
+              </a:spcAft>
+              <a:buClr>
+                <a:schemeClr val="dk1"/>
+              </a:buClr>
+              <a:buSzPts val="1100"/>
+              <a:buFont typeface="Arial"/>
+              <a:buNone/>
+            </a:pPr>
+            <a:r>
+              <a:rPr lang="en" sz="1800">
+                <a:solidFill>
+                  <a:schemeClr val="dk1"/>
+                </a:solidFill>
+                <a:latin typeface="Calibri"/>
+                <a:ea typeface="Calibri"/>
+                <a:cs typeface="Calibri"/>
+                <a:sym typeface="Calibri"/>
+              </a:rPr>
+              <a:t>Then there are other specialized data structures like, stacks and queues that allows us to solve complicated problems using these restricted data structures. </a:t>
+            </a:r>
+            <a:endParaRPr sz="900"/>
+          </a:p>
+        </p:txBody>
+      </p:sp>
     </p:spTree>
+    <p:extLst>
+      <p:ext uri="{BB962C8B-B14F-4D97-AF65-F5344CB8AC3E}">
+        <p14:creationId xmlns:p14="http://schemas.microsoft.com/office/powerpoint/2010/main" val="2018805557"/>
+      </p:ext>
+    </p:extLst>
   </p:cSld>
   <p:clrMapOvr>
     <a:masterClrMapping/>
@@ -833,6 +867,442 @@
 </file>
 
 <file path=ppt/notesSlides/notesSlide10.xml><?xml version="1.0" encoding="utf-8"?>
+<p:notes xmlns:a="http://schemas.openxmlformats.org/drawingml/2006/main" xmlns:r="http://schemas.openxmlformats.org/officeDocument/2006/relationships" xmlns:p="http://schemas.openxmlformats.org/presentationml/2006/main" showMasterSp="0" showMasterPhAnim="0">
+  <p:cSld>
+    <p:spTree>
+      <p:nvGrpSpPr>
+        <p:cNvPr id="1" name="Shape 176"/>
+        <p:cNvGrpSpPr/>
+        <p:nvPr/>
+      </p:nvGrpSpPr>
+      <p:grpSpPr>
+        <a:xfrm>
+          <a:off x="0" y="0"/>
+          <a:ext cx="0" cy="0"/>
+          <a:chOff x="0" y="0"/>
+          <a:chExt cx="0" cy="0"/>
+        </a:xfrm>
+      </p:grpSpPr>
+      <p:sp>
+        <p:nvSpPr>
+          <p:cNvPr id="177" name="Google Shape;177;g83887c7651_0_226:notes"/>
+          <p:cNvSpPr>
+            <a:spLocks noGrp="1" noRot="1" noChangeAspect="1"/>
+          </p:cNvSpPr>
+          <p:nvPr>
+            <p:ph type="sldImg" idx="2"/>
+          </p:nvPr>
+        </p:nvSpPr>
+        <p:spPr>
+          <a:xfrm>
+            <a:off x="381300" y="685800"/>
+            <a:ext cx="6096000" cy="3429000"/>
+          </a:xfrm>
+          <a:custGeom>
+            <a:avLst/>
+            <a:gdLst/>
+            <a:ahLst/>
+            <a:cxnLst/>
+            <a:rect l="l" t="t" r="r" b="b"/>
+            <a:pathLst>
+              <a:path w="120000" h="120000" extrusionOk="0">
+                <a:moveTo>
+                  <a:pt x="0" y="0"/>
+                </a:moveTo>
+                <a:lnTo>
+                  <a:pt x="120000" y="0"/>
+                </a:lnTo>
+                <a:lnTo>
+                  <a:pt x="120000" y="120000"/>
+                </a:lnTo>
+                <a:lnTo>
+                  <a:pt x="0" y="120000"/>
+                </a:lnTo>
+                <a:close/>
+              </a:path>
+            </a:pathLst>
+          </a:custGeom>
+        </p:spPr>
+      </p:sp>
+      <p:sp>
+        <p:nvSpPr>
+          <p:cNvPr id="178" name="Google Shape;178;g83887c7651_0_226:notes"/>
+          <p:cNvSpPr txBox="1">
+            <a:spLocks noGrp="1"/>
+          </p:cNvSpPr>
+          <p:nvPr>
+            <p:ph type="body" idx="1"/>
+          </p:nvPr>
+        </p:nvSpPr>
+        <p:spPr>
+          <a:xfrm>
+            <a:off x="685800" y="4343400"/>
+            <a:ext cx="5486400" cy="4114800"/>
+          </a:xfrm>
+          <a:prstGeom prst="rect">
+            <a:avLst/>
+          </a:prstGeom>
+        </p:spPr>
+        <p:txBody>
+          <a:bodyPr spcFirstLastPara="1" wrap="square" lIns="91425" tIns="91425" rIns="91425" bIns="91425" anchor="t" anchorCtr="0">
+            <a:noAutofit/>
+          </a:bodyPr>
+          <a:lstStyle/>
+          <a:p>
+            <a:pPr marL="0" lvl="0" indent="0" algn="l" rtl="0">
+              <a:spcBef>
+                <a:spcPts val="0"/>
+              </a:spcBef>
+              <a:spcAft>
+                <a:spcPts val="0"/>
+              </a:spcAft>
+              <a:buNone/>
+            </a:pPr>
+            <a:endParaRPr/>
+          </a:p>
+        </p:txBody>
+      </p:sp>
+    </p:spTree>
+    <p:extLst>
+      <p:ext uri="{BB962C8B-B14F-4D97-AF65-F5344CB8AC3E}">
+        <p14:creationId xmlns:p14="http://schemas.microsoft.com/office/powerpoint/2010/main" val="1190662755"/>
+      </p:ext>
+    </p:extLst>
+  </p:cSld>
+  <p:clrMapOvr>
+    <a:masterClrMapping/>
+  </p:clrMapOvr>
+</p:notes>
+</file>
+
+<file path=ppt/notesSlides/notesSlide11.xml><?xml version="1.0" encoding="utf-8"?>
+<p:notes xmlns:a="http://schemas.openxmlformats.org/drawingml/2006/main" xmlns:r="http://schemas.openxmlformats.org/officeDocument/2006/relationships" xmlns:p="http://schemas.openxmlformats.org/presentationml/2006/main" showMasterSp="0" showMasterPhAnim="0">
+  <p:cSld>
+    <p:spTree>
+      <p:nvGrpSpPr>
+        <p:cNvPr id="1" name="Shape 182"/>
+        <p:cNvGrpSpPr/>
+        <p:nvPr/>
+      </p:nvGrpSpPr>
+      <p:grpSpPr>
+        <a:xfrm>
+          <a:off x="0" y="0"/>
+          <a:ext cx="0" cy="0"/>
+          <a:chOff x="0" y="0"/>
+          <a:chExt cx="0" cy="0"/>
+        </a:xfrm>
+      </p:grpSpPr>
+      <p:sp>
+        <p:nvSpPr>
+          <p:cNvPr id="183" name="Google Shape;183;g83887c7651_0_237:notes"/>
+          <p:cNvSpPr>
+            <a:spLocks noGrp="1" noRot="1" noChangeAspect="1"/>
+          </p:cNvSpPr>
+          <p:nvPr>
+            <p:ph type="sldImg" idx="2"/>
+          </p:nvPr>
+        </p:nvSpPr>
+        <p:spPr>
+          <a:xfrm>
+            <a:off x="381300" y="685800"/>
+            <a:ext cx="6096000" cy="3429000"/>
+          </a:xfrm>
+          <a:custGeom>
+            <a:avLst/>
+            <a:gdLst/>
+            <a:ahLst/>
+            <a:cxnLst/>
+            <a:rect l="l" t="t" r="r" b="b"/>
+            <a:pathLst>
+              <a:path w="120000" h="120000" extrusionOk="0">
+                <a:moveTo>
+                  <a:pt x="0" y="0"/>
+                </a:moveTo>
+                <a:lnTo>
+                  <a:pt x="120000" y="0"/>
+                </a:lnTo>
+                <a:lnTo>
+                  <a:pt x="120000" y="120000"/>
+                </a:lnTo>
+                <a:lnTo>
+                  <a:pt x="0" y="120000"/>
+                </a:lnTo>
+                <a:close/>
+              </a:path>
+            </a:pathLst>
+          </a:custGeom>
+        </p:spPr>
+      </p:sp>
+      <p:sp>
+        <p:nvSpPr>
+          <p:cNvPr id="184" name="Google Shape;184;g83887c7651_0_237:notes"/>
+          <p:cNvSpPr txBox="1">
+            <a:spLocks noGrp="1"/>
+          </p:cNvSpPr>
+          <p:nvPr>
+            <p:ph type="body" idx="1"/>
+          </p:nvPr>
+        </p:nvSpPr>
+        <p:spPr>
+          <a:xfrm>
+            <a:off x="685800" y="4343400"/>
+            <a:ext cx="5486400" cy="4114800"/>
+          </a:xfrm>
+          <a:prstGeom prst="rect">
+            <a:avLst/>
+          </a:prstGeom>
+        </p:spPr>
+        <p:txBody>
+          <a:bodyPr spcFirstLastPara="1" wrap="square" lIns="91425" tIns="91425" rIns="91425" bIns="91425" anchor="t" anchorCtr="0">
+            <a:noAutofit/>
+          </a:bodyPr>
+          <a:lstStyle/>
+          <a:p>
+            <a:pPr marL="0" lvl="0" indent="0" algn="l" rtl="0">
+              <a:spcBef>
+                <a:spcPts val="0"/>
+              </a:spcBef>
+              <a:spcAft>
+                <a:spcPts val="0"/>
+              </a:spcAft>
+              <a:buNone/>
+            </a:pPr>
+            <a:endParaRPr/>
+          </a:p>
+        </p:txBody>
+      </p:sp>
+    </p:spTree>
+    <p:extLst>
+      <p:ext uri="{BB962C8B-B14F-4D97-AF65-F5344CB8AC3E}">
+        <p14:creationId xmlns:p14="http://schemas.microsoft.com/office/powerpoint/2010/main" val="1317767939"/>
+      </p:ext>
+    </p:extLst>
+  </p:cSld>
+  <p:clrMapOvr>
+    <a:masterClrMapping/>
+  </p:clrMapOvr>
+</p:notes>
+</file>
+
+<file path=ppt/notesSlides/notesSlide12.xml><?xml version="1.0" encoding="utf-8"?>
+<p:notes xmlns:a="http://schemas.openxmlformats.org/drawingml/2006/main" xmlns:r="http://schemas.openxmlformats.org/officeDocument/2006/relationships" xmlns:p="http://schemas.openxmlformats.org/presentationml/2006/main" showMasterSp="0" showMasterPhAnim="0">
+  <p:cSld>
+    <p:spTree>
+      <p:nvGrpSpPr>
+        <p:cNvPr id="1" name="Shape 188"/>
+        <p:cNvGrpSpPr/>
+        <p:nvPr/>
+      </p:nvGrpSpPr>
+      <p:grpSpPr>
+        <a:xfrm>
+          <a:off x="0" y="0"/>
+          <a:ext cx="0" cy="0"/>
+          <a:chOff x="0" y="0"/>
+          <a:chExt cx="0" cy="0"/>
+        </a:xfrm>
+      </p:grpSpPr>
+      <p:sp>
+        <p:nvSpPr>
+          <p:cNvPr id="189" name="Google Shape;189;g83887c7651_0_231:notes"/>
+          <p:cNvSpPr>
+            <a:spLocks noGrp="1" noRot="1" noChangeAspect="1"/>
+          </p:cNvSpPr>
+          <p:nvPr>
+            <p:ph type="sldImg" idx="2"/>
+          </p:nvPr>
+        </p:nvSpPr>
+        <p:spPr>
+          <a:xfrm>
+            <a:off x="381300" y="685800"/>
+            <a:ext cx="6096000" cy="3429000"/>
+          </a:xfrm>
+          <a:custGeom>
+            <a:avLst/>
+            <a:gdLst/>
+            <a:ahLst/>
+            <a:cxnLst/>
+            <a:rect l="l" t="t" r="r" b="b"/>
+            <a:pathLst>
+              <a:path w="120000" h="120000" extrusionOk="0">
+                <a:moveTo>
+                  <a:pt x="0" y="0"/>
+                </a:moveTo>
+                <a:lnTo>
+                  <a:pt x="120000" y="0"/>
+                </a:lnTo>
+                <a:lnTo>
+                  <a:pt x="120000" y="120000"/>
+                </a:lnTo>
+                <a:lnTo>
+                  <a:pt x="0" y="120000"/>
+                </a:lnTo>
+                <a:close/>
+              </a:path>
+            </a:pathLst>
+          </a:custGeom>
+        </p:spPr>
+      </p:sp>
+      <p:sp>
+        <p:nvSpPr>
+          <p:cNvPr id="190" name="Google Shape;190;g83887c7651_0_231:notes"/>
+          <p:cNvSpPr txBox="1">
+            <a:spLocks noGrp="1"/>
+          </p:cNvSpPr>
+          <p:nvPr>
+            <p:ph type="body" idx="1"/>
+          </p:nvPr>
+        </p:nvSpPr>
+        <p:spPr>
+          <a:xfrm>
+            <a:off x="685800" y="4343400"/>
+            <a:ext cx="5486400" cy="4114800"/>
+          </a:xfrm>
+          <a:prstGeom prst="rect">
+            <a:avLst/>
+          </a:prstGeom>
+        </p:spPr>
+        <p:txBody>
+          <a:bodyPr spcFirstLastPara="1" wrap="square" lIns="91425" tIns="91425" rIns="91425" bIns="91425" anchor="t" anchorCtr="0">
+            <a:noAutofit/>
+          </a:bodyPr>
+          <a:lstStyle/>
+          <a:p>
+            <a:pPr marL="0" lvl="0" indent="0" algn="l" rtl="0">
+              <a:spcBef>
+                <a:spcPts val="0"/>
+              </a:spcBef>
+              <a:spcAft>
+                <a:spcPts val="0"/>
+              </a:spcAft>
+              <a:buNone/>
+            </a:pPr>
+            <a:endParaRPr/>
+          </a:p>
+        </p:txBody>
+      </p:sp>
+    </p:spTree>
+    <p:extLst>
+      <p:ext uri="{BB962C8B-B14F-4D97-AF65-F5344CB8AC3E}">
+        <p14:creationId xmlns:p14="http://schemas.microsoft.com/office/powerpoint/2010/main" val="3020077395"/>
+      </p:ext>
+    </p:extLst>
+  </p:cSld>
+  <p:clrMapOvr>
+    <a:masterClrMapping/>
+  </p:clrMapOvr>
+</p:notes>
+</file>
+
+<file path=ppt/notesSlides/notesSlide13.xml><?xml version="1.0" encoding="utf-8"?>
+<p:notes xmlns:a="http://schemas.openxmlformats.org/drawingml/2006/main" xmlns:r="http://schemas.openxmlformats.org/officeDocument/2006/relationships" xmlns:p="http://schemas.openxmlformats.org/presentationml/2006/main" showMasterSp="0" showMasterPhAnim="0">
+  <p:cSld>
+    <p:spTree>
+      <p:nvGrpSpPr>
+        <p:cNvPr id="1" name="Shape 195"/>
+        <p:cNvGrpSpPr/>
+        <p:nvPr/>
+      </p:nvGrpSpPr>
+      <p:grpSpPr>
+        <a:xfrm>
+          <a:off x="0" y="0"/>
+          <a:ext cx="0" cy="0"/>
+          <a:chOff x="0" y="0"/>
+          <a:chExt cx="0" cy="0"/>
+        </a:xfrm>
+      </p:grpSpPr>
+      <p:sp>
+        <p:nvSpPr>
+          <p:cNvPr id="196" name="Google Shape;196;g73ccfe25fe_0_0:notes"/>
+          <p:cNvSpPr>
+            <a:spLocks noGrp="1" noRot="1" noChangeAspect="1"/>
+          </p:cNvSpPr>
+          <p:nvPr>
+            <p:ph type="sldImg" idx="2"/>
+          </p:nvPr>
+        </p:nvSpPr>
+        <p:spPr>
+          <a:xfrm>
+            <a:off x="381300" y="685800"/>
+            <a:ext cx="6096000" cy="3429000"/>
+          </a:xfrm>
+          <a:custGeom>
+            <a:avLst/>
+            <a:gdLst/>
+            <a:ahLst/>
+            <a:cxnLst/>
+            <a:rect l="l" t="t" r="r" b="b"/>
+            <a:pathLst>
+              <a:path w="120000" h="120000" extrusionOk="0">
+                <a:moveTo>
+                  <a:pt x="0" y="0"/>
+                </a:moveTo>
+                <a:lnTo>
+                  <a:pt x="120000" y="0"/>
+                </a:lnTo>
+                <a:lnTo>
+                  <a:pt x="120000" y="120000"/>
+                </a:lnTo>
+                <a:lnTo>
+                  <a:pt x="0" y="120000"/>
+                </a:lnTo>
+                <a:close/>
+              </a:path>
+            </a:pathLst>
+          </a:custGeom>
+        </p:spPr>
+      </p:sp>
+      <p:sp>
+        <p:nvSpPr>
+          <p:cNvPr id="197" name="Google Shape;197;g73ccfe25fe_0_0:notes"/>
+          <p:cNvSpPr txBox="1">
+            <a:spLocks noGrp="1"/>
+          </p:cNvSpPr>
+          <p:nvPr>
+            <p:ph type="body" idx="1"/>
+          </p:nvPr>
+        </p:nvSpPr>
+        <p:spPr>
+          <a:xfrm>
+            <a:off x="685800" y="4343400"/>
+            <a:ext cx="5486400" cy="4114800"/>
+          </a:xfrm>
+          <a:prstGeom prst="rect">
+            <a:avLst/>
+          </a:prstGeom>
+        </p:spPr>
+        <p:txBody>
+          <a:bodyPr spcFirstLastPara="1" wrap="square" lIns="91425" tIns="91425" rIns="91425" bIns="91425" anchor="t" anchorCtr="0">
+            <a:noAutofit/>
+          </a:bodyPr>
+          <a:lstStyle/>
+          <a:p>
+            <a:pPr marL="0" lvl="0" indent="0" algn="l" rtl="0">
+              <a:spcBef>
+                <a:spcPts val="0"/>
+              </a:spcBef>
+              <a:spcAft>
+                <a:spcPts val="0"/>
+              </a:spcAft>
+              <a:buNone/>
+            </a:pPr>
+            <a:endParaRPr/>
+          </a:p>
+        </p:txBody>
+      </p:sp>
+    </p:spTree>
+    <p:extLst>
+      <p:ext uri="{BB962C8B-B14F-4D97-AF65-F5344CB8AC3E}">
+        <p14:creationId xmlns:p14="http://schemas.microsoft.com/office/powerpoint/2010/main" val="124527426"/>
+      </p:ext>
+    </p:extLst>
+  </p:cSld>
+  <p:clrMapOvr>
+    <a:masterClrMapping/>
+  </p:clrMapOvr>
+</p:notes>
+</file>
+
+<file path=ppt/notesSlides/notesSlide14.xml><?xml version="1.0" encoding="utf-8"?>
 <p:notes xmlns:a="http://schemas.openxmlformats.org/drawingml/2006/main" xmlns:r="http://schemas.openxmlformats.org/officeDocument/2006/relationships" xmlns:p="http://schemas.openxmlformats.org/presentationml/2006/main" showMasterSp="0" showMasterPhAnim="0">
   <p:cSld>
     <p:spTree>
@@ -929,6 +1399,11 @@
         </p:txBody>
       </p:sp>
     </p:spTree>
+    <p:extLst>
+      <p:ext uri="{BB962C8B-B14F-4D97-AF65-F5344CB8AC3E}">
+        <p14:creationId xmlns:p14="http://schemas.microsoft.com/office/powerpoint/2010/main" val="88912245"/>
+      </p:ext>
+    </p:extLst>
   </p:cSld>
   <p:clrMapOvr>
     <a:masterClrMapping/>
@@ -936,7 +1411,7 @@
 </p:notes>
 </file>
 
-<file path=ppt/notesSlides/notesSlide11.xml><?xml version="1.0" encoding="utf-8"?>
+<file path=ppt/notesSlides/notesSlide15.xml><?xml version="1.0" encoding="utf-8"?>
 <p:notes xmlns:a="http://schemas.openxmlformats.org/drawingml/2006/main" xmlns:r="http://schemas.openxmlformats.org/officeDocument/2006/relationships" xmlns:p="http://schemas.openxmlformats.org/presentationml/2006/main" showMasterSp="0" showMasterPhAnim="0">
   <p:cSld>
     <p:spTree>
@@ -1033,6 +1508,11 @@
         </p:txBody>
       </p:sp>
     </p:spTree>
+    <p:extLst>
+      <p:ext uri="{BB962C8B-B14F-4D97-AF65-F5344CB8AC3E}">
+        <p14:creationId xmlns:p14="http://schemas.microsoft.com/office/powerpoint/2010/main" val="2644514972"/>
+      </p:ext>
+    </p:extLst>
   </p:cSld>
   <p:clrMapOvr>
     <a:masterClrMapping/>
@@ -1040,7 +1520,7 @@
 </p:notes>
 </file>
 
-<file path=ppt/notesSlides/notesSlide12.xml><?xml version="1.0" encoding="utf-8"?>
+<file path=ppt/notesSlides/notesSlide16.xml><?xml version="1.0" encoding="utf-8"?>
 <p:notes xmlns:a="http://schemas.openxmlformats.org/drawingml/2006/main" xmlns:r="http://schemas.openxmlformats.org/officeDocument/2006/relationships" xmlns:p="http://schemas.openxmlformats.org/presentationml/2006/main" showMasterSp="0" showMasterPhAnim="0">
   <p:cSld>
     <p:spTree>
@@ -1137,6 +1617,11 @@
         </p:txBody>
       </p:sp>
     </p:spTree>
+    <p:extLst>
+      <p:ext uri="{BB962C8B-B14F-4D97-AF65-F5344CB8AC3E}">
+        <p14:creationId xmlns:p14="http://schemas.microsoft.com/office/powerpoint/2010/main" val="1383037565"/>
+      </p:ext>
+    </p:extLst>
   </p:cSld>
   <p:clrMapOvr>
     <a:masterClrMapping/>
@@ -1144,7 +1629,7 @@
 </p:notes>
 </file>
 
-<file path=ppt/notesSlides/notesSlide13.xml><?xml version="1.0" encoding="utf-8"?>
+<file path=ppt/notesSlides/notesSlide17.xml><?xml version="1.0" encoding="utf-8"?>
 <p:notes xmlns:a="http://schemas.openxmlformats.org/drawingml/2006/main" xmlns:r="http://schemas.openxmlformats.org/officeDocument/2006/relationships" xmlns:p="http://schemas.openxmlformats.org/presentationml/2006/main" showMasterSp="0" showMasterPhAnim="0">
   <p:cSld>
     <p:spTree>
@@ -1241,6 +1726,11 @@
         </p:txBody>
       </p:sp>
     </p:spTree>
+    <p:extLst>
+      <p:ext uri="{BB962C8B-B14F-4D97-AF65-F5344CB8AC3E}">
+        <p14:creationId xmlns:p14="http://schemas.microsoft.com/office/powerpoint/2010/main" val="565844617"/>
+      </p:ext>
+    </p:extLst>
   </p:cSld>
   <p:clrMapOvr>
     <a:masterClrMapping/>
@@ -1248,7 +1738,7 @@
 </p:notes>
 </file>
 
-<file path=ppt/notesSlides/notesSlide14.xml><?xml version="1.0" encoding="utf-8"?>
+<file path=ppt/notesSlides/notesSlide18.xml><?xml version="1.0" encoding="utf-8"?>
 <p:notes xmlns:a="http://schemas.openxmlformats.org/drawingml/2006/main" xmlns:r="http://schemas.openxmlformats.org/officeDocument/2006/relationships" xmlns:p="http://schemas.openxmlformats.org/presentationml/2006/main" showMasterSp="0" showMasterPhAnim="0">
   <p:cSld>
     <p:spTree>
@@ -1345,6 +1835,11 @@
         </p:txBody>
       </p:sp>
     </p:spTree>
+    <p:extLst>
+      <p:ext uri="{BB962C8B-B14F-4D97-AF65-F5344CB8AC3E}">
+        <p14:creationId xmlns:p14="http://schemas.microsoft.com/office/powerpoint/2010/main" val="58597626"/>
+      </p:ext>
+    </p:extLst>
   </p:cSld>
   <p:clrMapOvr>
     <a:masterClrMapping/>
@@ -1352,7 +1847,7 @@
 </p:notes>
 </file>
 
-<file path=ppt/notesSlides/notesSlide15.xml><?xml version="1.0" encoding="utf-8"?>
+<file path=ppt/notesSlides/notesSlide19.xml><?xml version="1.0" encoding="utf-8"?>
 <p:notes xmlns:a="http://schemas.openxmlformats.org/drawingml/2006/main" xmlns:r="http://schemas.openxmlformats.org/officeDocument/2006/relationships" xmlns:p="http://schemas.openxmlformats.org/presentationml/2006/main" showMasterSp="0" showMasterPhAnim="0">
   <p:cSld>
     <p:spTree>
@@ -1449,6 +1944,11 @@
         </p:txBody>
       </p:sp>
     </p:spTree>
+    <p:extLst>
+      <p:ext uri="{BB962C8B-B14F-4D97-AF65-F5344CB8AC3E}">
+        <p14:creationId xmlns:p14="http://schemas.microsoft.com/office/powerpoint/2010/main" val="316558428"/>
+      </p:ext>
+    </p:extLst>
   </p:cSld>
   <p:clrMapOvr>
     <a:masterClrMapping/>
@@ -1456,7 +1956,186 @@
 </p:notes>
 </file>
 
-<file path=ppt/notesSlides/notesSlide16.xml><?xml version="1.0" encoding="utf-8"?>
+<file path=ppt/notesSlides/notesSlide2.xml><?xml version="1.0" encoding="utf-8"?>
+<p:notes xmlns:a="http://schemas.openxmlformats.org/drawingml/2006/main" xmlns:r="http://schemas.openxmlformats.org/officeDocument/2006/relationships" xmlns:p="http://schemas.openxmlformats.org/presentationml/2006/main" showMasterSp="0" showMasterPhAnim="0">
+  <p:cSld>
+    <p:spTree>
+      <p:nvGrpSpPr>
+        <p:cNvPr id="1" name="Shape 148"/>
+        <p:cNvGrpSpPr/>
+        <p:nvPr/>
+      </p:nvGrpSpPr>
+      <p:grpSpPr>
+        <a:xfrm>
+          <a:off x="0" y="0"/>
+          <a:ext cx="0" cy="0"/>
+          <a:chOff x="0" y="0"/>
+          <a:chExt cx="0" cy="0"/>
+        </a:xfrm>
+      </p:grpSpPr>
+      <p:sp>
+        <p:nvSpPr>
+          <p:cNvPr id="149" name="Google Shape;149;g8386651e55_0_588:notes"/>
+          <p:cNvSpPr>
+            <a:spLocks noGrp="1" noRot="1" noChangeAspect="1"/>
+          </p:cNvSpPr>
+          <p:nvPr>
+            <p:ph type="sldImg" idx="2"/>
+          </p:nvPr>
+        </p:nvSpPr>
+        <p:spPr>
+          <a:xfrm>
+            <a:off x="381300" y="685800"/>
+            <a:ext cx="6096000" cy="3429000"/>
+          </a:xfrm>
+          <a:custGeom>
+            <a:avLst/>
+            <a:gdLst/>
+            <a:ahLst/>
+            <a:cxnLst/>
+            <a:rect l="l" t="t" r="r" b="b"/>
+            <a:pathLst>
+              <a:path w="120000" h="120000" extrusionOk="0">
+                <a:moveTo>
+                  <a:pt x="0" y="0"/>
+                </a:moveTo>
+                <a:lnTo>
+                  <a:pt x="120000" y="0"/>
+                </a:lnTo>
+                <a:lnTo>
+                  <a:pt x="120000" y="120000"/>
+                </a:lnTo>
+                <a:lnTo>
+                  <a:pt x="0" y="120000"/>
+                </a:lnTo>
+                <a:close/>
+              </a:path>
+            </a:pathLst>
+          </a:custGeom>
+        </p:spPr>
+      </p:sp>
+      <p:sp>
+        <p:nvSpPr>
+          <p:cNvPr id="150" name="Google Shape;150;g8386651e55_0_588:notes"/>
+          <p:cNvSpPr txBox="1">
+            <a:spLocks noGrp="1"/>
+          </p:cNvSpPr>
+          <p:nvPr>
+            <p:ph type="body" idx="1"/>
+          </p:nvPr>
+        </p:nvSpPr>
+        <p:spPr>
+          <a:xfrm>
+            <a:off x="685800" y="4343400"/>
+            <a:ext cx="5486400" cy="4114800"/>
+          </a:xfrm>
+          <a:prstGeom prst="rect">
+            <a:avLst/>
+          </a:prstGeom>
+        </p:spPr>
+        <p:txBody>
+          <a:bodyPr spcFirstLastPara="1" wrap="square" lIns="91425" tIns="91425" rIns="91425" bIns="91425" anchor="t" anchorCtr="0">
+            <a:noAutofit/>
+          </a:bodyPr>
+          <a:lstStyle/>
+          <a:p>
+            <a:pPr marL="0" lvl="0" indent="0" algn="l" rtl="0">
+              <a:lnSpc>
+                <a:spcPct val="90000"/>
+              </a:lnSpc>
+              <a:spcBef>
+                <a:spcPts val="900"/>
+              </a:spcBef>
+              <a:spcAft>
+                <a:spcPts val="0"/>
+              </a:spcAft>
+              <a:buNone/>
+            </a:pPr>
+            <a:r>
+              <a:rPr lang="en" sz="1600">
+                <a:solidFill>
+                  <a:srgbClr val="3F3F3F"/>
+                </a:solidFill>
+                <a:latin typeface="Calibri"/>
+                <a:ea typeface="Calibri"/>
+                <a:cs typeface="Calibri"/>
+                <a:sym typeface="Calibri"/>
+              </a:rPr>
+              <a:t>For example, if the size of the data set is n, then the number of comparisons needed to find an item may be as bad as some multiple of n.*</a:t>
+            </a:r>
+            <a:endParaRPr>
+              <a:solidFill>
+                <a:srgbClr val="3F3F3F"/>
+              </a:solidFill>
+              <a:latin typeface="Calibri"/>
+              <a:ea typeface="Calibri"/>
+              <a:cs typeface="Calibri"/>
+              <a:sym typeface="Calibri"/>
+            </a:endParaRPr>
+          </a:p>
+          <a:p>
+            <a:pPr marL="0" lvl="0" indent="0" algn="l" rtl="0">
+              <a:lnSpc>
+                <a:spcPct val="90000"/>
+              </a:lnSpc>
+              <a:spcBef>
+                <a:spcPts val="900"/>
+              </a:spcBef>
+              <a:spcAft>
+                <a:spcPts val="0"/>
+              </a:spcAft>
+              <a:buNone/>
+            </a:pPr>
+            <a:r>
+              <a:rPr lang="en" sz="1400">
+                <a:solidFill>
+                  <a:srgbClr val="3F3F3F"/>
+                </a:solidFill>
+                <a:latin typeface="Calibri"/>
+                <a:ea typeface="Calibri"/>
+                <a:cs typeface="Calibri"/>
+                <a:sym typeface="Calibri"/>
+              </a:rPr>
+              <a:t>* So imagine doing the search on a linked list (or array) with n = 106 nodes. Even on a machine that can do million comparisons per second, searching for m items will take roughly m seconds. This not acceptable in today’s world where speed at which we complete operations is extremely important.</a:t>
+            </a:r>
+            <a:endParaRPr sz="1400">
+              <a:solidFill>
+                <a:srgbClr val="3F3F3F"/>
+              </a:solidFill>
+              <a:latin typeface="Calibri"/>
+              <a:ea typeface="Calibri"/>
+              <a:cs typeface="Calibri"/>
+              <a:sym typeface="Calibri"/>
+            </a:endParaRPr>
+          </a:p>
+          <a:p>
+            <a:pPr marL="0" lvl="0" indent="0" algn="l" rtl="0">
+              <a:spcBef>
+                <a:spcPts val="200"/>
+              </a:spcBef>
+              <a:spcAft>
+                <a:spcPts val="0"/>
+              </a:spcAft>
+              <a:buNone/>
+            </a:pPr>
+            <a:endParaRPr/>
+          </a:p>
+        </p:txBody>
+      </p:sp>
+    </p:spTree>
+    <p:extLst>
+      <p:ext uri="{BB962C8B-B14F-4D97-AF65-F5344CB8AC3E}">
+        <p14:creationId xmlns:p14="http://schemas.microsoft.com/office/powerpoint/2010/main" val="1743270498"/>
+      </p:ext>
+    </p:extLst>
+  </p:cSld>
+  <p:clrMapOvr>
+    <a:masterClrMapping/>
+  </p:clrMapOvr>
+</p:notes>
+</file>
+
+<file path=ppt/notesSlides/notesSlide20.xml><?xml version="1.0" encoding="utf-8"?>
 <p:notes xmlns:a="http://schemas.openxmlformats.org/drawingml/2006/main" xmlns:r="http://schemas.openxmlformats.org/officeDocument/2006/relationships" xmlns:p="http://schemas.openxmlformats.org/presentationml/2006/main" showMasterSp="0" showMasterPhAnim="0">
   <p:cSld>
     <p:spTree>
@@ -1553,6 +2232,11 @@
         </p:txBody>
       </p:sp>
     </p:spTree>
+    <p:extLst>
+      <p:ext uri="{BB962C8B-B14F-4D97-AF65-F5344CB8AC3E}">
+        <p14:creationId xmlns:p14="http://schemas.microsoft.com/office/powerpoint/2010/main" val="1101018758"/>
+      </p:ext>
+    </p:extLst>
   </p:cSld>
   <p:clrMapOvr>
     <a:masterClrMapping/>
@@ -1560,7 +2244,7 @@
 </p:notes>
 </file>
 
-<file path=ppt/notesSlides/notesSlide17.xml><?xml version="1.0" encoding="utf-8"?>
+<file path=ppt/notesSlides/notesSlide21.xml><?xml version="1.0" encoding="utf-8"?>
 <p:notes xmlns:a="http://schemas.openxmlformats.org/drawingml/2006/main" xmlns:r="http://schemas.openxmlformats.org/officeDocument/2006/relationships" xmlns:p="http://schemas.openxmlformats.org/presentationml/2006/main" showMasterSp="0" showMasterPhAnim="0">
   <p:cSld>
     <p:spTree>
@@ -1657,6 +2341,11 @@
         </p:txBody>
       </p:sp>
     </p:spTree>
+    <p:extLst>
+      <p:ext uri="{BB962C8B-B14F-4D97-AF65-F5344CB8AC3E}">
+        <p14:creationId xmlns:p14="http://schemas.microsoft.com/office/powerpoint/2010/main" val="841953477"/>
+      </p:ext>
+    </p:extLst>
   </p:cSld>
   <p:clrMapOvr>
     <a:masterClrMapping/>
@@ -1664,7 +2353,7 @@
 </p:notes>
 </file>
 
-<file path=ppt/notesSlides/notesSlide18.xml><?xml version="1.0" encoding="utf-8"?>
+<file path=ppt/notesSlides/notesSlide22.xml><?xml version="1.0" encoding="utf-8"?>
 <p:notes xmlns:a="http://schemas.openxmlformats.org/drawingml/2006/main" xmlns:r="http://schemas.openxmlformats.org/officeDocument/2006/relationships" xmlns:p="http://schemas.openxmlformats.org/presentationml/2006/main" showMasterSp="0" showMasterPhAnim="0">
   <p:cSld>
     <p:spTree>
@@ -1761,6 +2450,11 @@
         </p:txBody>
       </p:sp>
     </p:spTree>
+    <p:extLst>
+      <p:ext uri="{BB962C8B-B14F-4D97-AF65-F5344CB8AC3E}">
+        <p14:creationId xmlns:p14="http://schemas.microsoft.com/office/powerpoint/2010/main" val="4290859635"/>
+      </p:ext>
+    </p:extLst>
   </p:cSld>
   <p:clrMapOvr>
     <a:masterClrMapping/>
@@ -1768,7 +2462,7 @@
 </p:notes>
 </file>
 
-<file path=ppt/notesSlides/notesSlide19.xml><?xml version="1.0" encoding="utf-8"?>
+<file path=ppt/notesSlides/notesSlide23.xml><?xml version="1.0" encoding="utf-8"?>
 <p:notes xmlns:a="http://schemas.openxmlformats.org/drawingml/2006/main" xmlns:r="http://schemas.openxmlformats.org/officeDocument/2006/relationships" xmlns:p="http://schemas.openxmlformats.org/presentationml/2006/main" showMasterSp="0" showMasterPhAnim="0">
   <p:cSld>
     <p:spTree>
@@ -1865,6 +2559,11 @@
         </p:txBody>
       </p:sp>
     </p:spTree>
+    <p:extLst>
+      <p:ext uri="{BB962C8B-B14F-4D97-AF65-F5344CB8AC3E}">
+        <p14:creationId xmlns:p14="http://schemas.microsoft.com/office/powerpoint/2010/main" val="3115013354"/>
+      </p:ext>
+    </p:extLst>
   </p:cSld>
   <p:clrMapOvr>
     <a:masterClrMapping/>
@@ -1872,7 +2571,1258 @@
 </p:notes>
 </file>
 
-<file path=ppt/notesSlides/notesSlide2.xml><?xml version="1.0" encoding="utf-8"?>
+<file path=ppt/notesSlides/notesSlide24.xml><?xml version="1.0" encoding="utf-8"?>
+<p:notes xmlns:a="http://schemas.openxmlformats.org/drawingml/2006/main" xmlns:r="http://schemas.openxmlformats.org/officeDocument/2006/relationships" xmlns:p="http://schemas.openxmlformats.org/presentationml/2006/main" showMasterSp="0" showMasterPhAnim="0">
+  <p:cSld>
+    <p:spTree>
+      <p:nvGrpSpPr>
+        <p:cNvPr id="1" name="Shape 292"/>
+        <p:cNvGrpSpPr/>
+        <p:nvPr/>
+      </p:nvGrpSpPr>
+      <p:grpSpPr>
+        <a:xfrm>
+          <a:off x="0" y="0"/>
+          <a:ext cx="0" cy="0"/>
+          <a:chOff x="0" y="0"/>
+          <a:chExt cx="0" cy="0"/>
+        </a:xfrm>
+      </p:grpSpPr>
+      <p:sp>
+        <p:nvSpPr>
+          <p:cNvPr id="293" name="Google Shape;293;g73ccfe25fe_0_83:notes"/>
+          <p:cNvSpPr>
+            <a:spLocks noGrp="1" noRot="1" noChangeAspect="1"/>
+          </p:cNvSpPr>
+          <p:nvPr>
+            <p:ph type="sldImg" idx="2"/>
+          </p:nvPr>
+        </p:nvSpPr>
+        <p:spPr>
+          <a:xfrm>
+            <a:off x="381300" y="685800"/>
+            <a:ext cx="6096000" cy="3429000"/>
+          </a:xfrm>
+          <a:custGeom>
+            <a:avLst/>
+            <a:gdLst/>
+            <a:ahLst/>
+            <a:cxnLst/>
+            <a:rect l="l" t="t" r="r" b="b"/>
+            <a:pathLst>
+              <a:path w="120000" h="120000" extrusionOk="0">
+                <a:moveTo>
+                  <a:pt x="0" y="0"/>
+                </a:moveTo>
+                <a:lnTo>
+                  <a:pt x="120000" y="0"/>
+                </a:lnTo>
+                <a:lnTo>
+                  <a:pt x="120000" y="120000"/>
+                </a:lnTo>
+                <a:lnTo>
+                  <a:pt x="0" y="120000"/>
+                </a:lnTo>
+                <a:close/>
+              </a:path>
+            </a:pathLst>
+          </a:custGeom>
+        </p:spPr>
+      </p:sp>
+      <p:sp>
+        <p:nvSpPr>
+          <p:cNvPr id="294" name="Google Shape;294;g73ccfe25fe_0_83:notes"/>
+          <p:cNvSpPr txBox="1">
+            <a:spLocks noGrp="1"/>
+          </p:cNvSpPr>
+          <p:nvPr>
+            <p:ph type="body" idx="1"/>
+          </p:nvPr>
+        </p:nvSpPr>
+        <p:spPr>
+          <a:xfrm>
+            <a:off x="685800" y="4343400"/>
+            <a:ext cx="5486400" cy="4114800"/>
+          </a:xfrm>
+          <a:prstGeom prst="rect">
+            <a:avLst/>
+          </a:prstGeom>
+        </p:spPr>
+        <p:txBody>
+          <a:bodyPr spcFirstLastPara="1" wrap="square" lIns="91425" tIns="91425" rIns="91425" bIns="91425" anchor="t" anchorCtr="0">
+            <a:noAutofit/>
+          </a:bodyPr>
+          <a:lstStyle/>
+          <a:p>
+            <a:pPr marL="0" lvl="0" indent="0" algn="l" rtl="0">
+              <a:spcBef>
+                <a:spcPts val="0"/>
+              </a:spcBef>
+              <a:spcAft>
+                <a:spcPts val="0"/>
+              </a:spcAft>
+              <a:buNone/>
+            </a:pPr>
+            <a:endParaRPr/>
+          </a:p>
+        </p:txBody>
+      </p:sp>
+    </p:spTree>
+    <p:extLst>
+      <p:ext uri="{BB962C8B-B14F-4D97-AF65-F5344CB8AC3E}">
+        <p14:creationId xmlns:p14="http://schemas.microsoft.com/office/powerpoint/2010/main" val="1115219354"/>
+      </p:ext>
+    </p:extLst>
+  </p:cSld>
+  <p:clrMapOvr>
+    <a:masterClrMapping/>
+  </p:clrMapOvr>
+</p:notes>
+</file>
+
+<file path=ppt/notesSlides/notesSlide25.xml><?xml version="1.0" encoding="utf-8"?>
+<p:notes xmlns:a="http://schemas.openxmlformats.org/drawingml/2006/main" xmlns:r="http://schemas.openxmlformats.org/officeDocument/2006/relationships" xmlns:p="http://schemas.openxmlformats.org/presentationml/2006/main" showMasterSp="0" showMasterPhAnim="0">
+  <p:cSld>
+    <p:spTree>
+      <p:nvGrpSpPr>
+        <p:cNvPr id="1" name="Shape 298"/>
+        <p:cNvGrpSpPr/>
+        <p:nvPr/>
+      </p:nvGrpSpPr>
+      <p:grpSpPr>
+        <a:xfrm>
+          <a:off x="0" y="0"/>
+          <a:ext cx="0" cy="0"/>
+          <a:chOff x="0" y="0"/>
+          <a:chExt cx="0" cy="0"/>
+        </a:xfrm>
+      </p:grpSpPr>
+      <p:sp>
+        <p:nvSpPr>
+          <p:cNvPr id="299" name="Google Shape;299;g73ccfe25fe_0_97:notes"/>
+          <p:cNvSpPr>
+            <a:spLocks noGrp="1" noRot="1" noChangeAspect="1"/>
+          </p:cNvSpPr>
+          <p:nvPr>
+            <p:ph type="sldImg" idx="2"/>
+          </p:nvPr>
+        </p:nvSpPr>
+        <p:spPr>
+          <a:xfrm>
+            <a:off x="381300" y="685800"/>
+            <a:ext cx="6096000" cy="3429000"/>
+          </a:xfrm>
+          <a:custGeom>
+            <a:avLst/>
+            <a:gdLst/>
+            <a:ahLst/>
+            <a:cxnLst/>
+            <a:rect l="l" t="t" r="r" b="b"/>
+            <a:pathLst>
+              <a:path w="120000" h="120000" extrusionOk="0">
+                <a:moveTo>
+                  <a:pt x="0" y="0"/>
+                </a:moveTo>
+                <a:lnTo>
+                  <a:pt x="120000" y="0"/>
+                </a:lnTo>
+                <a:lnTo>
+                  <a:pt x="120000" y="120000"/>
+                </a:lnTo>
+                <a:lnTo>
+                  <a:pt x="0" y="120000"/>
+                </a:lnTo>
+                <a:close/>
+              </a:path>
+            </a:pathLst>
+          </a:custGeom>
+        </p:spPr>
+      </p:sp>
+      <p:sp>
+        <p:nvSpPr>
+          <p:cNvPr id="300" name="Google Shape;300;g73ccfe25fe_0_97:notes"/>
+          <p:cNvSpPr txBox="1">
+            <a:spLocks noGrp="1"/>
+          </p:cNvSpPr>
+          <p:nvPr>
+            <p:ph type="body" idx="1"/>
+          </p:nvPr>
+        </p:nvSpPr>
+        <p:spPr>
+          <a:xfrm>
+            <a:off x="685800" y="4343400"/>
+            <a:ext cx="5486400" cy="4114800"/>
+          </a:xfrm>
+          <a:prstGeom prst="rect">
+            <a:avLst/>
+          </a:prstGeom>
+        </p:spPr>
+        <p:txBody>
+          <a:bodyPr spcFirstLastPara="1" wrap="square" lIns="91425" tIns="91425" rIns="91425" bIns="91425" anchor="t" anchorCtr="0">
+            <a:noAutofit/>
+          </a:bodyPr>
+          <a:lstStyle/>
+          <a:p>
+            <a:pPr marL="0" lvl="0" indent="0" algn="l" rtl="0">
+              <a:spcBef>
+                <a:spcPts val="0"/>
+              </a:spcBef>
+              <a:spcAft>
+                <a:spcPts val="0"/>
+              </a:spcAft>
+              <a:buNone/>
+            </a:pPr>
+            <a:endParaRPr/>
+          </a:p>
+        </p:txBody>
+      </p:sp>
+    </p:spTree>
+    <p:extLst>
+      <p:ext uri="{BB962C8B-B14F-4D97-AF65-F5344CB8AC3E}">
+        <p14:creationId xmlns:p14="http://schemas.microsoft.com/office/powerpoint/2010/main" val="2257161972"/>
+      </p:ext>
+    </p:extLst>
+  </p:cSld>
+  <p:clrMapOvr>
+    <a:masterClrMapping/>
+  </p:clrMapOvr>
+</p:notes>
+</file>
+
+<file path=ppt/notesSlides/notesSlide26.xml><?xml version="1.0" encoding="utf-8"?>
+<p:notes xmlns:a="http://schemas.openxmlformats.org/drawingml/2006/main" xmlns:r="http://schemas.openxmlformats.org/officeDocument/2006/relationships" xmlns:p="http://schemas.openxmlformats.org/presentationml/2006/main" showMasterSp="0" showMasterPhAnim="0">
+  <p:cSld>
+    <p:spTree>
+      <p:nvGrpSpPr>
+        <p:cNvPr id="1" name="Shape 306"/>
+        <p:cNvGrpSpPr/>
+        <p:nvPr/>
+      </p:nvGrpSpPr>
+      <p:grpSpPr>
+        <a:xfrm>
+          <a:off x="0" y="0"/>
+          <a:ext cx="0" cy="0"/>
+          <a:chOff x="0" y="0"/>
+          <a:chExt cx="0" cy="0"/>
+        </a:xfrm>
+      </p:grpSpPr>
+      <p:sp>
+        <p:nvSpPr>
+          <p:cNvPr id="307" name="Google Shape;307;g73ccfe25fe_0_114:notes"/>
+          <p:cNvSpPr>
+            <a:spLocks noGrp="1" noRot="1" noChangeAspect="1"/>
+          </p:cNvSpPr>
+          <p:nvPr>
+            <p:ph type="sldImg" idx="2"/>
+          </p:nvPr>
+        </p:nvSpPr>
+        <p:spPr>
+          <a:xfrm>
+            <a:off x="381300" y="685800"/>
+            <a:ext cx="6096000" cy="3429000"/>
+          </a:xfrm>
+          <a:custGeom>
+            <a:avLst/>
+            <a:gdLst/>
+            <a:ahLst/>
+            <a:cxnLst/>
+            <a:rect l="l" t="t" r="r" b="b"/>
+            <a:pathLst>
+              <a:path w="120000" h="120000" extrusionOk="0">
+                <a:moveTo>
+                  <a:pt x="0" y="0"/>
+                </a:moveTo>
+                <a:lnTo>
+                  <a:pt x="120000" y="0"/>
+                </a:lnTo>
+                <a:lnTo>
+                  <a:pt x="120000" y="120000"/>
+                </a:lnTo>
+                <a:lnTo>
+                  <a:pt x="0" y="120000"/>
+                </a:lnTo>
+                <a:close/>
+              </a:path>
+            </a:pathLst>
+          </a:custGeom>
+        </p:spPr>
+      </p:sp>
+      <p:sp>
+        <p:nvSpPr>
+          <p:cNvPr id="308" name="Google Shape;308;g73ccfe25fe_0_114:notes"/>
+          <p:cNvSpPr txBox="1">
+            <a:spLocks noGrp="1"/>
+          </p:cNvSpPr>
+          <p:nvPr>
+            <p:ph type="body" idx="1"/>
+          </p:nvPr>
+        </p:nvSpPr>
+        <p:spPr>
+          <a:xfrm>
+            <a:off x="685800" y="4343400"/>
+            <a:ext cx="5486400" cy="4114800"/>
+          </a:xfrm>
+          <a:prstGeom prst="rect">
+            <a:avLst/>
+          </a:prstGeom>
+        </p:spPr>
+        <p:txBody>
+          <a:bodyPr spcFirstLastPara="1" wrap="square" lIns="91425" tIns="91425" rIns="91425" bIns="91425" anchor="t" anchorCtr="0">
+            <a:noAutofit/>
+          </a:bodyPr>
+          <a:lstStyle/>
+          <a:p>
+            <a:pPr marL="0" lvl="0" indent="0" algn="l" rtl="0">
+              <a:spcBef>
+                <a:spcPts val="0"/>
+              </a:spcBef>
+              <a:spcAft>
+                <a:spcPts val="0"/>
+              </a:spcAft>
+              <a:buNone/>
+            </a:pPr>
+            <a:endParaRPr/>
+          </a:p>
+        </p:txBody>
+      </p:sp>
+    </p:spTree>
+    <p:extLst>
+      <p:ext uri="{BB962C8B-B14F-4D97-AF65-F5344CB8AC3E}">
+        <p14:creationId xmlns:p14="http://schemas.microsoft.com/office/powerpoint/2010/main" val="2578449546"/>
+      </p:ext>
+    </p:extLst>
+  </p:cSld>
+  <p:clrMapOvr>
+    <a:masterClrMapping/>
+  </p:clrMapOvr>
+</p:notes>
+</file>
+
+<file path=ppt/notesSlides/notesSlide27.xml><?xml version="1.0" encoding="utf-8"?>
+<p:notes xmlns:a="http://schemas.openxmlformats.org/drawingml/2006/main" xmlns:r="http://schemas.openxmlformats.org/officeDocument/2006/relationships" xmlns:p="http://schemas.openxmlformats.org/presentationml/2006/main" showMasterSp="0" showMasterPhAnim="0">
+  <p:cSld>
+    <p:spTree>
+      <p:nvGrpSpPr>
+        <p:cNvPr id="1" name="Shape 312"/>
+        <p:cNvGrpSpPr/>
+        <p:nvPr/>
+      </p:nvGrpSpPr>
+      <p:grpSpPr>
+        <a:xfrm>
+          <a:off x="0" y="0"/>
+          <a:ext cx="0" cy="0"/>
+          <a:chOff x="0" y="0"/>
+          <a:chExt cx="0" cy="0"/>
+        </a:xfrm>
+      </p:grpSpPr>
+      <p:sp>
+        <p:nvSpPr>
+          <p:cNvPr id="313" name="Google Shape;313;g73ccfe25fe_0_127:notes"/>
+          <p:cNvSpPr>
+            <a:spLocks noGrp="1" noRot="1" noChangeAspect="1"/>
+          </p:cNvSpPr>
+          <p:nvPr>
+            <p:ph type="sldImg" idx="2"/>
+          </p:nvPr>
+        </p:nvSpPr>
+        <p:spPr>
+          <a:xfrm>
+            <a:off x="381300" y="685800"/>
+            <a:ext cx="6096000" cy="3429000"/>
+          </a:xfrm>
+          <a:custGeom>
+            <a:avLst/>
+            <a:gdLst/>
+            <a:ahLst/>
+            <a:cxnLst/>
+            <a:rect l="l" t="t" r="r" b="b"/>
+            <a:pathLst>
+              <a:path w="120000" h="120000" extrusionOk="0">
+                <a:moveTo>
+                  <a:pt x="0" y="0"/>
+                </a:moveTo>
+                <a:lnTo>
+                  <a:pt x="120000" y="0"/>
+                </a:lnTo>
+                <a:lnTo>
+                  <a:pt x="120000" y="120000"/>
+                </a:lnTo>
+                <a:lnTo>
+                  <a:pt x="0" y="120000"/>
+                </a:lnTo>
+                <a:close/>
+              </a:path>
+            </a:pathLst>
+          </a:custGeom>
+        </p:spPr>
+      </p:sp>
+      <p:sp>
+        <p:nvSpPr>
+          <p:cNvPr id="314" name="Google Shape;314;g73ccfe25fe_0_127:notes"/>
+          <p:cNvSpPr txBox="1">
+            <a:spLocks noGrp="1"/>
+          </p:cNvSpPr>
+          <p:nvPr>
+            <p:ph type="body" idx="1"/>
+          </p:nvPr>
+        </p:nvSpPr>
+        <p:spPr>
+          <a:xfrm>
+            <a:off x="685800" y="4343400"/>
+            <a:ext cx="5486400" cy="4114800"/>
+          </a:xfrm>
+          <a:prstGeom prst="rect">
+            <a:avLst/>
+          </a:prstGeom>
+        </p:spPr>
+        <p:txBody>
+          <a:bodyPr spcFirstLastPara="1" wrap="square" lIns="91425" tIns="91425" rIns="91425" bIns="91425" anchor="t" anchorCtr="0">
+            <a:noAutofit/>
+          </a:bodyPr>
+          <a:lstStyle/>
+          <a:p>
+            <a:pPr marL="0" lvl="0" indent="0" algn="l" rtl="0">
+              <a:spcBef>
+                <a:spcPts val="0"/>
+              </a:spcBef>
+              <a:spcAft>
+                <a:spcPts val="0"/>
+              </a:spcAft>
+              <a:buNone/>
+            </a:pPr>
+            <a:endParaRPr/>
+          </a:p>
+        </p:txBody>
+      </p:sp>
+    </p:spTree>
+    <p:extLst>
+      <p:ext uri="{BB962C8B-B14F-4D97-AF65-F5344CB8AC3E}">
+        <p14:creationId xmlns:p14="http://schemas.microsoft.com/office/powerpoint/2010/main" val="1614995040"/>
+      </p:ext>
+    </p:extLst>
+  </p:cSld>
+  <p:clrMapOvr>
+    <a:masterClrMapping/>
+  </p:clrMapOvr>
+</p:notes>
+</file>
+
+<file path=ppt/notesSlides/notesSlide28.xml><?xml version="1.0" encoding="utf-8"?>
+<p:notes xmlns:a="http://schemas.openxmlformats.org/drawingml/2006/main" xmlns:r="http://schemas.openxmlformats.org/officeDocument/2006/relationships" xmlns:p="http://schemas.openxmlformats.org/presentationml/2006/main" showMasterSp="0" showMasterPhAnim="0">
+  <p:cSld>
+    <p:spTree>
+      <p:nvGrpSpPr>
+        <p:cNvPr id="1" name="Shape 320"/>
+        <p:cNvGrpSpPr/>
+        <p:nvPr/>
+      </p:nvGrpSpPr>
+      <p:grpSpPr>
+        <a:xfrm>
+          <a:off x="0" y="0"/>
+          <a:ext cx="0" cy="0"/>
+          <a:chOff x="0" y="0"/>
+          <a:chExt cx="0" cy="0"/>
+        </a:xfrm>
+      </p:grpSpPr>
+      <p:sp>
+        <p:nvSpPr>
+          <p:cNvPr id="321" name="Google Shape;321;g73ccfe25fe_0_119:notes"/>
+          <p:cNvSpPr>
+            <a:spLocks noGrp="1" noRot="1" noChangeAspect="1"/>
+          </p:cNvSpPr>
+          <p:nvPr>
+            <p:ph type="sldImg" idx="2"/>
+          </p:nvPr>
+        </p:nvSpPr>
+        <p:spPr>
+          <a:xfrm>
+            <a:off x="381300" y="685800"/>
+            <a:ext cx="6096000" cy="3429000"/>
+          </a:xfrm>
+          <a:custGeom>
+            <a:avLst/>
+            <a:gdLst/>
+            <a:ahLst/>
+            <a:cxnLst/>
+            <a:rect l="l" t="t" r="r" b="b"/>
+            <a:pathLst>
+              <a:path w="120000" h="120000" extrusionOk="0">
+                <a:moveTo>
+                  <a:pt x="0" y="0"/>
+                </a:moveTo>
+                <a:lnTo>
+                  <a:pt x="120000" y="0"/>
+                </a:lnTo>
+                <a:lnTo>
+                  <a:pt x="120000" y="120000"/>
+                </a:lnTo>
+                <a:lnTo>
+                  <a:pt x="0" y="120000"/>
+                </a:lnTo>
+                <a:close/>
+              </a:path>
+            </a:pathLst>
+          </a:custGeom>
+        </p:spPr>
+      </p:sp>
+      <p:sp>
+        <p:nvSpPr>
+          <p:cNvPr id="322" name="Google Shape;322;g73ccfe25fe_0_119:notes"/>
+          <p:cNvSpPr txBox="1">
+            <a:spLocks noGrp="1"/>
+          </p:cNvSpPr>
+          <p:nvPr>
+            <p:ph type="body" idx="1"/>
+          </p:nvPr>
+        </p:nvSpPr>
+        <p:spPr>
+          <a:xfrm>
+            <a:off x="685800" y="4343400"/>
+            <a:ext cx="5486400" cy="4114800"/>
+          </a:xfrm>
+          <a:prstGeom prst="rect">
+            <a:avLst/>
+          </a:prstGeom>
+        </p:spPr>
+        <p:txBody>
+          <a:bodyPr spcFirstLastPara="1" wrap="square" lIns="91425" tIns="91425" rIns="91425" bIns="91425" anchor="t" anchorCtr="0">
+            <a:noAutofit/>
+          </a:bodyPr>
+          <a:lstStyle/>
+          <a:p>
+            <a:pPr marL="0" lvl="0" indent="0" algn="l" rtl="0">
+              <a:spcBef>
+                <a:spcPts val="0"/>
+              </a:spcBef>
+              <a:spcAft>
+                <a:spcPts val="0"/>
+              </a:spcAft>
+              <a:buNone/>
+            </a:pPr>
+            <a:endParaRPr/>
+          </a:p>
+        </p:txBody>
+      </p:sp>
+    </p:spTree>
+    <p:extLst>
+      <p:ext uri="{BB962C8B-B14F-4D97-AF65-F5344CB8AC3E}">
+        <p14:creationId xmlns:p14="http://schemas.microsoft.com/office/powerpoint/2010/main" val="3405107039"/>
+      </p:ext>
+    </p:extLst>
+  </p:cSld>
+  <p:clrMapOvr>
+    <a:masterClrMapping/>
+  </p:clrMapOvr>
+</p:notes>
+</file>
+
+<file path=ppt/notesSlides/notesSlide29.xml><?xml version="1.0" encoding="utf-8"?>
+<p:notes xmlns:a="http://schemas.openxmlformats.org/drawingml/2006/main" xmlns:r="http://schemas.openxmlformats.org/officeDocument/2006/relationships" xmlns:p="http://schemas.openxmlformats.org/presentationml/2006/main" showMasterSp="0" showMasterPhAnim="0">
+  <p:cSld>
+    <p:spTree>
+      <p:nvGrpSpPr>
+        <p:cNvPr id="1" name="Shape 328"/>
+        <p:cNvGrpSpPr/>
+        <p:nvPr/>
+      </p:nvGrpSpPr>
+      <p:grpSpPr>
+        <a:xfrm>
+          <a:off x="0" y="0"/>
+          <a:ext cx="0" cy="0"/>
+          <a:chOff x="0" y="0"/>
+          <a:chExt cx="0" cy="0"/>
+        </a:xfrm>
+      </p:grpSpPr>
+      <p:sp>
+        <p:nvSpPr>
+          <p:cNvPr id="329" name="Google Shape;329;g73ccfe25fe_0_134:notes"/>
+          <p:cNvSpPr>
+            <a:spLocks noGrp="1" noRot="1" noChangeAspect="1"/>
+          </p:cNvSpPr>
+          <p:nvPr>
+            <p:ph type="sldImg" idx="2"/>
+          </p:nvPr>
+        </p:nvSpPr>
+        <p:spPr>
+          <a:xfrm>
+            <a:off x="381300" y="685800"/>
+            <a:ext cx="6096000" cy="3429000"/>
+          </a:xfrm>
+          <a:custGeom>
+            <a:avLst/>
+            <a:gdLst/>
+            <a:ahLst/>
+            <a:cxnLst/>
+            <a:rect l="l" t="t" r="r" b="b"/>
+            <a:pathLst>
+              <a:path w="120000" h="120000" extrusionOk="0">
+                <a:moveTo>
+                  <a:pt x="0" y="0"/>
+                </a:moveTo>
+                <a:lnTo>
+                  <a:pt x="120000" y="0"/>
+                </a:lnTo>
+                <a:lnTo>
+                  <a:pt x="120000" y="120000"/>
+                </a:lnTo>
+                <a:lnTo>
+                  <a:pt x="0" y="120000"/>
+                </a:lnTo>
+                <a:close/>
+              </a:path>
+            </a:pathLst>
+          </a:custGeom>
+        </p:spPr>
+      </p:sp>
+      <p:sp>
+        <p:nvSpPr>
+          <p:cNvPr id="330" name="Google Shape;330;g73ccfe25fe_0_134:notes"/>
+          <p:cNvSpPr txBox="1">
+            <a:spLocks noGrp="1"/>
+          </p:cNvSpPr>
+          <p:nvPr>
+            <p:ph type="body" idx="1"/>
+          </p:nvPr>
+        </p:nvSpPr>
+        <p:spPr>
+          <a:xfrm>
+            <a:off x="685800" y="4343400"/>
+            <a:ext cx="5486400" cy="4114800"/>
+          </a:xfrm>
+          <a:prstGeom prst="rect">
+            <a:avLst/>
+          </a:prstGeom>
+        </p:spPr>
+        <p:txBody>
+          <a:bodyPr spcFirstLastPara="1" wrap="square" lIns="91425" tIns="91425" rIns="91425" bIns="91425" anchor="t" anchorCtr="0">
+            <a:noAutofit/>
+          </a:bodyPr>
+          <a:lstStyle/>
+          <a:p>
+            <a:pPr marL="0" lvl="0" indent="0" algn="l" rtl="0">
+              <a:spcBef>
+                <a:spcPts val="0"/>
+              </a:spcBef>
+              <a:spcAft>
+                <a:spcPts val="0"/>
+              </a:spcAft>
+              <a:buNone/>
+            </a:pPr>
+            <a:endParaRPr/>
+          </a:p>
+        </p:txBody>
+      </p:sp>
+    </p:spTree>
+    <p:extLst>
+      <p:ext uri="{BB962C8B-B14F-4D97-AF65-F5344CB8AC3E}">
+        <p14:creationId xmlns:p14="http://schemas.microsoft.com/office/powerpoint/2010/main" val="2767358540"/>
+      </p:ext>
+    </p:extLst>
+  </p:cSld>
+  <p:clrMapOvr>
+    <a:masterClrMapping/>
+  </p:clrMapOvr>
+</p:notes>
+</file>
+
+<file path=ppt/notesSlides/notesSlide3.xml><?xml version="1.0" encoding="utf-8"?>
+<p:notes xmlns:a="http://schemas.openxmlformats.org/drawingml/2006/main" xmlns:r="http://schemas.openxmlformats.org/officeDocument/2006/relationships" xmlns:p="http://schemas.openxmlformats.org/presentationml/2006/main" showMasterSp="0" showMasterPhAnim="0">
+  <p:cSld>
+    <p:spTree>
+      <p:nvGrpSpPr>
+        <p:cNvPr id="1" name="Shape 154"/>
+        <p:cNvGrpSpPr/>
+        <p:nvPr/>
+      </p:nvGrpSpPr>
+      <p:grpSpPr>
+        <a:xfrm>
+          <a:off x="0" y="0"/>
+          <a:ext cx="0" cy="0"/>
+          <a:chOff x="0" y="0"/>
+          <a:chExt cx="0" cy="0"/>
+        </a:xfrm>
+      </p:grpSpPr>
+      <p:sp>
+        <p:nvSpPr>
+          <p:cNvPr id="155" name="Google Shape;155;g8386651e55_0_593:notes"/>
+          <p:cNvSpPr>
+            <a:spLocks noGrp="1" noRot="1" noChangeAspect="1"/>
+          </p:cNvSpPr>
+          <p:nvPr>
+            <p:ph type="sldImg" idx="2"/>
+          </p:nvPr>
+        </p:nvSpPr>
+        <p:spPr>
+          <a:xfrm>
+            <a:off x="381300" y="685800"/>
+            <a:ext cx="6096000" cy="3429000"/>
+          </a:xfrm>
+          <a:custGeom>
+            <a:avLst/>
+            <a:gdLst/>
+            <a:ahLst/>
+            <a:cxnLst/>
+            <a:rect l="l" t="t" r="r" b="b"/>
+            <a:pathLst>
+              <a:path w="120000" h="120000" extrusionOk="0">
+                <a:moveTo>
+                  <a:pt x="0" y="0"/>
+                </a:moveTo>
+                <a:lnTo>
+                  <a:pt x="120000" y="0"/>
+                </a:lnTo>
+                <a:lnTo>
+                  <a:pt x="120000" y="120000"/>
+                </a:lnTo>
+                <a:lnTo>
+                  <a:pt x="0" y="120000"/>
+                </a:lnTo>
+                <a:close/>
+              </a:path>
+            </a:pathLst>
+          </a:custGeom>
+        </p:spPr>
+      </p:sp>
+      <p:sp>
+        <p:nvSpPr>
+          <p:cNvPr id="156" name="Google Shape;156;g8386651e55_0_593:notes"/>
+          <p:cNvSpPr txBox="1">
+            <a:spLocks noGrp="1"/>
+          </p:cNvSpPr>
+          <p:nvPr>
+            <p:ph type="body" idx="1"/>
+          </p:nvPr>
+        </p:nvSpPr>
+        <p:spPr>
+          <a:xfrm>
+            <a:off x="685800" y="4343400"/>
+            <a:ext cx="5486400" cy="4114800"/>
+          </a:xfrm>
+          <a:prstGeom prst="rect">
+            <a:avLst/>
+          </a:prstGeom>
+        </p:spPr>
+        <p:txBody>
+          <a:bodyPr spcFirstLastPara="1" wrap="square" lIns="91425" tIns="91425" rIns="91425" bIns="91425" anchor="t" anchorCtr="0">
+            <a:noAutofit/>
+          </a:bodyPr>
+          <a:lstStyle/>
+          <a:p>
+            <a:pPr marL="0" lvl="0" indent="0" algn="l" rtl="0">
+              <a:lnSpc>
+                <a:spcPct val="90000"/>
+              </a:lnSpc>
+              <a:spcBef>
+                <a:spcPts val="900"/>
+              </a:spcBef>
+              <a:spcAft>
+                <a:spcPts val="200"/>
+              </a:spcAft>
+              <a:buClr>
+                <a:schemeClr val="dk1"/>
+              </a:buClr>
+              <a:buSzPts val="1100"/>
+              <a:buFont typeface="Arial"/>
+              <a:buNone/>
+            </a:pPr>
+            <a:r>
+              <a:rPr lang="en" sz="1500">
+                <a:solidFill>
+                  <a:schemeClr val="dk1"/>
+                </a:solidFill>
+                <a:latin typeface="Calibri"/>
+                <a:ea typeface="Calibri"/>
+                <a:cs typeface="Calibri"/>
+                <a:sym typeface="Calibri"/>
+              </a:rPr>
+              <a:t>We can extend the concept of linked data structure (linked list, stack, queue) to a structure that may have multiple relations among its nodes. Such a structure is called a </a:t>
+            </a:r>
+            <a:r>
+              <a:rPr lang="en" sz="1500" b="1">
+                <a:solidFill>
+                  <a:schemeClr val="dk1"/>
+                </a:solidFill>
+                <a:latin typeface="Calibri"/>
+                <a:ea typeface="Calibri"/>
+                <a:cs typeface="Calibri"/>
+                <a:sym typeface="Calibri"/>
+              </a:rPr>
+              <a:t>tree</a:t>
+            </a:r>
+            <a:r>
+              <a:rPr lang="en" sz="1500">
+                <a:solidFill>
+                  <a:schemeClr val="dk1"/>
+                </a:solidFill>
+                <a:latin typeface="Calibri"/>
+                <a:ea typeface="Calibri"/>
+                <a:cs typeface="Calibri"/>
+                <a:sym typeface="Calibri"/>
+              </a:rPr>
+              <a:t>.</a:t>
+            </a:r>
+            <a:endParaRPr sz="700"/>
+          </a:p>
+        </p:txBody>
+      </p:sp>
+    </p:spTree>
+    <p:extLst>
+      <p:ext uri="{BB962C8B-B14F-4D97-AF65-F5344CB8AC3E}">
+        <p14:creationId xmlns:p14="http://schemas.microsoft.com/office/powerpoint/2010/main" val="412416682"/>
+      </p:ext>
+    </p:extLst>
+  </p:cSld>
+  <p:clrMapOvr>
+    <a:masterClrMapping/>
+  </p:clrMapOvr>
+</p:notes>
+</file>
+
+<file path=ppt/notesSlides/notesSlide30.xml><?xml version="1.0" encoding="utf-8"?>
+<p:notes xmlns:a="http://schemas.openxmlformats.org/drawingml/2006/main" xmlns:r="http://schemas.openxmlformats.org/officeDocument/2006/relationships" xmlns:p="http://schemas.openxmlformats.org/presentationml/2006/main" showMasterSp="0" showMasterPhAnim="0">
+  <p:cSld>
+    <p:spTree>
+      <p:nvGrpSpPr>
+        <p:cNvPr id="1" name="Shape 336"/>
+        <p:cNvGrpSpPr/>
+        <p:nvPr/>
+      </p:nvGrpSpPr>
+      <p:grpSpPr>
+        <a:xfrm>
+          <a:off x="0" y="0"/>
+          <a:ext cx="0" cy="0"/>
+          <a:chOff x="0" y="0"/>
+          <a:chExt cx="0" cy="0"/>
+        </a:xfrm>
+      </p:grpSpPr>
+      <p:sp>
+        <p:nvSpPr>
+          <p:cNvPr id="337" name="Google Shape;337;g73ccfe25fe_0_146:notes"/>
+          <p:cNvSpPr>
+            <a:spLocks noGrp="1" noRot="1" noChangeAspect="1"/>
+          </p:cNvSpPr>
+          <p:nvPr>
+            <p:ph type="sldImg" idx="2"/>
+          </p:nvPr>
+        </p:nvSpPr>
+        <p:spPr>
+          <a:xfrm>
+            <a:off x="381300" y="685800"/>
+            <a:ext cx="6096000" cy="3429000"/>
+          </a:xfrm>
+          <a:custGeom>
+            <a:avLst/>
+            <a:gdLst/>
+            <a:ahLst/>
+            <a:cxnLst/>
+            <a:rect l="l" t="t" r="r" b="b"/>
+            <a:pathLst>
+              <a:path w="120000" h="120000" extrusionOk="0">
+                <a:moveTo>
+                  <a:pt x="0" y="0"/>
+                </a:moveTo>
+                <a:lnTo>
+                  <a:pt x="120000" y="0"/>
+                </a:lnTo>
+                <a:lnTo>
+                  <a:pt x="120000" y="120000"/>
+                </a:lnTo>
+                <a:lnTo>
+                  <a:pt x="0" y="120000"/>
+                </a:lnTo>
+                <a:close/>
+              </a:path>
+            </a:pathLst>
+          </a:custGeom>
+        </p:spPr>
+      </p:sp>
+      <p:sp>
+        <p:nvSpPr>
+          <p:cNvPr id="338" name="Google Shape;338;g73ccfe25fe_0_146:notes"/>
+          <p:cNvSpPr txBox="1">
+            <a:spLocks noGrp="1"/>
+          </p:cNvSpPr>
+          <p:nvPr>
+            <p:ph type="body" idx="1"/>
+          </p:nvPr>
+        </p:nvSpPr>
+        <p:spPr>
+          <a:xfrm>
+            <a:off x="685800" y="4343400"/>
+            <a:ext cx="5486400" cy="4114800"/>
+          </a:xfrm>
+          <a:prstGeom prst="rect">
+            <a:avLst/>
+          </a:prstGeom>
+        </p:spPr>
+        <p:txBody>
+          <a:bodyPr spcFirstLastPara="1" wrap="square" lIns="91425" tIns="91425" rIns="91425" bIns="91425" anchor="t" anchorCtr="0">
+            <a:noAutofit/>
+          </a:bodyPr>
+          <a:lstStyle/>
+          <a:p>
+            <a:pPr marL="0" lvl="0" indent="0" algn="l" rtl="0">
+              <a:spcBef>
+                <a:spcPts val="0"/>
+              </a:spcBef>
+              <a:spcAft>
+                <a:spcPts val="0"/>
+              </a:spcAft>
+              <a:buNone/>
+            </a:pPr>
+            <a:endParaRPr/>
+          </a:p>
+        </p:txBody>
+      </p:sp>
+    </p:spTree>
+    <p:extLst>
+      <p:ext uri="{BB962C8B-B14F-4D97-AF65-F5344CB8AC3E}">
+        <p14:creationId xmlns:p14="http://schemas.microsoft.com/office/powerpoint/2010/main" val="453734276"/>
+      </p:ext>
+    </p:extLst>
+  </p:cSld>
+  <p:clrMapOvr>
+    <a:masterClrMapping/>
+  </p:clrMapOvr>
+</p:notes>
+</file>
+
+<file path=ppt/notesSlides/notesSlide31.xml><?xml version="1.0" encoding="utf-8"?>
+<p:notes xmlns:a="http://schemas.openxmlformats.org/drawingml/2006/main" xmlns:r="http://schemas.openxmlformats.org/officeDocument/2006/relationships" xmlns:p="http://schemas.openxmlformats.org/presentationml/2006/main" showMasterSp="0" showMasterPhAnim="0">
+  <p:cSld>
+    <p:spTree>
+      <p:nvGrpSpPr>
+        <p:cNvPr id="1" name="Shape 347"/>
+        <p:cNvGrpSpPr/>
+        <p:nvPr/>
+      </p:nvGrpSpPr>
+      <p:grpSpPr>
+        <a:xfrm>
+          <a:off x="0" y="0"/>
+          <a:ext cx="0" cy="0"/>
+          <a:chOff x="0" y="0"/>
+          <a:chExt cx="0" cy="0"/>
+        </a:xfrm>
+      </p:grpSpPr>
+      <p:sp>
+        <p:nvSpPr>
+          <p:cNvPr id="348" name="Google Shape;348;g73ccfe25fe_0_156:notes"/>
+          <p:cNvSpPr>
+            <a:spLocks noGrp="1" noRot="1" noChangeAspect="1"/>
+          </p:cNvSpPr>
+          <p:nvPr>
+            <p:ph type="sldImg" idx="2"/>
+          </p:nvPr>
+        </p:nvSpPr>
+        <p:spPr>
+          <a:xfrm>
+            <a:off x="381300" y="685800"/>
+            <a:ext cx="6096000" cy="3429000"/>
+          </a:xfrm>
+          <a:custGeom>
+            <a:avLst/>
+            <a:gdLst/>
+            <a:ahLst/>
+            <a:cxnLst/>
+            <a:rect l="l" t="t" r="r" b="b"/>
+            <a:pathLst>
+              <a:path w="120000" h="120000" extrusionOk="0">
+                <a:moveTo>
+                  <a:pt x="0" y="0"/>
+                </a:moveTo>
+                <a:lnTo>
+                  <a:pt x="120000" y="0"/>
+                </a:lnTo>
+                <a:lnTo>
+                  <a:pt x="120000" y="120000"/>
+                </a:lnTo>
+                <a:lnTo>
+                  <a:pt x="0" y="120000"/>
+                </a:lnTo>
+                <a:close/>
+              </a:path>
+            </a:pathLst>
+          </a:custGeom>
+        </p:spPr>
+      </p:sp>
+      <p:sp>
+        <p:nvSpPr>
+          <p:cNvPr id="349" name="Google Shape;349;g73ccfe25fe_0_156:notes"/>
+          <p:cNvSpPr txBox="1">
+            <a:spLocks noGrp="1"/>
+          </p:cNvSpPr>
+          <p:nvPr>
+            <p:ph type="body" idx="1"/>
+          </p:nvPr>
+        </p:nvSpPr>
+        <p:spPr>
+          <a:xfrm>
+            <a:off x="685800" y="4343400"/>
+            <a:ext cx="5486400" cy="4114800"/>
+          </a:xfrm>
+          <a:prstGeom prst="rect">
+            <a:avLst/>
+          </a:prstGeom>
+        </p:spPr>
+        <p:txBody>
+          <a:bodyPr spcFirstLastPara="1" wrap="square" lIns="91425" tIns="91425" rIns="91425" bIns="91425" anchor="t" anchorCtr="0">
+            <a:noAutofit/>
+          </a:bodyPr>
+          <a:lstStyle/>
+          <a:p>
+            <a:pPr marL="0" lvl="0" indent="0" algn="l" rtl="0">
+              <a:spcBef>
+                <a:spcPts val="0"/>
+              </a:spcBef>
+              <a:spcAft>
+                <a:spcPts val="0"/>
+              </a:spcAft>
+              <a:buNone/>
+            </a:pPr>
+            <a:endParaRPr/>
+          </a:p>
+        </p:txBody>
+      </p:sp>
+    </p:spTree>
+    <p:extLst>
+      <p:ext uri="{BB962C8B-B14F-4D97-AF65-F5344CB8AC3E}">
+        <p14:creationId xmlns:p14="http://schemas.microsoft.com/office/powerpoint/2010/main" val="3366582364"/>
+      </p:ext>
+    </p:extLst>
+  </p:cSld>
+  <p:clrMapOvr>
+    <a:masterClrMapping/>
+  </p:clrMapOvr>
+</p:notes>
+</file>
+
+<file path=ppt/notesSlides/notesSlide4.xml><?xml version="1.0" encoding="utf-8"?>
+<p:notes xmlns:a="http://schemas.openxmlformats.org/drawingml/2006/main" xmlns:r="http://schemas.openxmlformats.org/officeDocument/2006/relationships" xmlns:p="http://schemas.openxmlformats.org/presentationml/2006/main" showMasterSp="0" showMasterPhAnim="0">
+  <p:cSld>
+    <p:spTree>
+      <p:nvGrpSpPr>
+        <p:cNvPr id="1" name="Shape 160"/>
+        <p:cNvGrpSpPr/>
+        <p:nvPr/>
+      </p:nvGrpSpPr>
+      <p:grpSpPr>
+        <a:xfrm>
+          <a:off x="0" y="0"/>
+          <a:ext cx="0" cy="0"/>
+          <a:chOff x="0" y="0"/>
+          <a:chExt cx="0" cy="0"/>
+        </a:xfrm>
+      </p:grpSpPr>
+      <p:sp>
+        <p:nvSpPr>
+          <p:cNvPr id="161" name="Google Shape;161;g8386651e55_0_600:notes"/>
+          <p:cNvSpPr>
+            <a:spLocks noGrp="1" noRot="1" noChangeAspect="1"/>
+          </p:cNvSpPr>
+          <p:nvPr>
+            <p:ph type="sldImg" idx="2"/>
+          </p:nvPr>
+        </p:nvSpPr>
+        <p:spPr>
+          <a:xfrm>
+            <a:off x="381300" y="685800"/>
+            <a:ext cx="6096000" cy="3429000"/>
+          </a:xfrm>
+          <a:custGeom>
+            <a:avLst/>
+            <a:gdLst/>
+            <a:ahLst/>
+            <a:cxnLst/>
+            <a:rect l="l" t="t" r="r" b="b"/>
+            <a:pathLst>
+              <a:path w="120000" h="120000" extrusionOk="0">
+                <a:moveTo>
+                  <a:pt x="0" y="0"/>
+                </a:moveTo>
+                <a:lnTo>
+                  <a:pt x="120000" y="0"/>
+                </a:lnTo>
+                <a:lnTo>
+                  <a:pt x="120000" y="120000"/>
+                </a:lnTo>
+                <a:lnTo>
+                  <a:pt x="0" y="120000"/>
+                </a:lnTo>
+                <a:close/>
+              </a:path>
+            </a:pathLst>
+          </a:custGeom>
+        </p:spPr>
+      </p:sp>
+      <p:sp>
+        <p:nvSpPr>
+          <p:cNvPr id="162" name="Google Shape;162;g8386651e55_0_600:notes"/>
+          <p:cNvSpPr txBox="1">
+            <a:spLocks noGrp="1"/>
+          </p:cNvSpPr>
+          <p:nvPr>
+            <p:ph type="body" idx="1"/>
+          </p:nvPr>
+        </p:nvSpPr>
+        <p:spPr>
+          <a:xfrm>
+            <a:off x="685800" y="4343400"/>
+            <a:ext cx="5486400" cy="4114800"/>
+          </a:xfrm>
+          <a:prstGeom prst="rect">
+            <a:avLst/>
+          </a:prstGeom>
+        </p:spPr>
+        <p:txBody>
+          <a:bodyPr spcFirstLastPara="1" wrap="square" lIns="91425" tIns="91425" rIns="91425" bIns="91425" anchor="t" anchorCtr="0">
+            <a:noAutofit/>
+          </a:bodyPr>
+          <a:lstStyle/>
+          <a:p>
+            <a:pPr marL="0" lvl="0" indent="0" algn="l" rtl="0">
+              <a:spcBef>
+                <a:spcPts val="0"/>
+              </a:spcBef>
+              <a:spcAft>
+                <a:spcPts val="0"/>
+              </a:spcAft>
+              <a:buNone/>
+            </a:pPr>
+            <a:endParaRPr/>
+          </a:p>
+        </p:txBody>
+      </p:sp>
+    </p:spTree>
+    <p:extLst>
+      <p:ext uri="{BB962C8B-B14F-4D97-AF65-F5344CB8AC3E}">
+        <p14:creationId xmlns:p14="http://schemas.microsoft.com/office/powerpoint/2010/main" val="205845819"/>
+      </p:ext>
+    </p:extLst>
+  </p:cSld>
+  <p:clrMapOvr>
+    <a:masterClrMapping/>
+  </p:clrMapOvr>
+</p:notes>
+</file>
+
+<file path=ppt/notesSlides/notesSlide5.xml><?xml version="1.0" encoding="utf-8"?>
+<p:notes xmlns:a="http://schemas.openxmlformats.org/drawingml/2006/main" xmlns:r="http://schemas.openxmlformats.org/officeDocument/2006/relationships" xmlns:p="http://schemas.openxmlformats.org/presentationml/2006/main" showMasterSp="0" showMasterPhAnim="0">
+  <p:cSld>
+    <p:spTree>
+      <p:nvGrpSpPr>
+        <p:cNvPr id="1" name="Shape 167"/>
+        <p:cNvGrpSpPr/>
+        <p:nvPr/>
+      </p:nvGrpSpPr>
+      <p:grpSpPr>
+        <a:xfrm>
+          <a:off x="0" y="0"/>
+          <a:ext cx="0" cy="0"/>
+          <a:chOff x="0" y="0"/>
+          <a:chExt cx="0" cy="0"/>
+        </a:xfrm>
+      </p:grpSpPr>
+      <p:sp>
+        <p:nvSpPr>
+          <p:cNvPr id="168" name="Google Shape;168;g8386651e55_0_609:notes"/>
+          <p:cNvSpPr>
+            <a:spLocks noGrp="1" noRot="1" noChangeAspect="1"/>
+          </p:cNvSpPr>
+          <p:nvPr>
+            <p:ph type="sldImg" idx="2"/>
+          </p:nvPr>
+        </p:nvSpPr>
+        <p:spPr>
+          <a:xfrm>
+            <a:off x="381300" y="685800"/>
+            <a:ext cx="6096000" cy="3429000"/>
+          </a:xfrm>
+          <a:custGeom>
+            <a:avLst/>
+            <a:gdLst/>
+            <a:ahLst/>
+            <a:cxnLst/>
+            <a:rect l="l" t="t" r="r" b="b"/>
+            <a:pathLst>
+              <a:path w="120000" h="120000" extrusionOk="0">
+                <a:moveTo>
+                  <a:pt x="0" y="0"/>
+                </a:moveTo>
+                <a:lnTo>
+                  <a:pt x="120000" y="0"/>
+                </a:lnTo>
+                <a:lnTo>
+                  <a:pt x="120000" y="120000"/>
+                </a:lnTo>
+                <a:lnTo>
+                  <a:pt x="0" y="120000"/>
+                </a:lnTo>
+                <a:close/>
+              </a:path>
+            </a:pathLst>
+          </a:custGeom>
+        </p:spPr>
+      </p:sp>
+      <p:sp>
+        <p:nvSpPr>
+          <p:cNvPr id="169" name="Google Shape;169;g8386651e55_0_609:notes"/>
+          <p:cNvSpPr txBox="1">
+            <a:spLocks noGrp="1"/>
+          </p:cNvSpPr>
+          <p:nvPr>
+            <p:ph type="body" idx="1"/>
+          </p:nvPr>
+        </p:nvSpPr>
+        <p:spPr>
+          <a:xfrm>
+            <a:off x="685800" y="4343400"/>
+            <a:ext cx="5486400" cy="4114800"/>
+          </a:xfrm>
+          <a:prstGeom prst="rect">
+            <a:avLst/>
+          </a:prstGeom>
+        </p:spPr>
+        <p:txBody>
+          <a:bodyPr spcFirstLastPara="1" wrap="square" lIns="91425" tIns="91425" rIns="91425" bIns="91425" anchor="t" anchorCtr="0">
+            <a:noAutofit/>
+          </a:bodyPr>
+          <a:lstStyle/>
+          <a:p>
+            <a:pPr marL="0" lvl="0" indent="0" algn="l" rtl="0">
+              <a:spcBef>
+                <a:spcPts val="0"/>
+              </a:spcBef>
+              <a:spcAft>
+                <a:spcPts val="0"/>
+              </a:spcAft>
+              <a:buNone/>
+            </a:pPr>
+            <a:r>
+              <a:rPr lang="en" sz="1200">
+                <a:solidFill>
+                  <a:schemeClr val="dk1"/>
+                </a:solidFill>
+              </a:rPr>
+              <a:t>*Internal nodes have at least one child.</a:t>
+            </a:r>
+            <a:endParaRPr/>
+          </a:p>
+        </p:txBody>
+      </p:sp>
+    </p:spTree>
+    <p:extLst>
+      <p:ext uri="{BB962C8B-B14F-4D97-AF65-F5344CB8AC3E}">
+        <p14:creationId xmlns:p14="http://schemas.microsoft.com/office/powerpoint/2010/main" val="724514891"/>
+      </p:ext>
+    </p:extLst>
+  </p:cSld>
+  <p:clrMapOvr>
+    <a:masterClrMapping/>
+  </p:clrMapOvr>
+</p:notes>
+</file>
+
+<file path=ppt/notesSlides/notesSlide6.xml><?xml version="1.0" encoding="utf-8"?>
 <p:notes xmlns:a="http://schemas.openxmlformats.org/drawingml/2006/main" xmlns:r="http://schemas.openxmlformats.org/officeDocument/2006/relationships" xmlns:p="http://schemas.openxmlformats.org/presentationml/2006/main" showMasterSp="0" showMasterPhAnim="0">
   <p:cSld>
     <p:spTree>
@@ -1969,6 +3919,11 @@
         </p:txBody>
       </p:sp>
     </p:spTree>
+    <p:extLst>
+      <p:ext uri="{BB962C8B-B14F-4D97-AF65-F5344CB8AC3E}">
+        <p14:creationId xmlns:p14="http://schemas.microsoft.com/office/powerpoint/2010/main" val="39467976"/>
+      </p:ext>
+    </p:extLst>
   </p:cSld>
   <p:clrMapOvr>
     <a:masterClrMapping/>
@@ -1976,839 +3931,7 @@
 </p:notes>
 </file>
 
-<file path=ppt/notesSlides/notesSlide20.xml><?xml version="1.0" encoding="utf-8"?>
-<p:notes xmlns:a="http://schemas.openxmlformats.org/drawingml/2006/main" xmlns:r="http://schemas.openxmlformats.org/officeDocument/2006/relationships" xmlns:p="http://schemas.openxmlformats.org/presentationml/2006/main" showMasterSp="0" showMasterPhAnim="0">
-  <p:cSld>
-    <p:spTree>
-      <p:nvGrpSpPr>
-        <p:cNvPr id="1" name="Shape 292"/>
-        <p:cNvGrpSpPr/>
-        <p:nvPr/>
-      </p:nvGrpSpPr>
-      <p:grpSpPr>
-        <a:xfrm>
-          <a:off x="0" y="0"/>
-          <a:ext cx="0" cy="0"/>
-          <a:chOff x="0" y="0"/>
-          <a:chExt cx="0" cy="0"/>
-        </a:xfrm>
-      </p:grpSpPr>
-      <p:sp>
-        <p:nvSpPr>
-          <p:cNvPr id="293" name="Google Shape;293;g73ccfe25fe_0_83:notes"/>
-          <p:cNvSpPr>
-            <a:spLocks noGrp="1" noRot="1" noChangeAspect="1"/>
-          </p:cNvSpPr>
-          <p:nvPr>
-            <p:ph type="sldImg" idx="2"/>
-          </p:nvPr>
-        </p:nvSpPr>
-        <p:spPr>
-          <a:xfrm>
-            <a:off x="381300" y="685800"/>
-            <a:ext cx="6096000" cy="3429000"/>
-          </a:xfrm>
-          <a:custGeom>
-            <a:avLst/>
-            <a:gdLst/>
-            <a:ahLst/>
-            <a:cxnLst/>
-            <a:rect l="l" t="t" r="r" b="b"/>
-            <a:pathLst>
-              <a:path w="120000" h="120000" extrusionOk="0">
-                <a:moveTo>
-                  <a:pt x="0" y="0"/>
-                </a:moveTo>
-                <a:lnTo>
-                  <a:pt x="120000" y="0"/>
-                </a:lnTo>
-                <a:lnTo>
-                  <a:pt x="120000" y="120000"/>
-                </a:lnTo>
-                <a:lnTo>
-                  <a:pt x="0" y="120000"/>
-                </a:lnTo>
-                <a:close/>
-              </a:path>
-            </a:pathLst>
-          </a:custGeom>
-        </p:spPr>
-      </p:sp>
-      <p:sp>
-        <p:nvSpPr>
-          <p:cNvPr id="294" name="Google Shape;294;g73ccfe25fe_0_83:notes"/>
-          <p:cNvSpPr txBox="1">
-            <a:spLocks noGrp="1"/>
-          </p:cNvSpPr>
-          <p:nvPr>
-            <p:ph type="body" idx="1"/>
-          </p:nvPr>
-        </p:nvSpPr>
-        <p:spPr>
-          <a:xfrm>
-            <a:off x="685800" y="4343400"/>
-            <a:ext cx="5486400" cy="4114800"/>
-          </a:xfrm>
-          <a:prstGeom prst="rect">
-            <a:avLst/>
-          </a:prstGeom>
-        </p:spPr>
-        <p:txBody>
-          <a:bodyPr spcFirstLastPara="1" wrap="square" lIns="91425" tIns="91425" rIns="91425" bIns="91425" anchor="t" anchorCtr="0">
-            <a:noAutofit/>
-          </a:bodyPr>
-          <a:lstStyle/>
-          <a:p>
-            <a:pPr marL="0" lvl="0" indent="0" algn="l" rtl="0">
-              <a:spcBef>
-                <a:spcPts val="0"/>
-              </a:spcBef>
-              <a:spcAft>
-                <a:spcPts val="0"/>
-              </a:spcAft>
-              <a:buNone/>
-            </a:pPr>
-            <a:endParaRPr/>
-          </a:p>
-        </p:txBody>
-      </p:sp>
-    </p:spTree>
-  </p:cSld>
-  <p:clrMapOvr>
-    <a:masterClrMapping/>
-  </p:clrMapOvr>
-</p:notes>
-</file>
-
-<file path=ppt/notesSlides/notesSlide21.xml><?xml version="1.0" encoding="utf-8"?>
-<p:notes xmlns:a="http://schemas.openxmlformats.org/drawingml/2006/main" xmlns:r="http://schemas.openxmlformats.org/officeDocument/2006/relationships" xmlns:p="http://schemas.openxmlformats.org/presentationml/2006/main" showMasterSp="0" showMasterPhAnim="0">
-  <p:cSld>
-    <p:spTree>
-      <p:nvGrpSpPr>
-        <p:cNvPr id="1" name="Shape 298"/>
-        <p:cNvGrpSpPr/>
-        <p:nvPr/>
-      </p:nvGrpSpPr>
-      <p:grpSpPr>
-        <a:xfrm>
-          <a:off x="0" y="0"/>
-          <a:ext cx="0" cy="0"/>
-          <a:chOff x="0" y="0"/>
-          <a:chExt cx="0" cy="0"/>
-        </a:xfrm>
-      </p:grpSpPr>
-      <p:sp>
-        <p:nvSpPr>
-          <p:cNvPr id="299" name="Google Shape;299;g73ccfe25fe_0_97:notes"/>
-          <p:cNvSpPr>
-            <a:spLocks noGrp="1" noRot="1" noChangeAspect="1"/>
-          </p:cNvSpPr>
-          <p:nvPr>
-            <p:ph type="sldImg" idx="2"/>
-          </p:nvPr>
-        </p:nvSpPr>
-        <p:spPr>
-          <a:xfrm>
-            <a:off x="381300" y="685800"/>
-            <a:ext cx="6096000" cy="3429000"/>
-          </a:xfrm>
-          <a:custGeom>
-            <a:avLst/>
-            <a:gdLst/>
-            <a:ahLst/>
-            <a:cxnLst/>
-            <a:rect l="l" t="t" r="r" b="b"/>
-            <a:pathLst>
-              <a:path w="120000" h="120000" extrusionOk="0">
-                <a:moveTo>
-                  <a:pt x="0" y="0"/>
-                </a:moveTo>
-                <a:lnTo>
-                  <a:pt x="120000" y="0"/>
-                </a:lnTo>
-                <a:lnTo>
-                  <a:pt x="120000" y="120000"/>
-                </a:lnTo>
-                <a:lnTo>
-                  <a:pt x="0" y="120000"/>
-                </a:lnTo>
-                <a:close/>
-              </a:path>
-            </a:pathLst>
-          </a:custGeom>
-        </p:spPr>
-      </p:sp>
-      <p:sp>
-        <p:nvSpPr>
-          <p:cNvPr id="300" name="Google Shape;300;g73ccfe25fe_0_97:notes"/>
-          <p:cNvSpPr txBox="1">
-            <a:spLocks noGrp="1"/>
-          </p:cNvSpPr>
-          <p:nvPr>
-            <p:ph type="body" idx="1"/>
-          </p:nvPr>
-        </p:nvSpPr>
-        <p:spPr>
-          <a:xfrm>
-            <a:off x="685800" y="4343400"/>
-            <a:ext cx="5486400" cy="4114800"/>
-          </a:xfrm>
-          <a:prstGeom prst="rect">
-            <a:avLst/>
-          </a:prstGeom>
-        </p:spPr>
-        <p:txBody>
-          <a:bodyPr spcFirstLastPara="1" wrap="square" lIns="91425" tIns="91425" rIns="91425" bIns="91425" anchor="t" anchorCtr="0">
-            <a:noAutofit/>
-          </a:bodyPr>
-          <a:lstStyle/>
-          <a:p>
-            <a:pPr marL="0" lvl="0" indent="0" algn="l" rtl="0">
-              <a:spcBef>
-                <a:spcPts val="0"/>
-              </a:spcBef>
-              <a:spcAft>
-                <a:spcPts val="0"/>
-              </a:spcAft>
-              <a:buNone/>
-            </a:pPr>
-            <a:endParaRPr/>
-          </a:p>
-        </p:txBody>
-      </p:sp>
-    </p:spTree>
-  </p:cSld>
-  <p:clrMapOvr>
-    <a:masterClrMapping/>
-  </p:clrMapOvr>
-</p:notes>
-</file>
-
-<file path=ppt/notesSlides/notesSlide22.xml><?xml version="1.0" encoding="utf-8"?>
-<p:notes xmlns:a="http://schemas.openxmlformats.org/drawingml/2006/main" xmlns:r="http://schemas.openxmlformats.org/officeDocument/2006/relationships" xmlns:p="http://schemas.openxmlformats.org/presentationml/2006/main" showMasterSp="0" showMasterPhAnim="0">
-  <p:cSld>
-    <p:spTree>
-      <p:nvGrpSpPr>
-        <p:cNvPr id="1" name="Shape 306"/>
-        <p:cNvGrpSpPr/>
-        <p:nvPr/>
-      </p:nvGrpSpPr>
-      <p:grpSpPr>
-        <a:xfrm>
-          <a:off x="0" y="0"/>
-          <a:ext cx="0" cy="0"/>
-          <a:chOff x="0" y="0"/>
-          <a:chExt cx="0" cy="0"/>
-        </a:xfrm>
-      </p:grpSpPr>
-      <p:sp>
-        <p:nvSpPr>
-          <p:cNvPr id="307" name="Google Shape;307;g73ccfe25fe_0_114:notes"/>
-          <p:cNvSpPr>
-            <a:spLocks noGrp="1" noRot="1" noChangeAspect="1"/>
-          </p:cNvSpPr>
-          <p:nvPr>
-            <p:ph type="sldImg" idx="2"/>
-          </p:nvPr>
-        </p:nvSpPr>
-        <p:spPr>
-          <a:xfrm>
-            <a:off x="381300" y="685800"/>
-            <a:ext cx="6096000" cy="3429000"/>
-          </a:xfrm>
-          <a:custGeom>
-            <a:avLst/>
-            <a:gdLst/>
-            <a:ahLst/>
-            <a:cxnLst/>
-            <a:rect l="l" t="t" r="r" b="b"/>
-            <a:pathLst>
-              <a:path w="120000" h="120000" extrusionOk="0">
-                <a:moveTo>
-                  <a:pt x="0" y="0"/>
-                </a:moveTo>
-                <a:lnTo>
-                  <a:pt x="120000" y="0"/>
-                </a:lnTo>
-                <a:lnTo>
-                  <a:pt x="120000" y="120000"/>
-                </a:lnTo>
-                <a:lnTo>
-                  <a:pt x="0" y="120000"/>
-                </a:lnTo>
-                <a:close/>
-              </a:path>
-            </a:pathLst>
-          </a:custGeom>
-        </p:spPr>
-      </p:sp>
-      <p:sp>
-        <p:nvSpPr>
-          <p:cNvPr id="308" name="Google Shape;308;g73ccfe25fe_0_114:notes"/>
-          <p:cNvSpPr txBox="1">
-            <a:spLocks noGrp="1"/>
-          </p:cNvSpPr>
-          <p:nvPr>
-            <p:ph type="body" idx="1"/>
-          </p:nvPr>
-        </p:nvSpPr>
-        <p:spPr>
-          <a:xfrm>
-            <a:off x="685800" y="4343400"/>
-            <a:ext cx="5486400" cy="4114800"/>
-          </a:xfrm>
-          <a:prstGeom prst="rect">
-            <a:avLst/>
-          </a:prstGeom>
-        </p:spPr>
-        <p:txBody>
-          <a:bodyPr spcFirstLastPara="1" wrap="square" lIns="91425" tIns="91425" rIns="91425" bIns="91425" anchor="t" anchorCtr="0">
-            <a:noAutofit/>
-          </a:bodyPr>
-          <a:lstStyle/>
-          <a:p>
-            <a:pPr marL="0" lvl="0" indent="0" algn="l" rtl="0">
-              <a:spcBef>
-                <a:spcPts val="0"/>
-              </a:spcBef>
-              <a:spcAft>
-                <a:spcPts val="0"/>
-              </a:spcAft>
-              <a:buNone/>
-            </a:pPr>
-            <a:endParaRPr/>
-          </a:p>
-        </p:txBody>
-      </p:sp>
-    </p:spTree>
-  </p:cSld>
-  <p:clrMapOvr>
-    <a:masterClrMapping/>
-  </p:clrMapOvr>
-</p:notes>
-</file>
-
-<file path=ppt/notesSlides/notesSlide23.xml><?xml version="1.0" encoding="utf-8"?>
-<p:notes xmlns:a="http://schemas.openxmlformats.org/drawingml/2006/main" xmlns:r="http://schemas.openxmlformats.org/officeDocument/2006/relationships" xmlns:p="http://schemas.openxmlformats.org/presentationml/2006/main" showMasterSp="0" showMasterPhAnim="0">
-  <p:cSld>
-    <p:spTree>
-      <p:nvGrpSpPr>
-        <p:cNvPr id="1" name="Shape 312"/>
-        <p:cNvGrpSpPr/>
-        <p:nvPr/>
-      </p:nvGrpSpPr>
-      <p:grpSpPr>
-        <a:xfrm>
-          <a:off x="0" y="0"/>
-          <a:ext cx="0" cy="0"/>
-          <a:chOff x="0" y="0"/>
-          <a:chExt cx="0" cy="0"/>
-        </a:xfrm>
-      </p:grpSpPr>
-      <p:sp>
-        <p:nvSpPr>
-          <p:cNvPr id="313" name="Google Shape;313;g73ccfe25fe_0_127:notes"/>
-          <p:cNvSpPr>
-            <a:spLocks noGrp="1" noRot="1" noChangeAspect="1"/>
-          </p:cNvSpPr>
-          <p:nvPr>
-            <p:ph type="sldImg" idx="2"/>
-          </p:nvPr>
-        </p:nvSpPr>
-        <p:spPr>
-          <a:xfrm>
-            <a:off x="381300" y="685800"/>
-            <a:ext cx="6096000" cy="3429000"/>
-          </a:xfrm>
-          <a:custGeom>
-            <a:avLst/>
-            <a:gdLst/>
-            <a:ahLst/>
-            <a:cxnLst/>
-            <a:rect l="l" t="t" r="r" b="b"/>
-            <a:pathLst>
-              <a:path w="120000" h="120000" extrusionOk="0">
-                <a:moveTo>
-                  <a:pt x="0" y="0"/>
-                </a:moveTo>
-                <a:lnTo>
-                  <a:pt x="120000" y="0"/>
-                </a:lnTo>
-                <a:lnTo>
-                  <a:pt x="120000" y="120000"/>
-                </a:lnTo>
-                <a:lnTo>
-                  <a:pt x="0" y="120000"/>
-                </a:lnTo>
-                <a:close/>
-              </a:path>
-            </a:pathLst>
-          </a:custGeom>
-        </p:spPr>
-      </p:sp>
-      <p:sp>
-        <p:nvSpPr>
-          <p:cNvPr id="314" name="Google Shape;314;g73ccfe25fe_0_127:notes"/>
-          <p:cNvSpPr txBox="1">
-            <a:spLocks noGrp="1"/>
-          </p:cNvSpPr>
-          <p:nvPr>
-            <p:ph type="body" idx="1"/>
-          </p:nvPr>
-        </p:nvSpPr>
-        <p:spPr>
-          <a:xfrm>
-            <a:off x="685800" y="4343400"/>
-            <a:ext cx="5486400" cy="4114800"/>
-          </a:xfrm>
-          <a:prstGeom prst="rect">
-            <a:avLst/>
-          </a:prstGeom>
-        </p:spPr>
-        <p:txBody>
-          <a:bodyPr spcFirstLastPara="1" wrap="square" lIns="91425" tIns="91425" rIns="91425" bIns="91425" anchor="t" anchorCtr="0">
-            <a:noAutofit/>
-          </a:bodyPr>
-          <a:lstStyle/>
-          <a:p>
-            <a:pPr marL="0" lvl="0" indent="0" algn="l" rtl="0">
-              <a:spcBef>
-                <a:spcPts val="0"/>
-              </a:spcBef>
-              <a:spcAft>
-                <a:spcPts val="0"/>
-              </a:spcAft>
-              <a:buNone/>
-            </a:pPr>
-            <a:endParaRPr/>
-          </a:p>
-        </p:txBody>
-      </p:sp>
-    </p:spTree>
-  </p:cSld>
-  <p:clrMapOvr>
-    <a:masterClrMapping/>
-  </p:clrMapOvr>
-</p:notes>
-</file>
-
-<file path=ppt/notesSlides/notesSlide24.xml><?xml version="1.0" encoding="utf-8"?>
-<p:notes xmlns:a="http://schemas.openxmlformats.org/drawingml/2006/main" xmlns:r="http://schemas.openxmlformats.org/officeDocument/2006/relationships" xmlns:p="http://schemas.openxmlformats.org/presentationml/2006/main" showMasterSp="0" showMasterPhAnim="0">
-  <p:cSld>
-    <p:spTree>
-      <p:nvGrpSpPr>
-        <p:cNvPr id="1" name="Shape 320"/>
-        <p:cNvGrpSpPr/>
-        <p:nvPr/>
-      </p:nvGrpSpPr>
-      <p:grpSpPr>
-        <a:xfrm>
-          <a:off x="0" y="0"/>
-          <a:ext cx="0" cy="0"/>
-          <a:chOff x="0" y="0"/>
-          <a:chExt cx="0" cy="0"/>
-        </a:xfrm>
-      </p:grpSpPr>
-      <p:sp>
-        <p:nvSpPr>
-          <p:cNvPr id="321" name="Google Shape;321;g73ccfe25fe_0_119:notes"/>
-          <p:cNvSpPr>
-            <a:spLocks noGrp="1" noRot="1" noChangeAspect="1"/>
-          </p:cNvSpPr>
-          <p:nvPr>
-            <p:ph type="sldImg" idx="2"/>
-          </p:nvPr>
-        </p:nvSpPr>
-        <p:spPr>
-          <a:xfrm>
-            <a:off x="381300" y="685800"/>
-            <a:ext cx="6096000" cy="3429000"/>
-          </a:xfrm>
-          <a:custGeom>
-            <a:avLst/>
-            <a:gdLst/>
-            <a:ahLst/>
-            <a:cxnLst/>
-            <a:rect l="l" t="t" r="r" b="b"/>
-            <a:pathLst>
-              <a:path w="120000" h="120000" extrusionOk="0">
-                <a:moveTo>
-                  <a:pt x="0" y="0"/>
-                </a:moveTo>
-                <a:lnTo>
-                  <a:pt x="120000" y="0"/>
-                </a:lnTo>
-                <a:lnTo>
-                  <a:pt x="120000" y="120000"/>
-                </a:lnTo>
-                <a:lnTo>
-                  <a:pt x="0" y="120000"/>
-                </a:lnTo>
-                <a:close/>
-              </a:path>
-            </a:pathLst>
-          </a:custGeom>
-        </p:spPr>
-      </p:sp>
-      <p:sp>
-        <p:nvSpPr>
-          <p:cNvPr id="322" name="Google Shape;322;g73ccfe25fe_0_119:notes"/>
-          <p:cNvSpPr txBox="1">
-            <a:spLocks noGrp="1"/>
-          </p:cNvSpPr>
-          <p:nvPr>
-            <p:ph type="body" idx="1"/>
-          </p:nvPr>
-        </p:nvSpPr>
-        <p:spPr>
-          <a:xfrm>
-            <a:off x="685800" y="4343400"/>
-            <a:ext cx="5486400" cy="4114800"/>
-          </a:xfrm>
-          <a:prstGeom prst="rect">
-            <a:avLst/>
-          </a:prstGeom>
-        </p:spPr>
-        <p:txBody>
-          <a:bodyPr spcFirstLastPara="1" wrap="square" lIns="91425" tIns="91425" rIns="91425" bIns="91425" anchor="t" anchorCtr="0">
-            <a:noAutofit/>
-          </a:bodyPr>
-          <a:lstStyle/>
-          <a:p>
-            <a:pPr marL="0" lvl="0" indent="0" algn="l" rtl="0">
-              <a:spcBef>
-                <a:spcPts val="0"/>
-              </a:spcBef>
-              <a:spcAft>
-                <a:spcPts val="0"/>
-              </a:spcAft>
-              <a:buNone/>
-            </a:pPr>
-            <a:endParaRPr/>
-          </a:p>
-        </p:txBody>
-      </p:sp>
-    </p:spTree>
-  </p:cSld>
-  <p:clrMapOvr>
-    <a:masterClrMapping/>
-  </p:clrMapOvr>
-</p:notes>
-</file>
-
-<file path=ppt/notesSlides/notesSlide25.xml><?xml version="1.0" encoding="utf-8"?>
-<p:notes xmlns:a="http://schemas.openxmlformats.org/drawingml/2006/main" xmlns:r="http://schemas.openxmlformats.org/officeDocument/2006/relationships" xmlns:p="http://schemas.openxmlformats.org/presentationml/2006/main" showMasterSp="0" showMasterPhAnim="0">
-  <p:cSld>
-    <p:spTree>
-      <p:nvGrpSpPr>
-        <p:cNvPr id="1" name="Shape 328"/>
-        <p:cNvGrpSpPr/>
-        <p:nvPr/>
-      </p:nvGrpSpPr>
-      <p:grpSpPr>
-        <a:xfrm>
-          <a:off x="0" y="0"/>
-          <a:ext cx="0" cy="0"/>
-          <a:chOff x="0" y="0"/>
-          <a:chExt cx="0" cy="0"/>
-        </a:xfrm>
-      </p:grpSpPr>
-      <p:sp>
-        <p:nvSpPr>
-          <p:cNvPr id="329" name="Google Shape;329;g73ccfe25fe_0_134:notes"/>
-          <p:cNvSpPr>
-            <a:spLocks noGrp="1" noRot="1" noChangeAspect="1"/>
-          </p:cNvSpPr>
-          <p:nvPr>
-            <p:ph type="sldImg" idx="2"/>
-          </p:nvPr>
-        </p:nvSpPr>
-        <p:spPr>
-          <a:xfrm>
-            <a:off x="381300" y="685800"/>
-            <a:ext cx="6096000" cy="3429000"/>
-          </a:xfrm>
-          <a:custGeom>
-            <a:avLst/>
-            <a:gdLst/>
-            <a:ahLst/>
-            <a:cxnLst/>
-            <a:rect l="l" t="t" r="r" b="b"/>
-            <a:pathLst>
-              <a:path w="120000" h="120000" extrusionOk="0">
-                <a:moveTo>
-                  <a:pt x="0" y="0"/>
-                </a:moveTo>
-                <a:lnTo>
-                  <a:pt x="120000" y="0"/>
-                </a:lnTo>
-                <a:lnTo>
-                  <a:pt x="120000" y="120000"/>
-                </a:lnTo>
-                <a:lnTo>
-                  <a:pt x="0" y="120000"/>
-                </a:lnTo>
-                <a:close/>
-              </a:path>
-            </a:pathLst>
-          </a:custGeom>
-        </p:spPr>
-      </p:sp>
-      <p:sp>
-        <p:nvSpPr>
-          <p:cNvPr id="330" name="Google Shape;330;g73ccfe25fe_0_134:notes"/>
-          <p:cNvSpPr txBox="1">
-            <a:spLocks noGrp="1"/>
-          </p:cNvSpPr>
-          <p:nvPr>
-            <p:ph type="body" idx="1"/>
-          </p:nvPr>
-        </p:nvSpPr>
-        <p:spPr>
-          <a:xfrm>
-            <a:off x="685800" y="4343400"/>
-            <a:ext cx="5486400" cy="4114800"/>
-          </a:xfrm>
-          <a:prstGeom prst="rect">
-            <a:avLst/>
-          </a:prstGeom>
-        </p:spPr>
-        <p:txBody>
-          <a:bodyPr spcFirstLastPara="1" wrap="square" lIns="91425" tIns="91425" rIns="91425" bIns="91425" anchor="t" anchorCtr="0">
-            <a:noAutofit/>
-          </a:bodyPr>
-          <a:lstStyle/>
-          <a:p>
-            <a:pPr marL="0" lvl="0" indent="0" algn="l" rtl="0">
-              <a:spcBef>
-                <a:spcPts val="0"/>
-              </a:spcBef>
-              <a:spcAft>
-                <a:spcPts val="0"/>
-              </a:spcAft>
-              <a:buNone/>
-            </a:pPr>
-            <a:endParaRPr/>
-          </a:p>
-        </p:txBody>
-      </p:sp>
-    </p:spTree>
-  </p:cSld>
-  <p:clrMapOvr>
-    <a:masterClrMapping/>
-  </p:clrMapOvr>
-</p:notes>
-</file>
-
-<file path=ppt/notesSlides/notesSlide26.xml><?xml version="1.0" encoding="utf-8"?>
-<p:notes xmlns:a="http://schemas.openxmlformats.org/drawingml/2006/main" xmlns:r="http://schemas.openxmlformats.org/officeDocument/2006/relationships" xmlns:p="http://schemas.openxmlformats.org/presentationml/2006/main" showMasterSp="0" showMasterPhAnim="0">
-  <p:cSld>
-    <p:spTree>
-      <p:nvGrpSpPr>
-        <p:cNvPr id="1" name="Shape 336"/>
-        <p:cNvGrpSpPr/>
-        <p:nvPr/>
-      </p:nvGrpSpPr>
-      <p:grpSpPr>
-        <a:xfrm>
-          <a:off x="0" y="0"/>
-          <a:ext cx="0" cy="0"/>
-          <a:chOff x="0" y="0"/>
-          <a:chExt cx="0" cy="0"/>
-        </a:xfrm>
-      </p:grpSpPr>
-      <p:sp>
-        <p:nvSpPr>
-          <p:cNvPr id="337" name="Google Shape;337;g73ccfe25fe_0_146:notes"/>
-          <p:cNvSpPr>
-            <a:spLocks noGrp="1" noRot="1" noChangeAspect="1"/>
-          </p:cNvSpPr>
-          <p:nvPr>
-            <p:ph type="sldImg" idx="2"/>
-          </p:nvPr>
-        </p:nvSpPr>
-        <p:spPr>
-          <a:xfrm>
-            <a:off x="381300" y="685800"/>
-            <a:ext cx="6096000" cy="3429000"/>
-          </a:xfrm>
-          <a:custGeom>
-            <a:avLst/>
-            <a:gdLst/>
-            <a:ahLst/>
-            <a:cxnLst/>
-            <a:rect l="l" t="t" r="r" b="b"/>
-            <a:pathLst>
-              <a:path w="120000" h="120000" extrusionOk="0">
-                <a:moveTo>
-                  <a:pt x="0" y="0"/>
-                </a:moveTo>
-                <a:lnTo>
-                  <a:pt x="120000" y="0"/>
-                </a:lnTo>
-                <a:lnTo>
-                  <a:pt x="120000" y="120000"/>
-                </a:lnTo>
-                <a:lnTo>
-                  <a:pt x="0" y="120000"/>
-                </a:lnTo>
-                <a:close/>
-              </a:path>
-            </a:pathLst>
-          </a:custGeom>
-        </p:spPr>
-      </p:sp>
-      <p:sp>
-        <p:nvSpPr>
-          <p:cNvPr id="338" name="Google Shape;338;g73ccfe25fe_0_146:notes"/>
-          <p:cNvSpPr txBox="1">
-            <a:spLocks noGrp="1"/>
-          </p:cNvSpPr>
-          <p:nvPr>
-            <p:ph type="body" idx="1"/>
-          </p:nvPr>
-        </p:nvSpPr>
-        <p:spPr>
-          <a:xfrm>
-            <a:off x="685800" y="4343400"/>
-            <a:ext cx="5486400" cy="4114800"/>
-          </a:xfrm>
-          <a:prstGeom prst="rect">
-            <a:avLst/>
-          </a:prstGeom>
-        </p:spPr>
-        <p:txBody>
-          <a:bodyPr spcFirstLastPara="1" wrap="square" lIns="91425" tIns="91425" rIns="91425" bIns="91425" anchor="t" anchorCtr="0">
-            <a:noAutofit/>
-          </a:bodyPr>
-          <a:lstStyle/>
-          <a:p>
-            <a:pPr marL="0" lvl="0" indent="0" algn="l" rtl="0">
-              <a:spcBef>
-                <a:spcPts val="0"/>
-              </a:spcBef>
-              <a:spcAft>
-                <a:spcPts val="0"/>
-              </a:spcAft>
-              <a:buNone/>
-            </a:pPr>
-            <a:endParaRPr/>
-          </a:p>
-        </p:txBody>
-      </p:sp>
-    </p:spTree>
-  </p:cSld>
-  <p:clrMapOvr>
-    <a:masterClrMapping/>
-  </p:clrMapOvr>
-</p:notes>
-</file>
-
-<file path=ppt/notesSlides/notesSlide27.xml><?xml version="1.0" encoding="utf-8"?>
-<p:notes xmlns:a="http://schemas.openxmlformats.org/drawingml/2006/main" xmlns:r="http://schemas.openxmlformats.org/officeDocument/2006/relationships" xmlns:p="http://schemas.openxmlformats.org/presentationml/2006/main" showMasterSp="0" showMasterPhAnim="0">
-  <p:cSld>
-    <p:spTree>
-      <p:nvGrpSpPr>
-        <p:cNvPr id="1" name="Shape 347"/>
-        <p:cNvGrpSpPr/>
-        <p:nvPr/>
-      </p:nvGrpSpPr>
-      <p:grpSpPr>
-        <a:xfrm>
-          <a:off x="0" y="0"/>
-          <a:ext cx="0" cy="0"/>
-          <a:chOff x="0" y="0"/>
-          <a:chExt cx="0" cy="0"/>
-        </a:xfrm>
-      </p:grpSpPr>
-      <p:sp>
-        <p:nvSpPr>
-          <p:cNvPr id="348" name="Google Shape;348;g73ccfe25fe_0_156:notes"/>
-          <p:cNvSpPr>
-            <a:spLocks noGrp="1" noRot="1" noChangeAspect="1"/>
-          </p:cNvSpPr>
-          <p:nvPr>
-            <p:ph type="sldImg" idx="2"/>
-          </p:nvPr>
-        </p:nvSpPr>
-        <p:spPr>
-          <a:xfrm>
-            <a:off x="381300" y="685800"/>
-            <a:ext cx="6096000" cy="3429000"/>
-          </a:xfrm>
-          <a:custGeom>
-            <a:avLst/>
-            <a:gdLst/>
-            <a:ahLst/>
-            <a:cxnLst/>
-            <a:rect l="l" t="t" r="r" b="b"/>
-            <a:pathLst>
-              <a:path w="120000" h="120000" extrusionOk="0">
-                <a:moveTo>
-                  <a:pt x="0" y="0"/>
-                </a:moveTo>
-                <a:lnTo>
-                  <a:pt x="120000" y="0"/>
-                </a:lnTo>
-                <a:lnTo>
-                  <a:pt x="120000" y="120000"/>
-                </a:lnTo>
-                <a:lnTo>
-                  <a:pt x="0" y="120000"/>
-                </a:lnTo>
-                <a:close/>
-              </a:path>
-            </a:pathLst>
-          </a:custGeom>
-        </p:spPr>
-      </p:sp>
-      <p:sp>
-        <p:nvSpPr>
-          <p:cNvPr id="349" name="Google Shape;349;g73ccfe25fe_0_156:notes"/>
-          <p:cNvSpPr txBox="1">
-            <a:spLocks noGrp="1"/>
-          </p:cNvSpPr>
-          <p:nvPr>
-            <p:ph type="body" idx="1"/>
-          </p:nvPr>
-        </p:nvSpPr>
-        <p:spPr>
-          <a:xfrm>
-            <a:off x="685800" y="4343400"/>
-            <a:ext cx="5486400" cy="4114800"/>
-          </a:xfrm>
-          <a:prstGeom prst="rect">
-            <a:avLst/>
-          </a:prstGeom>
-        </p:spPr>
-        <p:txBody>
-          <a:bodyPr spcFirstLastPara="1" wrap="square" lIns="91425" tIns="91425" rIns="91425" bIns="91425" anchor="t" anchorCtr="0">
-            <a:noAutofit/>
-          </a:bodyPr>
-          <a:lstStyle/>
-          <a:p>
-            <a:pPr marL="0" lvl="0" indent="0" algn="l" rtl="0">
-              <a:spcBef>
-                <a:spcPts val="0"/>
-              </a:spcBef>
-              <a:spcAft>
-                <a:spcPts val="0"/>
-              </a:spcAft>
-              <a:buNone/>
-            </a:pPr>
-            <a:endParaRPr/>
-          </a:p>
-        </p:txBody>
-      </p:sp>
-    </p:spTree>
-  </p:cSld>
-  <p:clrMapOvr>
-    <a:masterClrMapping/>
-  </p:clrMapOvr>
-</p:notes>
-</file>
-
-<file path=ppt/notesSlides/notesSlide3.xml><?xml version="1.0" encoding="utf-8"?>
+<file path=ppt/notesSlides/notesSlide7.xml><?xml version="1.0" encoding="utf-8"?>
 <p:notes xmlns:a="http://schemas.openxmlformats.org/drawingml/2006/main" xmlns:r="http://schemas.openxmlformats.org/officeDocument/2006/relationships" xmlns:p="http://schemas.openxmlformats.org/presentationml/2006/main" showMasterSp="0" showMasterPhAnim="0">
   <p:cSld>
     <p:spTree>
@@ -2905,6 +4028,11 @@
         </p:txBody>
       </p:sp>
     </p:spTree>
+    <p:extLst>
+      <p:ext uri="{BB962C8B-B14F-4D97-AF65-F5344CB8AC3E}">
+        <p14:creationId xmlns:p14="http://schemas.microsoft.com/office/powerpoint/2010/main" val="1325614023"/>
+      </p:ext>
+    </p:extLst>
   </p:cSld>
   <p:clrMapOvr>
     <a:masterClrMapping/>
@@ -2912,7 +4040,7 @@
 </p:notes>
 </file>
 
-<file path=ppt/notesSlides/notesSlide4.xml><?xml version="1.0" encoding="utf-8"?>
+<file path=ppt/notesSlides/notesSlide8.xml><?xml version="1.0" encoding="utf-8"?>
 <p:notes xmlns:a="http://schemas.openxmlformats.org/drawingml/2006/main" xmlns:r="http://schemas.openxmlformats.org/officeDocument/2006/relationships" xmlns:p="http://schemas.openxmlformats.org/presentationml/2006/main" showMasterSp="0" showMasterPhAnim="0">
   <p:cSld>
     <p:spTree>
@@ -3009,6 +4137,11 @@
         </p:txBody>
       </p:sp>
     </p:spTree>
+    <p:extLst>
+      <p:ext uri="{BB962C8B-B14F-4D97-AF65-F5344CB8AC3E}">
+        <p14:creationId xmlns:p14="http://schemas.microsoft.com/office/powerpoint/2010/main" val="1795532905"/>
+      </p:ext>
+    </p:extLst>
   </p:cSld>
   <p:clrMapOvr>
     <a:masterClrMapping/>
@@ -3016,7 +4149,7 @@
 </p:notes>
 </file>
 
-<file path=ppt/notesSlides/notesSlide5.xml><?xml version="1.0" encoding="utf-8"?>
+<file path=ppt/notesSlides/notesSlide9.xml><?xml version="1.0" encoding="utf-8"?>
 <p:notes xmlns:a="http://schemas.openxmlformats.org/drawingml/2006/main" xmlns:r="http://schemas.openxmlformats.org/officeDocument/2006/relationships" xmlns:p="http://schemas.openxmlformats.org/presentationml/2006/main" showMasterSp="0" showMasterPhAnim="0">
   <p:cSld>
     <p:spTree>
@@ -3113,422 +4246,11 @@
         </p:txBody>
       </p:sp>
     </p:spTree>
-  </p:cSld>
-  <p:clrMapOvr>
-    <a:masterClrMapping/>
-  </p:clrMapOvr>
-</p:notes>
-</file>
-
-<file path=ppt/notesSlides/notesSlide6.xml><?xml version="1.0" encoding="utf-8"?>
-<p:notes xmlns:a="http://schemas.openxmlformats.org/drawingml/2006/main" xmlns:r="http://schemas.openxmlformats.org/officeDocument/2006/relationships" xmlns:p="http://schemas.openxmlformats.org/presentationml/2006/main" showMasterSp="0" showMasterPhAnim="0">
-  <p:cSld>
-    <p:spTree>
-      <p:nvGrpSpPr>
-        <p:cNvPr id="1" name="Shape 176"/>
-        <p:cNvGrpSpPr/>
-        <p:nvPr/>
-      </p:nvGrpSpPr>
-      <p:grpSpPr>
-        <a:xfrm>
-          <a:off x="0" y="0"/>
-          <a:ext cx="0" cy="0"/>
-          <a:chOff x="0" y="0"/>
-          <a:chExt cx="0" cy="0"/>
-        </a:xfrm>
-      </p:grpSpPr>
-      <p:sp>
-        <p:nvSpPr>
-          <p:cNvPr id="177" name="Google Shape;177;g83887c7651_0_226:notes"/>
-          <p:cNvSpPr>
-            <a:spLocks noGrp="1" noRot="1" noChangeAspect="1"/>
-          </p:cNvSpPr>
-          <p:nvPr>
-            <p:ph type="sldImg" idx="2"/>
-          </p:nvPr>
-        </p:nvSpPr>
-        <p:spPr>
-          <a:xfrm>
-            <a:off x="381300" y="685800"/>
-            <a:ext cx="6096000" cy="3429000"/>
-          </a:xfrm>
-          <a:custGeom>
-            <a:avLst/>
-            <a:gdLst/>
-            <a:ahLst/>
-            <a:cxnLst/>
-            <a:rect l="l" t="t" r="r" b="b"/>
-            <a:pathLst>
-              <a:path w="120000" h="120000" extrusionOk="0">
-                <a:moveTo>
-                  <a:pt x="0" y="0"/>
-                </a:moveTo>
-                <a:lnTo>
-                  <a:pt x="120000" y="0"/>
-                </a:lnTo>
-                <a:lnTo>
-                  <a:pt x="120000" y="120000"/>
-                </a:lnTo>
-                <a:lnTo>
-                  <a:pt x="0" y="120000"/>
-                </a:lnTo>
-                <a:close/>
-              </a:path>
-            </a:pathLst>
-          </a:custGeom>
-        </p:spPr>
-      </p:sp>
-      <p:sp>
-        <p:nvSpPr>
-          <p:cNvPr id="178" name="Google Shape;178;g83887c7651_0_226:notes"/>
-          <p:cNvSpPr txBox="1">
-            <a:spLocks noGrp="1"/>
-          </p:cNvSpPr>
-          <p:nvPr>
-            <p:ph type="body" idx="1"/>
-          </p:nvPr>
-        </p:nvSpPr>
-        <p:spPr>
-          <a:xfrm>
-            <a:off x="685800" y="4343400"/>
-            <a:ext cx="5486400" cy="4114800"/>
-          </a:xfrm>
-          <a:prstGeom prst="rect">
-            <a:avLst/>
-          </a:prstGeom>
-        </p:spPr>
-        <p:txBody>
-          <a:bodyPr spcFirstLastPara="1" wrap="square" lIns="91425" tIns="91425" rIns="91425" bIns="91425" anchor="t" anchorCtr="0">
-            <a:noAutofit/>
-          </a:bodyPr>
-          <a:lstStyle/>
-          <a:p>
-            <a:pPr marL="0" lvl="0" indent="0" algn="l" rtl="0">
-              <a:spcBef>
-                <a:spcPts val="0"/>
-              </a:spcBef>
-              <a:spcAft>
-                <a:spcPts val="0"/>
-              </a:spcAft>
-              <a:buNone/>
-            </a:pPr>
-            <a:endParaRPr/>
-          </a:p>
-        </p:txBody>
-      </p:sp>
-    </p:spTree>
-  </p:cSld>
-  <p:clrMapOvr>
-    <a:masterClrMapping/>
-  </p:clrMapOvr>
-</p:notes>
-</file>
-
-<file path=ppt/notesSlides/notesSlide7.xml><?xml version="1.0" encoding="utf-8"?>
-<p:notes xmlns:a="http://schemas.openxmlformats.org/drawingml/2006/main" xmlns:r="http://schemas.openxmlformats.org/officeDocument/2006/relationships" xmlns:p="http://schemas.openxmlformats.org/presentationml/2006/main" showMasterSp="0" showMasterPhAnim="0">
-  <p:cSld>
-    <p:spTree>
-      <p:nvGrpSpPr>
-        <p:cNvPr id="1" name="Shape 182"/>
-        <p:cNvGrpSpPr/>
-        <p:nvPr/>
-      </p:nvGrpSpPr>
-      <p:grpSpPr>
-        <a:xfrm>
-          <a:off x="0" y="0"/>
-          <a:ext cx="0" cy="0"/>
-          <a:chOff x="0" y="0"/>
-          <a:chExt cx="0" cy="0"/>
-        </a:xfrm>
-      </p:grpSpPr>
-      <p:sp>
-        <p:nvSpPr>
-          <p:cNvPr id="183" name="Google Shape;183;g83887c7651_0_237:notes"/>
-          <p:cNvSpPr>
-            <a:spLocks noGrp="1" noRot="1" noChangeAspect="1"/>
-          </p:cNvSpPr>
-          <p:nvPr>
-            <p:ph type="sldImg" idx="2"/>
-          </p:nvPr>
-        </p:nvSpPr>
-        <p:spPr>
-          <a:xfrm>
-            <a:off x="381300" y="685800"/>
-            <a:ext cx="6096000" cy="3429000"/>
-          </a:xfrm>
-          <a:custGeom>
-            <a:avLst/>
-            <a:gdLst/>
-            <a:ahLst/>
-            <a:cxnLst/>
-            <a:rect l="l" t="t" r="r" b="b"/>
-            <a:pathLst>
-              <a:path w="120000" h="120000" extrusionOk="0">
-                <a:moveTo>
-                  <a:pt x="0" y="0"/>
-                </a:moveTo>
-                <a:lnTo>
-                  <a:pt x="120000" y="0"/>
-                </a:lnTo>
-                <a:lnTo>
-                  <a:pt x="120000" y="120000"/>
-                </a:lnTo>
-                <a:lnTo>
-                  <a:pt x="0" y="120000"/>
-                </a:lnTo>
-                <a:close/>
-              </a:path>
-            </a:pathLst>
-          </a:custGeom>
-        </p:spPr>
-      </p:sp>
-      <p:sp>
-        <p:nvSpPr>
-          <p:cNvPr id="184" name="Google Shape;184;g83887c7651_0_237:notes"/>
-          <p:cNvSpPr txBox="1">
-            <a:spLocks noGrp="1"/>
-          </p:cNvSpPr>
-          <p:nvPr>
-            <p:ph type="body" idx="1"/>
-          </p:nvPr>
-        </p:nvSpPr>
-        <p:spPr>
-          <a:xfrm>
-            <a:off x="685800" y="4343400"/>
-            <a:ext cx="5486400" cy="4114800"/>
-          </a:xfrm>
-          <a:prstGeom prst="rect">
-            <a:avLst/>
-          </a:prstGeom>
-        </p:spPr>
-        <p:txBody>
-          <a:bodyPr spcFirstLastPara="1" wrap="square" lIns="91425" tIns="91425" rIns="91425" bIns="91425" anchor="t" anchorCtr="0">
-            <a:noAutofit/>
-          </a:bodyPr>
-          <a:lstStyle/>
-          <a:p>
-            <a:pPr marL="0" lvl="0" indent="0" algn="l" rtl="0">
-              <a:spcBef>
-                <a:spcPts val="0"/>
-              </a:spcBef>
-              <a:spcAft>
-                <a:spcPts val="0"/>
-              </a:spcAft>
-              <a:buNone/>
-            </a:pPr>
-            <a:endParaRPr/>
-          </a:p>
-        </p:txBody>
-      </p:sp>
-    </p:spTree>
-  </p:cSld>
-  <p:clrMapOvr>
-    <a:masterClrMapping/>
-  </p:clrMapOvr>
-</p:notes>
-</file>
-
-<file path=ppt/notesSlides/notesSlide8.xml><?xml version="1.0" encoding="utf-8"?>
-<p:notes xmlns:a="http://schemas.openxmlformats.org/drawingml/2006/main" xmlns:r="http://schemas.openxmlformats.org/officeDocument/2006/relationships" xmlns:p="http://schemas.openxmlformats.org/presentationml/2006/main" showMasterSp="0" showMasterPhAnim="0">
-  <p:cSld>
-    <p:spTree>
-      <p:nvGrpSpPr>
-        <p:cNvPr id="1" name="Shape 188"/>
-        <p:cNvGrpSpPr/>
-        <p:nvPr/>
-      </p:nvGrpSpPr>
-      <p:grpSpPr>
-        <a:xfrm>
-          <a:off x="0" y="0"/>
-          <a:ext cx="0" cy="0"/>
-          <a:chOff x="0" y="0"/>
-          <a:chExt cx="0" cy="0"/>
-        </a:xfrm>
-      </p:grpSpPr>
-      <p:sp>
-        <p:nvSpPr>
-          <p:cNvPr id="189" name="Google Shape;189;g83887c7651_0_231:notes"/>
-          <p:cNvSpPr>
-            <a:spLocks noGrp="1" noRot="1" noChangeAspect="1"/>
-          </p:cNvSpPr>
-          <p:nvPr>
-            <p:ph type="sldImg" idx="2"/>
-          </p:nvPr>
-        </p:nvSpPr>
-        <p:spPr>
-          <a:xfrm>
-            <a:off x="381300" y="685800"/>
-            <a:ext cx="6096000" cy="3429000"/>
-          </a:xfrm>
-          <a:custGeom>
-            <a:avLst/>
-            <a:gdLst/>
-            <a:ahLst/>
-            <a:cxnLst/>
-            <a:rect l="l" t="t" r="r" b="b"/>
-            <a:pathLst>
-              <a:path w="120000" h="120000" extrusionOk="0">
-                <a:moveTo>
-                  <a:pt x="0" y="0"/>
-                </a:moveTo>
-                <a:lnTo>
-                  <a:pt x="120000" y="0"/>
-                </a:lnTo>
-                <a:lnTo>
-                  <a:pt x="120000" y="120000"/>
-                </a:lnTo>
-                <a:lnTo>
-                  <a:pt x="0" y="120000"/>
-                </a:lnTo>
-                <a:close/>
-              </a:path>
-            </a:pathLst>
-          </a:custGeom>
-        </p:spPr>
-      </p:sp>
-      <p:sp>
-        <p:nvSpPr>
-          <p:cNvPr id="190" name="Google Shape;190;g83887c7651_0_231:notes"/>
-          <p:cNvSpPr txBox="1">
-            <a:spLocks noGrp="1"/>
-          </p:cNvSpPr>
-          <p:nvPr>
-            <p:ph type="body" idx="1"/>
-          </p:nvPr>
-        </p:nvSpPr>
-        <p:spPr>
-          <a:xfrm>
-            <a:off x="685800" y="4343400"/>
-            <a:ext cx="5486400" cy="4114800"/>
-          </a:xfrm>
-          <a:prstGeom prst="rect">
-            <a:avLst/>
-          </a:prstGeom>
-        </p:spPr>
-        <p:txBody>
-          <a:bodyPr spcFirstLastPara="1" wrap="square" lIns="91425" tIns="91425" rIns="91425" bIns="91425" anchor="t" anchorCtr="0">
-            <a:noAutofit/>
-          </a:bodyPr>
-          <a:lstStyle/>
-          <a:p>
-            <a:pPr marL="0" lvl="0" indent="0" algn="l" rtl="0">
-              <a:spcBef>
-                <a:spcPts val="0"/>
-              </a:spcBef>
-              <a:spcAft>
-                <a:spcPts val="0"/>
-              </a:spcAft>
-              <a:buNone/>
-            </a:pPr>
-            <a:endParaRPr/>
-          </a:p>
-        </p:txBody>
-      </p:sp>
-    </p:spTree>
-  </p:cSld>
-  <p:clrMapOvr>
-    <a:masterClrMapping/>
-  </p:clrMapOvr>
-</p:notes>
-</file>
-
-<file path=ppt/notesSlides/notesSlide9.xml><?xml version="1.0" encoding="utf-8"?>
-<p:notes xmlns:a="http://schemas.openxmlformats.org/drawingml/2006/main" xmlns:r="http://schemas.openxmlformats.org/officeDocument/2006/relationships" xmlns:p="http://schemas.openxmlformats.org/presentationml/2006/main" showMasterSp="0" showMasterPhAnim="0">
-  <p:cSld>
-    <p:spTree>
-      <p:nvGrpSpPr>
-        <p:cNvPr id="1" name="Shape 195"/>
-        <p:cNvGrpSpPr/>
-        <p:nvPr/>
-      </p:nvGrpSpPr>
-      <p:grpSpPr>
-        <a:xfrm>
-          <a:off x="0" y="0"/>
-          <a:ext cx="0" cy="0"/>
-          <a:chOff x="0" y="0"/>
-          <a:chExt cx="0" cy="0"/>
-        </a:xfrm>
-      </p:grpSpPr>
-      <p:sp>
-        <p:nvSpPr>
-          <p:cNvPr id="196" name="Google Shape;196;g73ccfe25fe_0_0:notes"/>
-          <p:cNvSpPr>
-            <a:spLocks noGrp="1" noRot="1" noChangeAspect="1"/>
-          </p:cNvSpPr>
-          <p:nvPr>
-            <p:ph type="sldImg" idx="2"/>
-          </p:nvPr>
-        </p:nvSpPr>
-        <p:spPr>
-          <a:xfrm>
-            <a:off x="381300" y="685800"/>
-            <a:ext cx="6096000" cy="3429000"/>
-          </a:xfrm>
-          <a:custGeom>
-            <a:avLst/>
-            <a:gdLst/>
-            <a:ahLst/>
-            <a:cxnLst/>
-            <a:rect l="l" t="t" r="r" b="b"/>
-            <a:pathLst>
-              <a:path w="120000" h="120000" extrusionOk="0">
-                <a:moveTo>
-                  <a:pt x="0" y="0"/>
-                </a:moveTo>
-                <a:lnTo>
-                  <a:pt x="120000" y="0"/>
-                </a:lnTo>
-                <a:lnTo>
-                  <a:pt x="120000" y="120000"/>
-                </a:lnTo>
-                <a:lnTo>
-                  <a:pt x="0" y="120000"/>
-                </a:lnTo>
-                <a:close/>
-              </a:path>
-            </a:pathLst>
-          </a:custGeom>
-        </p:spPr>
-      </p:sp>
-      <p:sp>
-        <p:nvSpPr>
-          <p:cNvPr id="197" name="Google Shape;197;g73ccfe25fe_0_0:notes"/>
-          <p:cNvSpPr txBox="1">
-            <a:spLocks noGrp="1"/>
-          </p:cNvSpPr>
-          <p:nvPr>
-            <p:ph type="body" idx="1"/>
-          </p:nvPr>
-        </p:nvSpPr>
-        <p:spPr>
-          <a:xfrm>
-            <a:off x="685800" y="4343400"/>
-            <a:ext cx="5486400" cy="4114800"/>
-          </a:xfrm>
-          <a:prstGeom prst="rect">
-            <a:avLst/>
-          </a:prstGeom>
-        </p:spPr>
-        <p:txBody>
-          <a:bodyPr spcFirstLastPara="1" wrap="square" lIns="91425" tIns="91425" rIns="91425" bIns="91425" anchor="t" anchorCtr="0">
-            <a:noAutofit/>
-          </a:bodyPr>
-          <a:lstStyle/>
-          <a:p>
-            <a:pPr marL="0" lvl="0" indent="0" algn="l" rtl="0">
-              <a:spcBef>
-                <a:spcPts val="0"/>
-              </a:spcBef>
-              <a:spcAft>
-                <a:spcPts val="0"/>
-              </a:spcAft>
-              <a:buNone/>
-            </a:pPr>
-            <a:endParaRPr/>
-          </a:p>
-        </p:txBody>
-      </p:sp>
-    </p:spTree>
+    <p:extLst>
+      <p:ext uri="{BB962C8B-B14F-4D97-AF65-F5344CB8AC3E}">
+        <p14:creationId xmlns:p14="http://schemas.microsoft.com/office/powerpoint/2010/main" val="3010841610"/>
+      </p:ext>
+    </p:extLst>
   </p:cSld>
   <p:clrMapOvr>
     <a:masterClrMapping/>
@@ -19172,21 +19894,17 @@
             <a:spLocks noGrp="1"/>
           </p:cNvSpPr>
           <p:nvPr>
-            <p:ph type="ctrTitle"/>
+            <p:ph type="title"/>
           </p:nvPr>
         </p:nvSpPr>
         <p:spPr>
           <a:xfrm>
-            <a:off x="822960" y="569214"/>
-            <a:ext cx="7543800" cy="2674500"/>
+            <a:off x="822960" y="214952"/>
+            <a:ext cx="7543800" cy="1088100"/>
           </a:xfrm>
           <a:prstGeom prst="rect">
             <a:avLst/>
           </a:prstGeom>
-          <a:noFill/>
-          <a:ln>
-            <a:noFill/>
-          </a:ln>
         </p:spPr>
         <p:txBody>
           <a:bodyPr spcFirstLastPara="1" wrap="square" lIns="68575" tIns="34275" rIns="68575" bIns="34275" anchor="b" anchorCtr="0">
@@ -19195,27 +19913,19 @@
           <a:lstStyle/>
           <a:p>
             <a:pPr marL="0" lvl="0" indent="0" algn="l" rtl="0">
-              <a:lnSpc>
-                <a:spcPct val="85000"/>
-              </a:lnSpc>
-              <a:spcBef>
-                <a:spcPts val="0"/>
-              </a:spcBef>
-              <a:spcAft>
-                <a:spcPts val="0"/>
-              </a:spcAft>
-              <a:buClr>
-                <a:srgbClr val="262626"/>
-              </a:buClr>
-              <a:buSzPts val="6000"/>
-              <a:buFont typeface="Calibri"/>
-              <a:buNone/>
-            </a:pPr>
-            <a:r>
-              <a:rPr lang="en"/>
-              <a:t>Trees</a:t>
-            </a:r>
-            <a:endParaRPr/>
+              <a:spcBef>
+                <a:spcPts val="0"/>
+              </a:spcBef>
+              <a:spcAft>
+                <a:spcPts val="0"/>
+              </a:spcAft>
+              <a:buNone/>
+            </a:pPr>
+            <a:r>
+              <a:rPr lang="en" sz="4800"/>
+              <a:t>Data Structures so far...</a:t>
+            </a:r>
+            <a:endParaRPr sz="4800"/>
           </a:p>
         </p:txBody>
       </p:sp>
@@ -19226,42 +19936,202 @@
             <a:spLocks noGrp="1"/>
           </p:cNvSpPr>
           <p:nvPr>
-            <p:ph type="subTitle" idx="1"/>
+            <p:ph type="body" idx="1"/>
           </p:nvPr>
         </p:nvSpPr>
         <p:spPr>
           <a:xfrm>
-            <a:off x="825038" y="3341716"/>
-            <a:ext cx="7543800" cy="857400"/>
+            <a:off x="822960" y="1384300"/>
+            <a:ext cx="7543800" cy="3017400"/>
           </a:xfrm>
           <a:prstGeom prst="rect">
             <a:avLst/>
           </a:prstGeom>
-          <a:noFill/>
-          <a:ln>
-            <a:noFill/>
-          </a:ln>
         </p:spPr>
         <p:txBody>
-          <a:bodyPr spcFirstLastPara="1" wrap="square" lIns="68575" tIns="34275" rIns="68575" bIns="34275" anchor="t" anchorCtr="0">
+          <a:bodyPr spcFirstLastPara="1" wrap="square" lIns="0" tIns="34275" rIns="0" bIns="34275" anchor="t" anchorCtr="0">
             <a:noAutofit/>
           </a:bodyPr>
           <a:lstStyle/>
           <a:p>
             <a:pPr marL="0" lvl="0" indent="0" algn="l" rtl="0">
-              <a:lnSpc>
-                <a:spcPct val="90000"/>
-              </a:lnSpc>
-              <a:spcBef>
-                <a:spcPts val="0"/>
-              </a:spcBef>
-              <a:spcAft>
-                <a:spcPts val="0"/>
-              </a:spcAft>
-              <a:buSzPts val="1800"/>
-              <a:buNone/>
-            </a:pPr>
-            <a:endParaRPr/>
+              <a:spcBef>
+                <a:spcPts val="900"/>
+              </a:spcBef>
+              <a:spcAft>
+                <a:spcPts val="0"/>
+              </a:spcAft>
+              <a:buNone/>
+            </a:pPr>
+            <a:r>
+              <a:rPr lang="en" sz="2000" b="1">
+                <a:solidFill>
+                  <a:schemeClr val="dk1"/>
+                </a:solidFill>
+              </a:rPr>
+              <a:t>Array</a:t>
+            </a:r>
+            <a:r>
+              <a:rPr lang="en" sz="2000">
+                <a:solidFill>
+                  <a:schemeClr val="dk1"/>
+                </a:solidFill>
+              </a:rPr>
+              <a:t> is a good </a:t>
+            </a:r>
+            <a:r>
+              <a:rPr lang="en" sz="2000" b="1">
+                <a:solidFill>
+                  <a:schemeClr val="dk1"/>
+                </a:solidFill>
+              </a:rPr>
+              <a:t>static</a:t>
+            </a:r>
+            <a:r>
+              <a:rPr lang="en" sz="2000">
+                <a:solidFill>
+                  <a:schemeClr val="dk1"/>
+                </a:solidFill>
+              </a:rPr>
+              <a:t> data structure that can be accessed randomly and is fairly easy to implement.</a:t>
+            </a:r>
+            <a:endParaRPr sz="2000">
+              <a:solidFill>
+                <a:schemeClr val="dk1"/>
+              </a:solidFill>
+            </a:endParaRPr>
+          </a:p>
+          <a:p>
+            <a:pPr marL="0" lvl="0" indent="0" algn="l" rtl="0">
+              <a:spcBef>
+                <a:spcPts val="900"/>
+              </a:spcBef>
+              <a:spcAft>
+                <a:spcPts val="0"/>
+              </a:spcAft>
+              <a:buNone/>
+            </a:pPr>
+            <a:endParaRPr sz="2000">
+              <a:solidFill>
+                <a:schemeClr val="dk1"/>
+              </a:solidFill>
+            </a:endParaRPr>
+          </a:p>
+          <a:p>
+            <a:pPr marL="0" lvl="0" indent="0" algn="l" rtl="0">
+              <a:spcBef>
+                <a:spcPts val="900"/>
+              </a:spcBef>
+              <a:spcAft>
+                <a:spcPts val="0"/>
+              </a:spcAft>
+              <a:buNone/>
+            </a:pPr>
+            <a:r>
+              <a:rPr lang="en" sz="2000" b="1">
+                <a:solidFill>
+                  <a:schemeClr val="dk1"/>
+                </a:solidFill>
+              </a:rPr>
+              <a:t>Linked Lists</a:t>
+            </a:r>
+            <a:r>
+              <a:rPr lang="en" sz="2000">
+                <a:solidFill>
+                  <a:schemeClr val="dk1"/>
+                </a:solidFill>
+              </a:rPr>
+              <a:t> on the other hand is </a:t>
+            </a:r>
+            <a:r>
+              <a:rPr lang="en" sz="2000" b="1">
+                <a:solidFill>
+                  <a:schemeClr val="dk1"/>
+                </a:solidFill>
+              </a:rPr>
+              <a:t>dynamic</a:t>
+            </a:r>
+            <a:r>
+              <a:rPr lang="en" sz="2000">
+                <a:solidFill>
+                  <a:schemeClr val="dk1"/>
+                </a:solidFill>
+              </a:rPr>
+              <a:t> and is ideal for application that requires frequent operations such as add, delete, and update. </a:t>
+            </a:r>
+            <a:endParaRPr sz="2000">
+              <a:solidFill>
+                <a:schemeClr val="dk1"/>
+              </a:solidFill>
+            </a:endParaRPr>
+          </a:p>
+          <a:p>
+            <a:pPr marL="0" lvl="0" indent="0" algn="l" rtl="0">
+              <a:spcBef>
+                <a:spcPts val="900"/>
+              </a:spcBef>
+              <a:spcAft>
+                <a:spcPts val="0"/>
+              </a:spcAft>
+              <a:buNone/>
+            </a:pPr>
+            <a:endParaRPr sz="2000">
+              <a:solidFill>
+                <a:schemeClr val="dk1"/>
+              </a:solidFill>
+            </a:endParaRPr>
+          </a:p>
+          <a:p>
+            <a:pPr marL="0" lvl="0" indent="0" algn="l" rtl="0">
+              <a:spcBef>
+                <a:spcPts val="900"/>
+              </a:spcBef>
+              <a:spcAft>
+                <a:spcPts val="0"/>
+              </a:spcAft>
+              <a:buNone/>
+            </a:pPr>
+            <a:r>
+              <a:rPr lang="en" sz="2000">
+                <a:solidFill>
+                  <a:schemeClr val="dk1"/>
+                </a:solidFill>
+              </a:rPr>
+              <a:t>One drawback of linked list is that data access is </a:t>
+            </a:r>
+            <a:r>
+              <a:rPr lang="en" sz="2000" b="1">
+                <a:solidFill>
+                  <a:schemeClr val="dk1"/>
+                </a:solidFill>
+              </a:rPr>
+              <a:t>sequential.</a:t>
+            </a:r>
+            <a:r>
+              <a:rPr lang="en" sz="2000">
+                <a:solidFill>
+                  <a:schemeClr val="dk1"/>
+                </a:solidFill>
+              </a:rPr>
+              <a:t> </a:t>
+            </a:r>
+            <a:endParaRPr sz="2000">
+              <a:solidFill>
+                <a:schemeClr val="dk1"/>
+              </a:solidFill>
+            </a:endParaRPr>
+          </a:p>
+          <a:p>
+            <a:pPr marL="0" lvl="0" indent="0" algn="l" rtl="0">
+              <a:spcBef>
+                <a:spcPts val="900"/>
+              </a:spcBef>
+              <a:spcAft>
+                <a:spcPts val="200"/>
+              </a:spcAft>
+              <a:buNone/>
+            </a:pPr>
+            <a:endParaRPr sz="2000"/>
           </a:p>
         </p:txBody>
       </p:sp>
@@ -19274,6 +20144,789 @@
 </file>
 
 <file path=ppt/slides/slide10.xml><?xml version="1.0" encoding="utf-8"?>
+<p:sld xmlns:a="http://schemas.openxmlformats.org/drawingml/2006/main" xmlns:r="http://schemas.openxmlformats.org/officeDocument/2006/relationships" xmlns:p="http://schemas.openxmlformats.org/presentationml/2006/main">
+  <p:cSld>
+    <p:spTree>
+      <p:nvGrpSpPr>
+        <p:cNvPr id="1" name="Shape 179"/>
+        <p:cNvGrpSpPr/>
+        <p:nvPr/>
+      </p:nvGrpSpPr>
+      <p:grpSpPr>
+        <a:xfrm>
+          <a:off x="0" y="0"/>
+          <a:ext cx="0" cy="0"/>
+          <a:chOff x="0" y="0"/>
+          <a:chExt cx="0" cy="0"/>
+        </a:xfrm>
+      </p:grpSpPr>
+      <p:sp>
+        <p:nvSpPr>
+          <p:cNvPr id="180" name="Google Shape;180;p30"/>
+          <p:cNvSpPr txBox="1">
+            <a:spLocks noGrp="1"/>
+          </p:cNvSpPr>
+          <p:nvPr>
+            <p:ph type="title"/>
+          </p:nvPr>
+        </p:nvSpPr>
+        <p:spPr>
+          <a:xfrm>
+            <a:off x="822960" y="214952"/>
+            <a:ext cx="7543800" cy="1088100"/>
+          </a:xfrm>
+          <a:prstGeom prst="rect">
+            <a:avLst/>
+          </a:prstGeom>
+        </p:spPr>
+        <p:txBody>
+          <a:bodyPr spcFirstLastPara="1" wrap="square" lIns="68575" tIns="34275" rIns="68575" bIns="34275" anchor="b" anchorCtr="0">
+            <a:noAutofit/>
+          </a:bodyPr>
+          <a:lstStyle/>
+          <a:p>
+            <a:pPr marL="0" lvl="0" indent="0" algn="l" rtl="0">
+              <a:spcBef>
+                <a:spcPts val="0"/>
+              </a:spcBef>
+              <a:spcAft>
+                <a:spcPts val="0"/>
+              </a:spcAft>
+              <a:buNone/>
+            </a:pPr>
+            <a:r>
+              <a:rPr lang="en" sz="3800"/>
+              <a:t>Basic Operations</a:t>
+            </a:r>
+            <a:endParaRPr sz="3800"/>
+          </a:p>
+        </p:txBody>
+      </p:sp>
+      <p:sp>
+        <p:nvSpPr>
+          <p:cNvPr id="181" name="Google Shape;181;p30"/>
+          <p:cNvSpPr txBox="1">
+            <a:spLocks noGrp="1"/>
+          </p:cNvSpPr>
+          <p:nvPr>
+            <p:ph type="body" idx="1"/>
+          </p:nvPr>
+        </p:nvSpPr>
+        <p:spPr>
+          <a:xfrm>
+            <a:off x="822960" y="1384300"/>
+            <a:ext cx="7543800" cy="3017400"/>
+          </a:xfrm>
+          <a:prstGeom prst="rect">
+            <a:avLst/>
+          </a:prstGeom>
+        </p:spPr>
+        <p:txBody>
+          <a:bodyPr spcFirstLastPara="1" wrap="square" lIns="0" tIns="34275" rIns="0" bIns="34275" anchor="t" anchorCtr="0">
+            <a:noAutofit/>
+          </a:bodyPr>
+          <a:lstStyle/>
+          <a:p>
+            <a:pPr marL="457200" lvl="0" indent="-349250" algn="l" rtl="0">
+              <a:spcBef>
+                <a:spcPts val="900"/>
+              </a:spcBef>
+              <a:spcAft>
+                <a:spcPts val="0"/>
+              </a:spcAft>
+              <a:buSzPts val="1900"/>
+              <a:buChar char="●"/>
+            </a:pPr>
+            <a:r>
+              <a:rPr lang="en" sz="2000" b="1"/>
+              <a:t>Insertion  -  </a:t>
+            </a:r>
+            <a:r>
+              <a:rPr lang="en" sz="2000"/>
+              <a:t>Inserting a new node.</a:t>
+            </a:r>
+            <a:r>
+              <a:rPr lang="en" sz="2000" b="1"/>
+              <a:t> </a:t>
+            </a:r>
+            <a:endParaRPr sz="2000" b="1"/>
+          </a:p>
+          <a:p>
+            <a:pPr marL="457200" lvl="0" indent="-349250" algn="l" rtl="0">
+              <a:spcBef>
+                <a:spcPts val="0"/>
+              </a:spcBef>
+              <a:spcAft>
+                <a:spcPts val="0"/>
+              </a:spcAft>
+              <a:buSzPts val="1900"/>
+              <a:buChar char="●"/>
+            </a:pPr>
+            <a:r>
+              <a:rPr lang="en" sz="2000" b="1"/>
+              <a:t>Searching -  </a:t>
+            </a:r>
+            <a:r>
+              <a:rPr lang="en" sz="2000"/>
+              <a:t>Searching for a specific node</a:t>
+            </a:r>
+            <a:endParaRPr sz="2000"/>
+          </a:p>
+          <a:p>
+            <a:pPr marL="457200" lvl="0" indent="-349250" algn="l" rtl="0">
+              <a:spcBef>
+                <a:spcPts val="0"/>
+              </a:spcBef>
+              <a:spcAft>
+                <a:spcPts val="0"/>
+              </a:spcAft>
+              <a:buSzPts val="1900"/>
+              <a:buChar char="●"/>
+            </a:pPr>
+            <a:r>
+              <a:rPr lang="en" sz="2000" b="1"/>
+              <a:t>Traversal  -  </a:t>
+            </a:r>
+            <a:r>
+              <a:rPr lang="en" sz="2000"/>
+              <a:t>Traversing the tree</a:t>
+            </a:r>
+            <a:endParaRPr sz="2000"/>
+          </a:p>
+          <a:p>
+            <a:pPr marL="457200" lvl="0" indent="-349250" algn="l" rtl="0">
+              <a:spcBef>
+                <a:spcPts val="0"/>
+              </a:spcBef>
+              <a:spcAft>
+                <a:spcPts val="0"/>
+              </a:spcAft>
+              <a:buSzPts val="1900"/>
+              <a:buChar char="●"/>
+            </a:pPr>
+            <a:r>
+              <a:rPr lang="en" sz="2000" b="1"/>
+              <a:t>Deletion   -  </a:t>
+            </a:r>
+            <a:r>
+              <a:rPr lang="en" sz="2000"/>
+              <a:t>Deleting a node</a:t>
+            </a:r>
+            <a:endParaRPr sz="2000"/>
+          </a:p>
+        </p:txBody>
+      </p:sp>
+    </p:spTree>
+    <p:extLst>
+      <p:ext uri="{BB962C8B-B14F-4D97-AF65-F5344CB8AC3E}">
+        <p14:creationId xmlns:p14="http://schemas.microsoft.com/office/powerpoint/2010/main" val="4053558005"/>
+      </p:ext>
+    </p:extLst>
+  </p:cSld>
+  <p:clrMapOvr>
+    <a:masterClrMapping/>
+  </p:clrMapOvr>
+</p:sld>
+</file>
+
+<file path=ppt/slides/slide11.xml><?xml version="1.0" encoding="utf-8"?>
+<p:sld xmlns:a="http://schemas.openxmlformats.org/drawingml/2006/main" xmlns:r="http://schemas.openxmlformats.org/officeDocument/2006/relationships" xmlns:p="http://schemas.openxmlformats.org/presentationml/2006/main">
+  <p:cSld>
+    <p:spTree>
+      <p:nvGrpSpPr>
+        <p:cNvPr id="1" name="Shape 185"/>
+        <p:cNvGrpSpPr/>
+        <p:nvPr/>
+      </p:nvGrpSpPr>
+      <p:grpSpPr>
+        <a:xfrm>
+          <a:off x="0" y="0"/>
+          <a:ext cx="0" cy="0"/>
+          <a:chOff x="0" y="0"/>
+          <a:chExt cx="0" cy="0"/>
+        </a:xfrm>
+      </p:grpSpPr>
+      <p:sp>
+        <p:nvSpPr>
+          <p:cNvPr id="186" name="Google Shape;186;p31"/>
+          <p:cNvSpPr txBox="1">
+            <a:spLocks noGrp="1"/>
+          </p:cNvSpPr>
+          <p:nvPr>
+            <p:ph type="title"/>
+          </p:nvPr>
+        </p:nvSpPr>
+        <p:spPr>
+          <a:xfrm>
+            <a:off x="822960" y="214952"/>
+            <a:ext cx="7543800" cy="1088100"/>
+          </a:xfrm>
+          <a:prstGeom prst="rect">
+            <a:avLst/>
+          </a:prstGeom>
+        </p:spPr>
+        <p:txBody>
+          <a:bodyPr spcFirstLastPara="1" wrap="square" lIns="68575" tIns="34275" rIns="68575" bIns="34275" anchor="b" anchorCtr="0">
+            <a:noAutofit/>
+          </a:bodyPr>
+          <a:lstStyle/>
+          <a:p>
+            <a:pPr marL="0" lvl="0" indent="0" algn="l" rtl="0">
+              <a:spcBef>
+                <a:spcPts val="0"/>
+              </a:spcBef>
+              <a:spcAft>
+                <a:spcPts val="0"/>
+              </a:spcAft>
+              <a:buNone/>
+            </a:pPr>
+            <a:r>
+              <a:rPr lang="en"/>
+              <a:t>Applications</a:t>
+            </a:r>
+            <a:endParaRPr/>
+          </a:p>
+        </p:txBody>
+      </p:sp>
+      <p:sp>
+        <p:nvSpPr>
+          <p:cNvPr id="187" name="Google Shape;187;p31"/>
+          <p:cNvSpPr txBox="1">
+            <a:spLocks noGrp="1"/>
+          </p:cNvSpPr>
+          <p:nvPr>
+            <p:ph type="body" idx="1"/>
+          </p:nvPr>
+        </p:nvSpPr>
+        <p:spPr>
+          <a:xfrm>
+            <a:off x="822960" y="1384300"/>
+            <a:ext cx="7543800" cy="3017400"/>
+          </a:xfrm>
+          <a:prstGeom prst="rect">
+            <a:avLst/>
+          </a:prstGeom>
+        </p:spPr>
+        <p:txBody>
+          <a:bodyPr spcFirstLastPara="1" wrap="square" lIns="0" tIns="34275" rIns="0" bIns="34275" anchor="t" anchorCtr="0">
+            <a:noAutofit/>
+          </a:bodyPr>
+          <a:lstStyle/>
+          <a:p>
+            <a:pPr marL="457200" lvl="0" indent="-342900" algn="l" rtl="0">
+              <a:lnSpc>
+                <a:spcPct val="150000"/>
+              </a:lnSpc>
+              <a:spcBef>
+                <a:spcPts val="900"/>
+              </a:spcBef>
+              <a:spcAft>
+                <a:spcPts val="0"/>
+              </a:spcAft>
+              <a:buSzPts val="1800"/>
+              <a:buAutoNum type="arabicPeriod"/>
+            </a:pPr>
+            <a:r>
+              <a:rPr lang="en" sz="1900"/>
+              <a:t>Storing naturally hierarchical data.</a:t>
+            </a:r>
+            <a:r>
+              <a:rPr lang="en" sz="1900" i="1"/>
+              <a:t> E.g: filesystems</a:t>
+            </a:r>
+            <a:endParaRPr sz="1900" i="1"/>
+          </a:p>
+          <a:p>
+            <a:pPr marL="457200" lvl="0" indent="-342900" algn="l" rtl="0">
+              <a:lnSpc>
+                <a:spcPct val="150000"/>
+              </a:lnSpc>
+              <a:spcBef>
+                <a:spcPts val="0"/>
+              </a:spcBef>
+              <a:spcAft>
+                <a:spcPts val="0"/>
+              </a:spcAft>
+              <a:buSzPts val="1800"/>
+              <a:buAutoNum type="arabicPeriod"/>
+            </a:pPr>
+            <a:r>
+              <a:rPr lang="en" sz="1900"/>
+              <a:t>Organizing data for quick search, insertion, deletion.</a:t>
+            </a:r>
+            <a:r>
+              <a:rPr lang="en" sz="1900" i="1"/>
+              <a:t> E.g: Binary Search Trees.</a:t>
+            </a:r>
+            <a:endParaRPr sz="1900" i="1"/>
+          </a:p>
+          <a:p>
+            <a:pPr marL="457200" lvl="0" indent="-342900" algn="l" rtl="0">
+              <a:lnSpc>
+                <a:spcPct val="150000"/>
+              </a:lnSpc>
+              <a:spcBef>
+                <a:spcPts val="0"/>
+              </a:spcBef>
+              <a:spcAft>
+                <a:spcPts val="0"/>
+              </a:spcAft>
+              <a:buSzPts val="1800"/>
+              <a:buAutoNum type="arabicPeriod"/>
+            </a:pPr>
+            <a:r>
+              <a:rPr lang="en" sz="1900"/>
+              <a:t>Network Routing Algorithms</a:t>
+            </a:r>
+            <a:endParaRPr sz="1900"/>
+          </a:p>
+          <a:p>
+            <a:pPr marL="457200" lvl="0" indent="-342900" algn="l" rtl="0">
+              <a:lnSpc>
+                <a:spcPct val="150000"/>
+              </a:lnSpc>
+              <a:spcBef>
+                <a:spcPts val="0"/>
+              </a:spcBef>
+              <a:spcAft>
+                <a:spcPts val="0"/>
+              </a:spcAft>
+              <a:buSzPts val="1800"/>
+              <a:buAutoNum type="arabicPeriod"/>
+            </a:pPr>
+            <a:r>
+              <a:rPr lang="en" sz="1900"/>
+              <a:t>And much more ....</a:t>
+            </a:r>
+            <a:endParaRPr sz="1900"/>
+          </a:p>
+        </p:txBody>
+      </p:sp>
+    </p:spTree>
+    <p:extLst>
+      <p:ext uri="{BB962C8B-B14F-4D97-AF65-F5344CB8AC3E}">
+        <p14:creationId xmlns:p14="http://schemas.microsoft.com/office/powerpoint/2010/main" val="1216443034"/>
+      </p:ext>
+    </p:extLst>
+  </p:cSld>
+  <p:clrMapOvr>
+    <a:masterClrMapping/>
+  </p:clrMapOvr>
+</p:sld>
+</file>
+
+<file path=ppt/slides/slide12.xml><?xml version="1.0" encoding="utf-8"?>
+<p:sld xmlns:a="http://schemas.openxmlformats.org/drawingml/2006/main" xmlns:r="http://schemas.openxmlformats.org/officeDocument/2006/relationships" xmlns:p="http://schemas.openxmlformats.org/presentationml/2006/main">
+  <p:cSld>
+    <p:spTree>
+      <p:nvGrpSpPr>
+        <p:cNvPr id="1" name="Shape 191"/>
+        <p:cNvGrpSpPr/>
+        <p:nvPr/>
+      </p:nvGrpSpPr>
+      <p:grpSpPr>
+        <a:xfrm>
+          <a:off x="0" y="0"/>
+          <a:ext cx="0" cy="0"/>
+          <a:chOff x="0" y="0"/>
+          <a:chExt cx="0" cy="0"/>
+        </a:xfrm>
+      </p:grpSpPr>
+      <p:sp>
+        <p:nvSpPr>
+          <p:cNvPr id="192" name="Google Shape;192;p32"/>
+          <p:cNvSpPr txBox="1">
+            <a:spLocks noGrp="1"/>
+          </p:cNvSpPr>
+          <p:nvPr>
+            <p:ph type="title"/>
+          </p:nvPr>
+        </p:nvSpPr>
+        <p:spPr>
+          <a:xfrm>
+            <a:off x="822960" y="214952"/>
+            <a:ext cx="7543800" cy="1088100"/>
+          </a:xfrm>
+          <a:prstGeom prst="rect">
+            <a:avLst/>
+          </a:prstGeom>
+        </p:spPr>
+        <p:txBody>
+          <a:bodyPr spcFirstLastPara="1" wrap="square" lIns="68575" tIns="34275" rIns="68575" bIns="34275" anchor="b" anchorCtr="0">
+            <a:noAutofit/>
+          </a:bodyPr>
+          <a:lstStyle/>
+          <a:p>
+            <a:pPr marL="0" lvl="0" indent="0" algn="l" rtl="0">
+              <a:spcBef>
+                <a:spcPts val="0"/>
+              </a:spcBef>
+              <a:spcAft>
+                <a:spcPts val="0"/>
+              </a:spcAft>
+              <a:buNone/>
+            </a:pPr>
+            <a:r>
+              <a:rPr lang="en"/>
+              <a:t>Representation</a:t>
+            </a:r>
+            <a:endParaRPr/>
+          </a:p>
+          <a:p>
+            <a:pPr marL="0" lvl="0" indent="0" algn="l" rtl="0">
+              <a:spcBef>
+                <a:spcPts val="0"/>
+              </a:spcBef>
+              <a:spcAft>
+                <a:spcPts val="0"/>
+              </a:spcAft>
+              <a:buNone/>
+            </a:pPr>
+            <a:r>
+              <a:rPr lang="en"/>
+              <a:t>(Binary Trees)</a:t>
+            </a:r>
+            <a:endParaRPr/>
+          </a:p>
+        </p:txBody>
+      </p:sp>
+      <p:sp>
+        <p:nvSpPr>
+          <p:cNvPr id="193" name="Google Shape;193;p32"/>
+          <p:cNvSpPr txBox="1">
+            <a:spLocks noGrp="1"/>
+          </p:cNvSpPr>
+          <p:nvPr>
+            <p:ph type="body" idx="1"/>
+          </p:nvPr>
+        </p:nvSpPr>
+        <p:spPr>
+          <a:xfrm>
+            <a:off x="822960" y="1384300"/>
+            <a:ext cx="7543800" cy="3017400"/>
+          </a:xfrm>
+          <a:prstGeom prst="rect">
+            <a:avLst/>
+          </a:prstGeom>
+        </p:spPr>
+        <p:txBody>
+          <a:bodyPr spcFirstLastPara="1" wrap="square" lIns="0" tIns="34275" rIns="0" bIns="34275" anchor="t" anchorCtr="0">
+            <a:noAutofit/>
+          </a:bodyPr>
+          <a:lstStyle/>
+          <a:p>
+            <a:pPr marL="0" lvl="0" indent="0" algn="l" rtl="0">
+              <a:lnSpc>
+                <a:spcPct val="80000"/>
+              </a:lnSpc>
+              <a:spcBef>
+                <a:spcPts val="900"/>
+              </a:spcBef>
+              <a:spcAft>
+                <a:spcPts val="0"/>
+              </a:spcAft>
+              <a:buNone/>
+            </a:pPr>
+            <a:r>
+              <a:rPr lang="en">
+                <a:solidFill>
+                  <a:srgbClr val="4A86E8"/>
+                </a:solidFill>
+              </a:rPr>
+              <a:t>struct</a:t>
+            </a:r>
+            <a:r>
+              <a:rPr lang="en"/>
+              <a:t> Node {</a:t>
+            </a:r>
+            <a:endParaRPr/>
+          </a:p>
+          <a:p>
+            <a:pPr marL="0" lvl="0" indent="0" algn="l" rtl="0">
+              <a:lnSpc>
+                <a:spcPct val="80000"/>
+              </a:lnSpc>
+              <a:spcBef>
+                <a:spcPts val="900"/>
+              </a:spcBef>
+              <a:spcAft>
+                <a:spcPts val="0"/>
+              </a:spcAft>
+              <a:buNone/>
+            </a:pPr>
+            <a:r>
+              <a:rPr lang="en"/>
+              <a:t>	</a:t>
+            </a:r>
+            <a:r>
+              <a:rPr lang="en">
+                <a:solidFill>
+                  <a:srgbClr val="4A86E8"/>
+                </a:solidFill>
+              </a:rPr>
+              <a:t>int</a:t>
+            </a:r>
+            <a:r>
+              <a:rPr lang="en"/>
+              <a:t> data;</a:t>
+            </a:r>
+            <a:endParaRPr/>
+          </a:p>
+          <a:p>
+            <a:pPr marL="0" lvl="0" indent="0" algn="l" rtl="0">
+              <a:lnSpc>
+                <a:spcPct val="80000"/>
+              </a:lnSpc>
+              <a:spcBef>
+                <a:spcPts val="900"/>
+              </a:spcBef>
+              <a:spcAft>
+                <a:spcPts val="0"/>
+              </a:spcAft>
+              <a:buNone/>
+            </a:pPr>
+            <a:r>
+              <a:rPr lang="en"/>
+              <a:t>	Node* left;</a:t>
+            </a:r>
+            <a:endParaRPr/>
+          </a:p>
+          <a:p>
+            <a:pPr marL="0" lvl="0" indent="0" algn="l" rtl="0">
+              <a:lnSpc>
+                <a:spcPct val="80000"/>
+              </a:lnSpc>
+              <a:spcBef>
+                <a:spcPts val="900"/>
+              </a:spcBef>
+              <a:spcAft>
+                <a:spcPts val="0"/>
+              </a:spcAft>
+              <a:buNone/>
+            </a:pPr>
+            <a:r>
+              <a:rPr lang="en"/>
+              <a:t>	Node* right;</a:t>
+            </a:r>
+            <a:endParaRPr/>
+          </a:p>
+          <a:p>
+            <a:pPr marL="0" lvl="0" indent="0" algn="l" rtl="0">
+              <a:lnSpc>
+                <a:spcPct val="80000"/>
+              </a:lnSpc>
+              <a:spcBef>
+                <a:spcPts val="900"/>
+              </a:spcBef>
+              <a:spcAft>
+                <a:spcPts val="200"/>
+              </a:spcAft>
+              <a:buNone/>
+            </a:pPr>
+            <a:r>
+              <a:rPr lang="en"/>
+              <a:t>};</a:t>
+            </a:r>
+            <a:endParaRPr/>
+          </a:p>
+        </p:txBody>
+      </p:sp>
+      <p:pic>
+        <p:nvPicPr>
+          <p:cNvPr id="194" name="Google Shape;194;p32"/>
+          <p:cNvPicPr preferRelativeResize="0"/>
+          <p:nvPr/>
+        </p:nvPicPr>
+        <p:blipFill>
+          <a:blip r:embed="rId3">
+            <a:alphaModFix/>
+          </a:blip>
+          <a:stretch>
+            <a:fillRect/>
+          </a:stretch>
+        </p:blipFill>
+        <p:spPr>
+          <a:xfrm>
+            <a:off x="2520900" y="1919423"/>
+            <a:ext cx="6459824" cy="2351473"/>
+          </a:xfrm>
+          <a:prstGeom prst="rect">
+            <a:avLst/>
+          </a:prstGeom>
+          <a:noFill/>
+          <a:ln>
+            <a:noFill/>
+          </a:ln>
+        </p:spPr>
+      </p:pic>
+    </p:spTree>
+    <p:extLst>
+      <p:ext uri="{BB962C8B-B14F-4D97-AF65-F5344CB8AC3E}">
+        <p14:creationId xmlns:p14="http://schemas.microsoft.com/office/powerpoint/2010/main" val="4212074742"/>
+      </p:ext>
+    </p:extLst>
+  </p:cSld>
+  <p:clrMapOvr>
+    <a:masterClrMapping/>
+  </p:clrMapOvr>
+</p:sld>
+</file>
+
+<file path=ppt/slides/slide13.xml><?xml version="1.0" encoding="utf-8"?>
+<p:sld xmlns:a="http://schemas.openxmlformats.org/drawingml/2006/main" xmlns:r="http://schemas.openxmlformats.org/officeDocument/2006/relationships" xmlns:p="http://schemas.openxmlformats.org/presentationml/2006/main">
+  <p:cSld>
+    <p:spTree>
+      <p:nvGrpSpPr>
+        <p:cNvPr id="1" name="Shape 198"/>
+        <p:cNvGrpSpPr/>
+        <p:nvPr/>
+      </p:nvGrpSpPr>
+      <p:grpSpPr>
+        <a:xfrm>
+          <a:off x="0" y="0"/>
+          <a:ext cx="0" cy="0"/>
+          <a:chOff x="0" y="0"/>
+          <a:chExt cx="0" cy="0"/>
+        </a:xfrm>
+      </p:grpSpPr>
+      <p:sp>
+        <p:nvSpPr>
+          <p:cNvPr id="199" name="Google Shape;199;p33"/>
+          <p:cNvSpPr txBox="1">
+            <a:spLocks noGrp="1"/>
+          </p:cNvSpPr>
+          <p:nvPr>
+            <p:ph type="title"/>
+          </p:nvPr>
+        </p:nvSpPr>
+        <p:spPr>
+          <a:xfrm>
+            <a:off x="822960" y="214952"/>
+            <a:ext cx="7543800" cy="1088100"/>
+          </a:xfrm>
+          <a:prstGeom prst="rect">
+            <a:avLst/>
+          </a:prstGeom>
+        </p:spPr>
+        <p:txBody>
+          <a:bodyPr spcFirstLastPara="1" wrap="square" lIns="68575" tIns="34275" rIns="68575" bIns="34275" anchor="b" anchorCtr="0">
+            <a:noAutofit/>
+          </a:bodyPr>
+          <a:lstStyle/>
+          <a:p>
+            <a:pPr marL="0" lvl="0" indent="0" algn="l" rtl="0">
+              <a:spcBef>
+                <a:spcPts val="0"/>
+              </a:spcBef>
+              <a:spcAft>
+                <a:spcPts val="0"/>
+              </a:spcAft>
+              <a:buNone/>
+            </a:pPr>
+            <a:r>
+              <a:rPr lang="en"/>
+              <a:t>Complexity</a:t>
+            </a:r>
+            <a:endParaRPr/>
+          </a:p>
+          <a:p>
+            <a:pPr marL="0" lvl="0" indent="0" algn="l" rtl="0">
+              <a:spcBef>
+                <a:spcPts val="0"/>
+              </a:spcBef>
+              <a:spcAft>
+                <a:spcPts val="0"/>
+              </a:spcAft>
+              <a:buNone/>
+            </a:pPr>
+            <a:r>
+              <a:rPr lang="en"/>
+              <a:t>(Binary Trees)</a:t>
+            </a:r>
+            <a:endParaRPr/>
+          </a:p>
+        </p:txBody>
+      </p:sp>
+      <p:sp>
+        <p:nvSpPr>
+          <p:cNvPr id="200" name="Google Shape;200;p33"/>
+          <p:cNvSpPr txBox="1">
+            <a:spLocks noGrp="1"/>
+          </p:cNvSpPr>
+          <p:nvPr>
+            <p:ph type="body" idx="1"/>
+          </p:nvPr>
+        </p:nvSpPr>
+        <p:spPr>
+          <a:xfrm>
+            <a:off x="822960" y="1384300"/>
+            <a:ext cx="7543800" cy="3017400"/>
+          </a:xfrm>
+          <a:prstGeom prst="rect">
+            <a:avLst/>
+          </a:prstGeom>
+        </p:spPr>
+        <p:txBody>
+          <a:bodyPr spcFirstLastPara="1" wrap="square" lIns="0" tIns="34275" rIns="0" bIns="34275" anchor="t" anchorCtr="0">
+            <a:noAutofit/>
+          </a:bodyPr>
+          <a:lstStyle/>
+          <a:p>
+            <a:pPr marL="0" lvl="0" indent="0" algn="l" rtl="0">
+              <a:spcBef>
+                <a:spcPts val="900"/>
+              </a:spcBef>
+              <a:spcAft>
+                <a:spcPts val="200"/>
+              </a:spcAft>
+              <a:buNone/>
+            </a:pPr>
+            <a:endParaRPr/>
+          </a:p>
+        </p:txBody>
+      </p:sp>
+      <p:pic>
+        <p:nvPicPr>
+          <p:cNvPr id="201" name="Google Shape;201;p33"/>
+          <p:cNvPicPr preferRelativeResize="0"/>
+          <p:nvPr/>
+        </p:nvPicPr>
+        <p:blipFill>
+          <a:blip r:embed="rId3">
+            <a:alphaModFix/>
+          </a:blip>
+          <a:stretch>
+            <a:fillRect/>
+          </a:stretch>
+        </p:blipFill>
+        <p:spPr>
+          <a:xfrm>
+            <a:off x="442200" y="1528450"/>
+            <a:ext cx="8139323" cy="2729100"/>
+          </a:xfrm>
+          <a:prstGeom prst="rect">
+            <a:avLst/>
+          </a:prstGeom>
+          <a:noFill/>
+          <a:ln>
+            <a:noFill/>
+          </a:ln>
+        </p:spPr>
+      </p:pic>
+    </p:spTree>
+    <p:extLst>
+      <p:ext uri="{BB962C8B-B14F-4D97-AF65-F5344CB8AC3E}">
+        <p14:creationId xmlns:p14="http://schemas.microsoft.com/office/powerpoint/2010/main" val="2026620041"/>
+      </p:ext>
+    </p:extLst>
+  </p:cSld>
+  <p:clrMapOvr>
+    <a:masterClrMapping/>
+  </p:clrMapOvr>
+</p:sld>
+</file>
+
+<file path=ppt/slides/slide14.xml><?xml version="1.0" encoding="utf-8"?>
 <p:sld xmlns:a="http://schemas.openxmlformats.org/drawingml/2006/main" xmlns:r="http://schemas.openxmlformats.org/officeDocument/2006/relationships" xmlns:p="http://schemas.openxmlformats.org/presentationml/2006/main">
   <p:cSld>
     <p:spTree>
@@ -19629,6 +21282,11 @@
         </p:txBody>
       </p:sp>
     </p:spTree>
+    <p:extLst>
+      <p:ext uri="{BB962C8B-B14F-4D97-AF65-F5344CB8AC3E}">
+        <p14:creationId xmlns:p14="http://schemas.microsoft.com/office/powerpoint/2010/main" val="144448796"/>
+      </p:ext>
+    </p:extLst>
   </p:cSld>
   <p:clrMapOvr>
     <a:masterClrMapping/>
@@ -19636,7 +21294,7 @@
 </p:sld>
 </file>
 
-<file path=ppt/slides/slide11.xml><?xml version="1.0" encoding="utf-8"?>
+<file path=ppt/slides/slide15.xml><?xml version="1.0" encoding="utf-8"?>
 <p:sld xmlns:a="http://schemas.openxmlformats.org/drawingml/2006/main" xmlns:r="http://schemas.openxmlformats.org/officeDocument/2006/relationships" xmlns:p="http://schemas.openxmlformats.org/presentationml/2006/main">
   <p:cSld>
     <p:spTree>
@@ -20384,6 +22042,11 @@
         </p:spPr>
       </p:cxnSp>
     </p:spTree>
+    <p:extLst>
+      <p:ext uri="{BB962C8B-B14F-4D97-AF65-F5344CB8AC3E}">
+        <p14:creationId xmlns:p14="http://schemas.microsoft.com/office/powerpoint/2010/main" val="2392614491"/>
+      </p:ext>
+    </p:extLst>
   </p:cSld>
   <p:clrMapOvr>
     <a:masterClrMapping/>
@@ -20391,7 +22054,7 @@
 </p:sld>
 </file>
 
-<file path=ppt/slides/slide12.xml><?xml version="1.0" encoding="utf-8"?>
+<file path=ppt/slides/slide16.xml><?xml version="1.0" encoding="utf-8"?>
 <p:sld xmlns:a="http://schemas.openxmlformats.org/drawingml/2006/main" xmlns:r="http://schemas.openxmlformats.org/officeDocument/2006/relationships" xmlns:p="http://schemas.openxmlformats.org/presentationml/2006/main">
   <p:cSld>
     <p:spTree>
@@ -20711,6 +22374,11 @@
         </p:txBody>
       </p:sp>
     </p:spTree>
+    <p:extLst>
+      <p:ext uri="{BB962C8B-B14F-4D97-AF65-F5344CB8AC3E}">
+        <p14:creationId xmlns:p14="http://schemas.microsoft.com/office/powerpoint/2010/main" val="1407717029"/>
+      </p:ext>
+    </p:extLst>
   </p:cSld>
   <p:clrMapOvr>
     <a:masterClrMapping/>
@@ -20718,7 +22386,7 @@
 </p:sld>
 </file>
 
-<file path=ppt/slides/slide13.xml><?xml version="1.0" encoding="utf-8"?>
+<file path=ppt/slides/slide17.xml><?xml version="1.0" encoding="utf-8"?>
 <p:sld xmlns:a="http://schemas.openxmlformats.org/drawingml/2006/main" xmlns:r="http://schemas.openxmlformats.org/officeDocument/2006/relationships" xmlns:p="http://schemas.openxmlformats.org/presentationml/2006/main">
   <p:cSld>
     <p:spTree>
@@ -21467,6 +23135,11 @@
         </p:txBody>
       </p:sp>
     </p:spTree>
+    <p:extLst>
+      <p:ext uri="{BB962C8B-B14F-4D97-AF65-F5344CB8AC3E}">
+        <p14:creationId xmlns:p14="http://schemas.microsoft.com/office/powerpoint/2010/main" val="2936605057"/>
+      </p:ext>
+    </p:extLst>
   </p:cSld>
   <p:clrMapOvr>
     <a:masterClrMapping/>
@@ -21474,7 +23147,7 @@
 </p:sld>
 </file>
 
-<file path=ppt/slides/slide14.xml><?xml version="1.0" encoding="utf-8"?>
+<file path=ppt/slides/slide18.xml><?xml version="1.0" encoding="utf-8"?>
 <p:sld xmlns:a="http://schemas.openxmlformats.org/drawingml/2006/main" xmlns:r="http://schemas.openxmlformats.org/officeDocument/2006/relationships" xmlns:p="http://schemas.openxmlformats.org/presentationml/2006/main">
   <p:cSld>
     <p:spTree>
@@ -22356,6 +24029,11 @@
         </p:txBody>
       </p:sp>
     </p:spTree>
+    <p:extLst>
+      <p:ext uri="{BB962C8B-B14F-4D97-AF65-F5344CB8AC3E}">
+        <p14:creationId xmlns:p14="http://schemas.microsoft.com/office/powerpoint/2010/main" val="271921324"/>
+      </p:ext>
+    </p:extLst>
   </p:cSld>
   <p:clrMapOvr>
     <a:masterClrMapping/>
@@ -22363,7 +24041,7 @@
 </p:sld>
 </file>
 
-<file path=ppt/slides/slide15.xml><?xml version="1.0" encoding="utf-8"?>
+<file path=ppt/slides/slide19.xml><?xml version="1.0" encoding="utf-8"?>
 <p:sld xmlns:a="http://schemas.openxmlformats.org/drawingml/2006/main" xmlns:r="http://schemas.openxmlformats.org/officeDocument/2006/relationships" xmlns:p="http://schemas.openxmlformats.org/presentationml/2006/main">
   <p:cSld>
     <p:spTree>
@@ -22911,6 +24589,11 @@
         </p:txBody>
       </p:sp>
     </p:spTree>
+    <p:extLst>
+      <p:ext uri="{BB962C8B-B14F-4D97-AF65-F5344CB8AC3E}">
+        <p14:creationId xmlns:p14="http://schemas.microsoft.com/office/powerpoint/2010/main" val="910059526"/>
+      </p:ext>
+    </p:extLst>
   </p:cSld>
   <p:clrMapOvr>
     <a:masterClrMapping/>
@@ -22918,7 +24601,187 @@
 </p:sld>
 </file>
 
-<file path=ppt/slides/slide16.xml><?xml version="1.0" encoding="utf-8"?>
+<file path=ppt/slides/slide2.xml><?xml version="1.0" encoding="utf-8"?>
+<p:sld xmlns:a="http://schemas.openxmlformats.org/drawingml/2006/main" xmlns:r="http://schemas.openxmlformats.org/officeDocument/2006/relationships" xmlns:p="http://schemas.openxmlformats.org/presentationml/2006/main">
+  <p:cSld>
+    <p:spTree>
+      <p:nvGrpSpPr>
+        <p:cNvPr id="1" name="Shape 151"/>
+        <p:cNvGrpSpPr/>
+        <p:nvPr/>
+      </p:nvGrpSpPr>
+      <p:grpSpPr>
+        <a:xfrm>
+          <a:off x="0" y="0"/>
+          <a:ext cx="0" cy="0"/>
+          <a:chOff x="0" y="0"/>
+          <a:chExt cx="0" cy="0"/>
+        </a:xfrm>
+      </p:grpSpPr>
+      <p:sp>
+        <p:nvSpPr>
+          <p:cNvPr id="152" name="Google Shape;152;p26"/>
+          <p:cNvSpPr txBox="1">
+            <a:spLocks noGrp="1"/>
+          </p:cNvSpPr>
+          <p:nvPr>
+            <p:ph type="body" idx="1"/>
+          </p:nvPr>
+        </p:nvSpPr>
+        <p:spPr>
+          <a:xfrm>
+            <a:off x="800100" y="1300000"/>
+            <a:ext cx="7543800" cy="3020400"/>
+          </a:xfrm>
+          <a:prstGeom prst="rect">
+            <a:avLst/>
+          </a:prstGeom>
+        </p:spPr>
+        <p:txBody>
+          <a:bodyPr spcFirstLastPara="1" wrap="square" lIns="0" tIns="34275" rIns="0" bIns="34275" anchor="t" anchorCtr="0">
+            <a:noAutofit/>
+          </a:bodyPr>
+          <a:lstStyle/>
+          <a:p>
+            <a:pPr marL="0" lvl="0" indent="0" algn="l" rtl="0">
+              <a:spcBef>
+                <a:spcPts val="900"/>
+              </a:spcBef>
+              <a:spcAft>
+                <a:spcPts val="0"/>
+              </a:spcAft>
+              <a:buNone/>
+            </a:pPr>
+            <a:endParaRPr sz="2000" b="1"/>
+          </a:p>
+          <a:p>
+            <a:pPr marL="0" lvl="0" indent="0" algn="l" rtl="0">
+              <a:spcBef>
+                <a:spcPts val="900"/>
+              </a:spcBef>
+              <a:spcAft>
+                <a:spcPts val="0"/>
+              </a:spcAft>
+              <a:buNone/>
+            </a:pPr>
+            <a:r>
+              <a:rPr lang="en" sz="2000"/>
+              <a:t>Time to search is directly proportional to data in data structure.</a:t>
+            </a:r>
+            <a:endParaRPr sz="2000"/>
+          </a:p>
+          <a:p>
+            <a:pPr marL="0" lvl="0" indent="0" algn="l" rtl="0">
+              <a:spcBef>
+                <a:spcPts val="900"/>
+              </a:spcBef>
+              <a:spcAft>
+                <a:spcPts val="0"/>
+              </a:spcAft>
+              <a:buNone/>
+            </a:pPr>
+            <a:endParaRPr sz="2000"/>
+          </a:p>
+          <a:p>
+            <a:pPr marL="0" lvl="0" indent="0" algn="l" rtl="0">
+              <a:spcBef>
+                <a:spcPts val="900"/>
+              </a:spcBef>
+              <a:spcAft>
+                <a:spcPts val="0"/>
+              </a:spcAft>
+              <a:buNone/>
+            </a:pPr>
+            <a:r>
+              <a:rPr lang="en" sz="2000"/>
+              <a:t>Therefore it seems that more efficient data structures are needed to store and search data.</a:t>
+            </a:r>
+            <a:endParaRPr sz="2000"/>
+          </a:p>
+          <a:p>
+            <a:pPr marL="0" lvl="0" indent="0" algn="l" rtl="0">
+              <a:spcBef>
+                <a:spcPts val="900"/>
+              </a:spcBef>
+              <a:spcAft>
+                <a:spcPts val="200"/>
+              </a:spcAft>
+              <a:buNone/>
+            </a:pPr>
+            <a:endParaRPr sz="2700"/>
+          </a:p>
+        </p:txBody>
+      </p:sp>
+      <p:sp>
+        <p:nvSpPr>
+          <p:cNvPr id="153" name="Google Shape;153;p26"/>
+          <p:cNvSpPr txBox="1"/>
+          <p:nvPr/>
+        </p:nvSpPr>
+        <p:spPr>
+          <a:xfrm>
+            <a:off x="734775" y="0"/>
+            <a:ext cx="7755000" cy="1345200"/>
+          </a:xfrm>
+          <a:prstGeom prst="rect">
+            <a:avLst/>
+          </a:prstGeom>
+          <a:noFill/>
+          <a:ln>
+            <a:noFill/>
+          </a:ln>
+        </p:spPr>
+        <p:txBody>
+          <a:bodyPr spcFirstLastPara="1" wrap="square" lIns="91425" tIns="91425" rIns="91425" bIns="91425" anchor="b" anchorCtr="0">
+            <a:noAutofit/>
+          </a:bodyPr>
+          <a:lstStyle/>
+          <a:p>
+            <a:pPr marL="0" lvl="0" indent="0" algn="l" rtl="0">
+              <a:lnSpc>
+                <a:spcPct val="90000"/>
+              </a:lnSpc>
+              <a:spcBef>
+                <a:spcPts val="900"/>
+              </a:spcBef>
+              <a:spcAft>
+                <a:spcPts val="200"/>
+              </a:spcAft>
+              <a:buNone/>
+            </a:pPr>
+            <a:r>
+              <a:rPr lang="en" sz="3100" b="1">
+                <a:solidFill>
+                  <a:srgbClr val="3F3F3F"/>
+                </a:solidFill>
+                <a:latin typeface="Calibri"/>
+                <a:ea typeface="Calibri"/>
+                <a:cs typeface="Calibri"/>
+                <a:sym typeface="Calibri"/>
+              </a:rPr>
+              <a:t>Disadvantage of sequential data structures:</a:t>
+            </a:r>
+            <a:endParaRPr sz="3100" b="1">
+              <a:solidFill>
+                <a:srgbClr val="3F3F3F"/>
+              </a:solidFill>
+              <a:latin typeface="Calibri"/>
+              <a:ea typeface="Calibri"/>
+              <a:cs typeface="Calibri"/>
+              <a:sym typeface="Calibri"/>
+            </a:endParaRPr>
+          </a:p>
+        </p:txBody>
+      </p:sp>
+    </p:spTree>
+  </p:cSld>
+  <p:clrMapOvr>
+    <a:masterClrMapping/>
+  </p:clrMapOvr>
+</p:sld>
+</file>
+
+<file path=ppt/slides/slide20.xml><?xml version="1.0" encoding="utf-8"?>
 <p:sld xmlns:a="http://schemas.openxmlformats.org/drawingml/2006/main" xmlns:r="http://schemas.openxmlformats.org/officeDocument/2006/relationships" xmlns:p="http://schemas.openxmlformats.org/presentationml/2006/main">
   <p:cSld>
     <p:spTree>
@@ -23464,6 +25327,11 @@
         </p:txBody>
       </p:sp>
     </p:spTree>
+    <p:extLst>
+      <p:ext uri="{BB962C8B-B14F-4D97-AF65-F5344CB8AC3E}">
+        <p14:creationId xmlns:p14="http://schemas.microsoft.com/office/powerpoint/2010/main" val="353961963"/>
+      </p:ext>
+    </p:extLst>
   </p:cSld>
   <p:clrMapOvr>
     <a:masterClrMapping/>
@@ -23471,7 +25339,7 @@
 </p:sld>
 </file>
 
-<file path=ppt/slides/slide17.xml><?xml version="1.0" encoding="utf-8"?>
+<file path=ppt/slides/slide21.xml><?xml version="1.0" encoding="utf-8"?>
 <p:sld xmlns:a="http://schemas.openxmlformats.org/drawingml/2006/main" xmlns:r="http://schemas.openxmlformats.org/officeDocument/2006/relationships" xmlns:p="http://schemas.openxmlformats.org/presentationml/2006/main">
   <p:cSld>
     <p:spTree>
@@ -23971,6 +25839,11 @@
         </p:txBody>
       </p:sp>
     </p:spTree>
+    <p:extLst>
+      <p:ext uri="{BB962C8B-B14F-4D97-AF65-F5344CB8AC3E}">
+        <p14:creationId xmlns:p14="http://schemas.microsoft.com/office/powerpoint/2010/main" val="323645756"/>
+      </p:ext>
+    </p:extLst>
   </p:cSld>
   <p:clrMapOvr>
     <a:masterClrMapping/>
@@ -23978,7 +25851,7 @@
 </p:sld>
 </file>
 
-<file path=ppt/slides/slide18.xml><?xml version="1.0" encoding="utf-8"?>
+<file path=ppt/slides/slide22.xml><?xml version="1.0" encoding="utf-8"?>
 <p:sld xmlns:a="http://schemas.openxmlformats.org/drawingml/2006/main" xmlns:r="http://schemas.openxmlformats.org/officeDocument/2006/relationships" xmlns:p="http://schemas.openxmlformats.org/presentationml/2006/main">
   <p:cSld>
     <p:spTree>
@@ -24535,6 +26408,11 @@
         </p:txBody>
       </p:sp>
     </p:spTree>
+    <p:extLst>
+      <p:ext uri="{BB962C8B-B14F-4D97-AF65-F5344CB8AC3E}">
+        <p14:creationId xmlns:p14="http://schemas.microsoft.com/office/powerpoint/2010/main" val="2299862859"/>
+      </p:ext>
+    </p:extLst>
   </p:cSld>
   <p:clrMapOvr>
     <a:masterClrMapping/>
@@ -24542,7 +26420,7 @@
 </p:sld>
 </file>
 
-<file path=ppt/slides/slide19.xml><?xml version="1.0" encoding="utf-8"?>
+<file path=ppt/slides/slide23.xml><?xml version="1.0" encoding="utf-8"?>
 <p:sld xmlns:a="http://schemas.openxmlformats.org/drawingml/2006/main" xmlns:r="http://schemas.openxmlformats.org/officeDocument/2006/relationships" xmlns:p="http://schemas.openxmlformats.org/presentationml/2006/main">
   <p:cSld>
     <p:spTree>
@@ -24957,6 +26835,11 @@
         </p:txBody>
       </p:sp>
     </p:spTree>
+    <p:extLst>
+      <p:ext uri="{BB962C8B-B14F-4D97-AF65-F5344CB8AC3E}">
+        <p14:creationId xmlns:p14="http://schemas.microsoft.com/office/powerpoint/2010/main" val="3598871951"/>
+      </p:ext>
+    </p:extLst>
   </p:cSld>
   <p:clrMapOvr>
     <a:masterClrMapping/>
@@ -24964,292 +26847,7 @@
 </p:sld>
 </file>
 
-<file path=ppt/slides/slide2.xml><?xml version="1.0" encoding="utf-8"?>
-<p:sld xmlns:a="http://schemas.openxmlformats.org/drawingml/2006/main" xmlns:r="http://schemas.openxmlformats.org/officeDocument/2006/relationships" xmlns:p="http://schemas.openxmlformats.org/presentationml/2006/main">
-  <p:cSld>
-    <p:spTree>
-      <p:nvGrpSpPr>
-        <p:cNvPr id="1" name="Shape 151"/>
-        <p:cNvGrpSpPr/>
-        <p:nvPr/>
-      </p:nvGrpSpPr>
-      <p:grpSpPr>
-        <a:xfrm>
-          <a:off x="0" y="0"/>
-          <a:ext cx="0" cy="0"/>
-          <a:chOff x="0" y="0"/>
-          <a:chExt cx="0" cy="0"/>
-        </a:xfrm>
-      </p:grpSpPr>
-      <p:sp>
-        <p:nvSpPr>
-          <p:cNvPr id="152" name="Google Shape;152;p26"/>
-          <p:cNvSpPr txBox="1">
-            <a:spLocks noGrp="1"/>
-          </p:cNvSpPr>
-          <p:nvPr>
-            <p:ph type="title"/>
-          </p:nvPr>
-        </p:nvSpPr>
-        <p:spPr>
-          <a:xfrm>
-            <a:off x="822960" y="214952"/>
-            <a:ext cx="7543800" cy="1088100"/>
-          </a:xfrm>
-          <a:prstGeom prst="rect">
-            <a:avLst/>
-          </a:prstGeom>
-        </p:spPr>
-        <p:txBody>
-          <a:bodyPr spcFirstLastPara="1" wrap="square" lIns="68575" tIns="34275" rIns="68575" bIns="34275" anchor="b" anchorCtr="0">
-            <a:noAutofit/>
-          </a:bodyPr>
-          <a:lstStyle/>
-          <a:p>
-            <a:pPr marL="0" lvl="0" indent="0" algn="l" rtl="0">
-              <a:spcBef>
-                <a:spcPts val="0"/>
-              </a:spcBef>
-              <a:spcAft>
-                <a:spcPts val="0"/>
-              </a:spcAft>
-              <a:buNone/>
-            </a:pPr>
-            <a:r>
-              <a:rPr lang="en"/>
-              <a:t>Types of Trees</a:t>
-            </a:r>
-            <a:endParaRPr/>
-          </a:p>
-        </p:txBody>
-      </p:sp>
-      <p:sp>
-        <p:nvSpPr>
-          <p:cNvPr id="153" name="Google Shape;153;p26"/>
-          <p:cNvSpPr txBox="1">
-            <a:spLocks noGrp="1"/>
-          </p:cNvSpPr>
-          <p:nvPr>
-            <p:ph type="body" idx="1"/>
-          </p:nvPr>
-        </p:nvSpPr>
-        <p:spPr>
-          <a:xfrm>
-            <a:off x="822960" y="1384300"/>
-            <a:ext cx="7543800" cy="3017400"/>
-          </a:xfrm>
-          <a:prstGeom prst="rect">
-            <a:avLst/>
-          </a:prstGeom>
-          <a:solidFill>
-            <a:srgbClr val="FFFFFF"/>
-          </a:solidFill>
-        </p:spPr>
-        <p:txBody>
-          <a:bodyPr spcFirstLastPara="1" wrap="square" lIns="0" tIns="34275" rIns="0" bIns="34275" anchor="t" anchorCtr="0">
-            <a:noAutofit/>
-          </a:bodyPr>
-          <a:lstStyle/>
-          <a:p>
-            <a:pPr marL="457200" lvl="0" indent="-349250" algn="l" rtl="0">
-              <a:spcBef>
-                <a:spcPts val="900"/>
-              </a:spcBef>
-              <a:spcAft>
-                <a:spcPts val="0"/>
-              </a:spcAft>
-              <a:buSzPts val="1900"/>
-              <a:buChar char="●"/>
-            </a:pPr>
-            <a:r>
-              <a:rPr lang="en" sz="1900"/>
-              <a:t>General Tree: </a:t>
-            </a:r>
-            <a:endParaRPr sz="1900"/>
-          </a:p>
-          <a:p>
-            <a:pPr marL="914400" lvl="1" indent="-349250" algn="l" rtl="0">
-              <a:spcBef>
-                <a:spcPts val="0"/>
-              </a:spcBef>
-              <a:spcAft>
-                <a:spcPts val="0"/>
-              </a:spcAft>
-              <a:buSzPts val="1900"/>
-              <a:buChar char="○"/>
-            </a:pPr>
-            <a:r>
-              <a:rPr lang="en" sz="1900"/>
-              <a:t>No constraint on hierarchy of tree.</a:t>
-            </a:r>
-            <a:endParaRPr sz="1900"/>
-          </a:p>
-          <a:p>
-            <a:pPr marL="914400" lvl="1" indent="-349250" algn="l" rtl="0">
-              <a:spcBef>
-                <a:spcPts val="0"/>
-              </a:spcBef>
-              <a:spcAft>
-                <a:spcPts val="0"/>
-              </a:spcAft>
-              <a:buSzPts val="1900"/>
-              <a:buChar char="○"/>
-            </a:pPr>
-            <a:r>
-              <a:rPr lang="en" sz="1900"/>
-              <a:t>Every node may have infinite numbers of children.</a:t>
-            </a:r>
-            <a:endParaRPr sz="1900"/>
-          </a:p>
-          <a:p>
-            <a:pPr marL="914400" lvl="0" indent="0" algn="l" rtl="0">
-              <a:spcBef>
-                <a:spcPts val="900"/>
-              </a:spcBef>
-              <a:spcAft>
-                <a:spcPts val="0"/>
-              </a:spcAft>
-              <a:buNone/>
-            </a:pPr>
-            <a:endParaRPr sz="1900"/>
-          </a:p>
-          <a:p>
-            <a:pPr marL="457200" lvl="0" indent="-349250" algn="l" rtl="0">
-              <a:spcBef>
-                <a:spcPts val="900"/>
-              </a:spcBef>
-              <a:spcAft>
-                <a:spcPts val="0"/>
-              </a:spcAft>
-              <a:buSzPts val="1900"/>
-              <a:buChar char="●"/>
-            </a:pPr>
-            <a:r>
-              <a:rPr lang="en" sz="1900">
-                <a:solidFill>
-                  <a:srgbClr val="4D5968"/>
-                </a:solidFill>
-                <a:highlight>
-                  <a:srgbClr val="FFFFFF"/>
-                </a:highlight>
-              </a:rPr>
-              <a:t>Binary Tree:</a:t>
-            </a:r>
-            <a:endParaRPr sz="1900">
-              <a:solidFill>
-                <a:srgbClr val="4D5968"/>
-              </a:solidFill>
-              <a:highlight>
-                <a:srgbClr val="FFFFFF"/>
-              </a:highlight>
-            </a:endParaRPr>
-          </a:p>
-          <a:p>
-            <a:pPr marL="914400" lvl="1" indent="-349250" algn="l" rtl="0">
-              <a:spcBef>
-                <a:spcPts val="0"/>
-              </a:spcBef>
-              <a:spcAft>
-                <a:spcPts val="0"/>
-              </a:spcAft>
-              <a:buClr>
-                <a:srgbClr val="4D5968"/>
-              </a:buClr>
-              <a:buSzPts val="1900"/>
-              <a:buChar char="○"/>
-            </a:pPr>
-            <a:r>
-              <a:rPr lang="en" sz="1900">
-                <a:solidFill>
-                  <a:srgbClr val="4D5968"/>
-                </a:solidFill>
-                <a:highlight>
-                  <a:srgbClr val="FFFFFF"/>
-                </a:highlight>
-              </a:rPr>
-              <a:t>Each node can have at max two child nodes.</a:t>
-            </a:r>
-            <a:endParaRPr sz="1900">
-              <a:solidFill>
-                <a:srgbClr val="4D5968"/>
-              </a:solidFill>
-              <a:highlight>
-                <a:srgbClr val="FFFFFF"/>
-              </a:highlight>
-            </a:endParaRPr>
-          </a:p>
-          <a:p>
-            <a:pPr marL="914400" lvl="1" indent="-349250" algn="l" rtl="0">
-              <a:spcBef>
-                <a:spcPts val="0"/>
-              </a:spcBef>
-              <a:spcAft>
-                <a:spcPts val="0"/>
-              </a:spcAft>
-              <a:buClr>
-                <a:srgbClr val="4D5968"/>
-              </a:buClr>
-              <a:buSzPts val="1900"/>
-              <a:buChar char="○"/>
-            </a:pPr>
-            <a:r>
-              <a:rPr lang="en" sz="1900">
-                <a:solidFill>
-                  <a:srgbClr val="4D5968"/>
-                </a:solidFill>
-                <a:highlight>
-                  <a:srgbClr val="FFFFFF"/>
-                </a:highlight>
-              </a:rPr>
-              <a:t>This is more popular than most other trees.</a:t>
-            </a:r>
-            <a:endParaRPr sz="1900">
-              <a:solidFill>
-                <a:srgbClr val="4D5968"/>
-              </a:solidFill>
-              <a:highlight>
-                <a:srgbClr val="FFFFFF"/>
-              </a:highlight>
-            </a:endParaRPr>
-          </a:p>
-        </p:txBody>
-      </p:sp>
-      <p:pic>
-        <p:nvPicPr>
-          <p:cNvPr id="154" name="Google Shape;154;p26"/>
-          <p:cNvPicPr preferRelativeResize="0"/>
-          <p:nvPr/>
-        </p:nvPicPr>
-        <p:blipFill rotWithShape="1">
-          <a:blip r:embed="rId3">
-            <a:alphaModFix/>
-          </a:blip>
-          <a:srcRect l="7023" r="5838" b="14354"/>
-          <a:stretch/>
-        </p:blipFill>
-        <p:spPr>
-          <a:xfrm>
-            <a:off x="6398275" y="2720375"/>
-            <a:ext cx="2588725" cy="2024525"/>
-          </a:xfrm>
-          <a:prstGeom prst="rect">
-            <a:avLst/>
-          </a:prstGeom>
-          <a:noFill/>
-          <a:ln>
-            <a:noFill/>
-          </a:ln>
-        </p:spPr>
-      </p:pic>
-    </p:spTree>
-  </p:cSld>
-  <p:clrMapOvr>
-    <a:masterClrMapping/>
-  </p:clrMapOvr>
-</p:sld>
-</file>
-
-<file path=ppt/slides/slide20.xml><?xml version="1.0" encoding="utf-8"?>
+<file path=ppt/slides/slide24.xml><?xml version="1.0" encoding="utf-8"?>
 <p:sld xmlns:a="http://schemas.openxmlformats.org/drawingml/2006/main" xmlns:r="http://schemas.openxmlformats.org/officeDocument/2006/relationships" xmlns:p="http://schemas.openxmlformats.org/presentationml/2006/main">
   <p:cSld>
     <p:spTree>
@@ -25737,6 +27335,11 @@
         </p:txBody>
       </p:sp>
     </p:spTree>
+    <p:extLst>
+      <p:ext uri="{BB962C8B-B14F-4D97-AF65-F5344CB8AC3E}">
+        <p14:creationId xmlns:p14="http://schemas.microsoft.com/office/powerpoint/2010/main" val="298223021"/>
+      </p:ext>
+    </p:extLst>
   </p:cSld>
   <p:clrMapOvr>
     <a:masterClrMapping/>
@@ -25744,7 +27347,7 @@
 </p:sld>
 </file>
 
-<file path=ppt/slides/slide21.xml><?xml version="1.0" encoding="utf-8"?>
+<file path=ppt/slides/slide25.xml><?xml version="1.0" encoding="utf-8"?>
 <p:sld xmlns:a="http://schemas.openxmlformats.org/drawingml/2006/main" xmlns:r="http://schemas.openxmlformats.org/officeDocument/2006/relationships" xmlns:p="http://schemas.openxmlformats.org/presentationml/2006/main">
   <p:cSld>
     <p:spTree>
@@ -26368,6 +27971,11 @@
         </p:txBody>
       </p:sp>
     </p:spTree>
+    <p:extLst>
+      <p:ext uri="{BB962C8B-B14F-4D97-AF65-F5344CB8AC3E}">
+        <p14:creationId xmlns:p14="http://schemas.microsoft.com/office/powerpoint/2010/main" val="2062142938"/>
+      </p:ext>
+    </p:extLst>
   </p:cSld>
   <p:clrMapOvr>
     <a:masterClrMapping/>
@@ -26375,7 +27983,7 @@
 </p:sld>
 </file>
 
-<file path=ppt/slides/slide22.xml><?xml version="1.0" encoding="utf-8"?>
+<file path=ppt/slides/slide26.xml><?xml version="1.0" encoding="utf-8"?>
 <p:sld xmlns:a="http://schemas.openxmlformats.org/drawingml/2006/main" xmlns:r="http://schemas.openxmlformats.org/officeDocument/2006/relationships" xmlns:p="http://schemas.openxmlformats.org/presentationml/2006/main">
   <p:cSld>
     <p:spTree>
@@ -26808,6 +28416,11 @@
         </p:txBody>
       </p:sp>
     </p:spTree>
+    <p:extLst>
+      <p:ext uri="{BB962C8B-B14F-4D97-AF65-F5344CB8AC3E}">
+        <p14:creationId xmlns:p14="http://schemas.microsoft.com/office/powerpoint/2010/main" val="3840781267"/>
+      </p:ext>
+    </p:extLst>
   </p:cSld>
   <p:clrMapOvr>
     <a:masterClrMapping/>
@@ -26815,7 +28428,7 @@
 </p:sld>
 </file>
 
-<file path=ppt/slides/slide23.xml><?xml version="1.0" encoding="utf-8"?>
+<file path=ppt/slides/slide27.xml><?xml version="1.0" encoding="utf-8"?>
 <p:sld xmlns:a="http://schemas.openxmlformats.org/drawingml/2006/main" xmlns:r="http://schemas.openxmlformats.org/officeDocument/2006/relationships" xmlns:p="http://schemas.openxmlformats.org/presentationml/2006/main">
   <p:cSld>
     <p:spTree>
@@ -27542,6 +29155,11 @@
         </p:spPr>
       </p:cxnSp>
     </p:spTree>
+    <p:extLst>
+      <p:ext uri="{BB962C8B-B14F-4D97-AF65-F5344CB8AC3E}">
+        <p14:creationId xmlns:p14="http://schemas.microsoft.com/office/powerpoint/2010/main" val="2286148689"/>
+      </p:ext>
+    </p:extLst>
   </p:cSld>
   <p:clrMapOvr>
     <a:masterClrMapping/>
@@ -27549,7 +29167,7 @@
 </p:sld>
 </file>
 
-<file path=ppt/slides/slide24.xml><?xml version="1.0" encoding="utf-8"?>
+<file path=ppt/slides/slide28.xml><?xml version="1.0" encoding="utf-8"?>
 <p:sld xmlns:a="http://schemas.openxmlformats.org/drawingml/2006/main" xmlns:r="http://schemas.openxmlformats.org/officeDocument/2006/relationships" xmlns:p="http://schemas.openxmlformats.org/presentationml/2006/main">
   <p:cSld>
     <p:spTree>
@@ -28321,6 +29939,11 @@
         </p:spPr>
       </p:cxnSp>
     </p:spTree>
+    <p:extLst>
+      <p:ext uri="{BB962C8B-B14F-4D97-AF65-F5344CB8AC3E}">
+        <p14:creationId xmlns:p14="http://schemas.microsoft.com/office/powerpoint/2010/main" val="2858499698"/>
+      </p:ext>
+    </p:extLst>
   </p:cSld>
   <p:clrMapOvr>
     <a:masterClrMapping/>
@@ -28328,7 +29951,7 @@
 </p:sld>
 </file>
 
-<file path=ppt/slides/slide25.xml><?xml version="1.0" encoding="utf-8"?>
+<file path=ppt/slides/slide29.xml><?xml version="1.0" encoding="utf-8"?>
 <p:sld xmlns:a="http://schemas.openxmlformats.org/drawingml/2006/main" xmlns:r="http://schemas.openxmlformats.org/officeDocument/2006/relationships" xmlns:p="http://schemas.openxmlformats.org/presentationml/2006/main">
   <p:cSld>
     <p:spTree>
@@ -29055,6 +30678,11 @@
         </p:spPr>
       </p:cxnSp>
     </p:spTree>
+    <p:extLst>
+      <p:ext uri="{BB962C8B-B14F-4D97-AF65-F5344CB8AC3E}">
+        <p14:creationId xmlns:p14="http://schemas.microsoft.com/office/powerpoint/2010/main" val="13782954"/>
+      </p:ext>
+    </p:extLst>
   </p:cSld>
   <p:clrMapOvr>
     <a:masterClrMapping/>
@@ -29062,7 +30690,209 @@
 </p:sld>
 </file>
 
-<file path=ppt/slides/slide26.xml><?xml version="1.0" encoding="utf-8"?>
+<file path=ppt/slides/slide3.xml><?xml version="1.0" encoding="utf-8"?>
+<p:sld xmlns:a="http://schemas.openxmlformats.org/drawingml/2006/main" xmlns:r="http://schemas.openxmlformats.org/officeDocument/2006/relationships" xmlns:p="http://schemas.openxmlformats.org/presentationml/2006/main">
+  <p:cSld>
+    <p:spTree>
+      <p:nvGrpSpPr>
+        <p:cNvPr id="1" name="Shape 157"/>
+        <p:cNvGrpSpPr/>
+        <p:nvPr/>
+      </p:nvGrpSpPr>
+      <p:grpSpPr>
+        <a:xfrm>
+          <a:off x="0" y="0"/>
+          <a:ext cx="0" cy="0"/>
+          <a:chOff x="0" y="0"/>
+          <a:chExt cx="0" cy="0"/>
+        </a:xfrm>
+      </p:grpSpPr>
+      <p:sp>
+        <p:nvSpPr>
+          <p:cNvPr id="158" name="Google Shape;158;p27"/>
+          <p:cNvSpPr txBox="1">
+            <a:spLocks noGrp="1"/>
+          </p:cNvSpPr>
+          <p:nvPr>
+            <p:ph type="title"/>
+          </p:nvPr>
+        </p:nvSpPr>
+        <p:spPr>
+          <a:xfrm>
+            <a:off x="822960" y="214952"/>
+            <a:ext cx="7543800" cy="1088100"/>
+          </a:xfrm>
+          <a:prstGeom prst="rect">
+            <a:avLst/>
+          </a:prstGeom>
+        </p:spPr>
+        <p:txBody>
+          <a:bodyPr spcFirstLastPara="1" wrap="square" lIns="68575" tIns="34275" rIns="68575" bIns="34275" anchor="b" anchorCtr="0">
+            <a:noAutofit/>
+          </a:bodyPr>
+          <a:lstStyle/>
+          <a:p>
+            <a:pPr marL="0" lvl="0" indent="0" algn="l" rtl="0">
+              <a:spcBef>
+                <a:spcPts val="0"/>
+              </a:spcBef>
+              <a:spcAft>
+                <a:spcPts val="0"/>
+              </a:spcAft>
+              <a:buNone/>
+            </a:pPr>
+            <a:r>
+              <a:rPr lang="en" sz="4800"/>
+              <a:t>Trees</a:t>
+            </a:r>
+            <a:endParaRPr sz="4800"/>
+          </a:p>
+        </p:txBody>
+      </p:sp>
+      <p:sp>
+        <p:nvSpPr>
+          <p:cNvPr id="159" name="Google Shape;159;p27"/>
+          <p:cNvSpPr txBox="1">
+            <a:spLocks noGrp="1"/>
+          </p:cNvSpPr>
+          <p:nvPr>
+            <p:ph type="body" idx="1"/>
+          </p:nvPr>
+        </p:nvSpPr>
+        <p:spPr>
+          <a:xfrm>
+            <a:off x="822960" y="1384300"/>
+            <a:ext cx="7543800" cy="3017400"/>
+          </a:xfrm>
+          <a:prstGeom prst="rect">
+            <a:avLst/>
+          </a:prstGeom>
+        </p:spPr>
+        <p:txBody>
+          <a:bodyPr spcFirstLastPara="1" wrap="square" lIns="0" tIns="34275" rIns="0" bIns="34275" anchor="t" anchorCtr="0">
+            <a:noAutofit/>
+          </a:bodyPr>
+          <a:lstStyle/>
+          <a:p>
+            <a:pPr marL="457200" lvl="0" indent="-361950" algn="l" rtl="0">
+              <a:lnSpc>
+                <a:spcPct val="150000"/>
+              </a:lnSpc>
+              <a:spcBef>
+                <a:spcPts val="900"/>
+              </a:spcBef>
+              <a:spcAft>
+                <a:spcPts val="0"/>
+              </a:spcAft>
+              <a:buClr>
+                <a:schemeClr val="dk1"/>
+              </a:buClr>
+              <a:buSzPts val="2100"/>
+              <a:buChar char="●"/>
+            </a:pPr>
+            <a:r>
+              <a:rPr lang="en" sz="2100">
+                <a:solidFill>
+                  <a:schemeClr val="dk1"/>
+                </a:solidFill>
+              </a:rPr>
+              <a:t>Tree is a hierarchical data structure which stores the information naturally in the form of hierarchy style.</a:t>
+            </a:r>
+            <a:endParaRPr sz="2100">
+              <a:solidFill>
+                <a:schemeClr val="dk1"/>
+              </a:solidFill>
+            </a:endParaRPr>
+          </a:p>
+          <a:p>
+            <a:pPr marL="457200" lvl="0" indent="-361950" algn="l" rtl="0">
+              <a:lnSpc>
+                <a:spcPct val="150000"/>
+              </a:lnSpc>
+              <a:spcBef>
+                <a:spcPts val="0"/>
+              </a:spcBef>
+              <a:spcAft>
+                <a:spcPts val="0"/>
+              </a:spcAft>
+              <a:buClr>
+                <a:schemeClr val="dk1"/>
+              </a:buClr>
+              <a:buSzPts val="2100"/>
+              <a:buChar char="●"/>
+            </a:pPr>
+            <a:r>
+              <a:rPr lang="en" sz="2100">
+                <a:solidFill>
+                  <a:schemeClr val="dk1"/>
+                </a:solidFill>
+              </a:rPr>
+              <a:t>It represents the nodes connected by edges.</a:t>
+            </a:r>
+            <a:endParaRPr sz="2100">
+              <a:solidFill>
+                <a:schemeClr val="dk1"/>
+              </a:solidFill>
+            </a:endParaRPr>
+          </a:p>
+          <a:p>
+            <a:pPr marL="457200" lvl="0" indent="-361950" algn="l" rtl="0">
+              <a:lnSpc>
+                <a:spcPct val="150000"/>
+              </a:lnSpc>
+              <a:spcBef>
+                <a:spcPts val="0"/>
+              </a:spcBef>
+              <a:spcAft>
+                <a:spcPts val="0"/>
+              </a:spcAft>
+              <a:buClr>
+                <a:schemeClr val="dk1"/>
+              </a:buClr>
+              <a:buSzPts val="2100"/>
+              <a:buChar char="●"/>
+            </a:pPr>
+            <a:r>
+              <a:rPr lang="en" sz="2100">
+                <a:solidFill>
+                  <a:schemeClr val="dk1"/>
+                </a:solidFill>
+              </a:rPr>
+              <a:t>A tree is a </a:t>
+            </a:r>
+            <a:r>
+              <a:rPr lang="en" sz="2100" i="1">
+                <a:solidFill>
+                  <a:schemeClr val="dk1"/>
+                </a:solidFill>
+              </a:rPr>
+              <a:t>nonlinear</a:t>
+            </a:r>
+            <a:r>
+              <a:rPr lang="en" sz="2100">
+                <a:solidFill>
+                  <a:schemeClr val="dk1"/>
+                </a:solidFill>
+              </a:rPr>
+              <a:t> data structure. </a:t>
+            </a:r>
+            <a:endParaRPr sz="2100">
+              <a:solidFill>
+                <a:schemeClr val="dk1"/>
+              </a:solidFill>
+            </a:endParaRPr>
+          </a:p>
+        </p:txBody>
+      </p:sp>
+    </p:spTree>
+  </p:cSld>
+  <p:clrMapOvr>
+    <a:masterClrMapping/>
+  </p:clrMapOvr>
+</p:sld>
+</file>
+
+<file path=ppt/slides/slide30.xml><?xml version="1.0" encoding="utf-8"?>
 <p:sld xmlns:a="http://schemas.openxmlformats.org/drawingml/2006/main" xmlns:r="http://schemas.openxmlformats.org/officeDocument/2006/relationships" xmlns:p="http://schemas.openxmlformats.org/presentationml/2006/main">
   <p:cSld>
     <p:spTree>
@@ -30012,6 +31842,11 @@
         </p:txBody>
       </p:sp>
     </p:spTree>
+    <p:extLst>
+      <p:ext uri="{BB962C8B-B14F-4D97-AF65-F5344CB8AC3E}">
+        <p14:creationId xmlns:p14="http://schemas.microsoft.com/office/powerpoint/2010/main" val="1120813052"/>
+      </p:ext>
+    </p:extLst>
   </p:cSld>
   <p:clrMapOvr>
     <a:masterClrMapping/>
@@ -30019,7 +31854,7 @@
 </p:sld>
 </file>
 
-<file path=ppt/slides/slide27.xml><?xml version="1.0" encoding="utf-8"?>
+<file path=ppt/slides/slide31.xml><?xml version="1.0" encoding="utf-8"?>
 <p:sld xmlns:a="http://schemas.openxmlformats.org/drawingml/2006/main" xmlns:r="http://schemas.openxmlformats.org/officeDocument/2006/relationships" xmlns:p="http://schemas.openxmlformats.org/presentationml/2006/main">
   <p:cSld>
     <p:spTree>
@@ -30121,6 +31956,11 @@
         </p:txBody>
       </p:sp>
     </p:spTree>
+    <p:extLst>
+      <p:ext uri="{BB962C8B-B14F-4D97-AF65-F5344CB8AC3E}">
+        <p14:creationId xmlns:p14="http://schemas.microsoft.com/office/powerpoint/2010/main" val="252003574"/>
+      </p:ext>
+    </p:extLst>
   </p:cSld>
   <p:clrMapOvr>
     <a:masterClrMapping/>
@@ -30128,7 +31968,958 @@
 </p:sld>
 </file>
 
-<file path=ppt/slides/slide3.xml><?xml version="1.0" encoding="utf-8"?>
+<file path=ppt/slides/slide4.xml><?xml version="1.0" encoding="utf-8"?>
+<p:sld xmlns:a="http://schemas.openxmlformats.org/drawingml/2006/main" xmlns:r="http://schemas.openxmlformats.org/officeDocument/2006/relationships" xmlns:p="http://schemas.openxmlformats.org/presentationml/2006/main">
+  <p:cSld>
+    <p:spTree>
+      <p:nvGrpSpPr>
+        <p:cNvPr id="1" name="Shape 163"/>
+        <p:cNvGrpSpPr/>
+        <p:nvPr/>
+      </p:nvGrpSpPr>
+      <p:grpSpPr>
+        <a:xfrm>
+          <a:off x="0" y="0"/>
+          <a:ext cx="0" cy="0"/>
+          <a:chOff x="0" y="0"/>
+          <a:chExt cx="0" cy="0"/>
+        </a:xfrm>
+      </p:grpSpPr>
+      <p:sp>
+        <p:nvSpPr>
+          <p:cNvPr id="164" name="Google Shape;164;p28"/>
+          <p:cNvSpPr txBox="1">
+            <a:spLocks noGrp="1"/>
+          </p:cNvSpPr>
+          <p:nvPr>
+            <p:ph type="title"/>
+          </p:nvPr>
+        </p:nvSpPr>
+        <p:spPr>
+          <a:xfrm>
+            <a:off x="822960" y="214952"/>
+            <a:ext cx="7543800" cy="1088100"/>
+          </a:xfrm>
+          <a:prstGeom prst="rect">
+            <a:avLst/>
+          </a:prstGeom>
+        </p:spPr>
+        <p:txBody>
+          <a:bodyPr spcFirstLastPara="1" wrap="square" lIns="68575" tIns="34275" rIns="68575" bIns="34275" anchor="b" anchorCtr="0">
+            <a:noAutofit/>
+          </a:bodyPr>
+          <a:lstStyle/>
+          <a:p>
+            <a:pPr marL="0" lvl="0" indent="0" algn="l" rtl="0">
+              <a:spcBef>
+                <a:spcPts val="0"/>
+              </a:spcBef>
+              <a:spcAft>
+                <a:spcPts val="0"/>
+              </a:spcAft>
+              <a:buNone/>
+            </a:pPr>
+            <a:r>
+              <a:rPr lang="en" sz="4800"/>
+              <a:t>General Properties of Trees</a:t>
+            </a:r>
+            <a:endParaRPr sz="4800"/>
+          </a:p>
+        </p:txBody>
+      </p:sp>
+      <p:sp>
+        <p:nvSpPr>
+          <p:cNvPr id="165" name="Google Shape;165;p28"/>
+          <p:cNvSpPr txBox="1">
+            <a:spLocks noGrp="1"/>
+          </p:cNvSpPr>
+          <p:nvPr>
+            <p:ph type="body" idx="1"/>
+          </p:nvPr>
+        </p:nvSpPr>
+        <p:spPr>
+          <a:xfrm>
+            <a:off x="822960" y="1384300"/>
+            <a:ext cx="7543800" cy="3017400"/>
+          </a:xfrm>
+          <a:prstGeom prst="rect">
+            <a:avLst/>
+          </a:prstGeom>
+        </p:spPr>
+        <p:txBody>
+          <a:bodyPr spcFirstLastPara="1" wrap="square" lIns="0" tIns="34275" rIns="0" bIns="34275" anchor="t" anchorCtr="0">
+            <a:noAutofit/>
+          </a:bodyPr>
+          <a:lstStyle/>
+          <a:p>
+            <a:pPr marL="457200" lvl="0" indent="-349250" algn="l" rtl="0">
+              <a:spcBef>
+                <a:spcPts val="900"/>
+              </a:spcBef>
+              <a:spcAft>
+                <a:spcPts val="0"/>
+              </a:spcAft>
+              <a:buClr>
+                <a:schemeClr val="dk1"/>
+              </a:buClr>
+              <a:buSzPts val="1900"/>
+              <a:buAutoNum type="arabicPeriod"/>
+            </a:pPr>
+            <a:r>
+              <a:rPr lang="en" sz="1900">
+                <a:solidFill>
+                  <a:schemeClr val="dk1"/>
+                </a:solidFill>
+              </a:rPr>
+              <a:t>One node is distinguished as a </a:t>
+            </a:r>
+            <a:r>
+              <a:rPr lang="en" sz="1900" b="1">
+                <a:solidFill>
+                  <a:schemeClr val="dk1"/>
+                </a:solidFill>
+              </a:rPr>
+              <a:t>root</a:t>
+            </a:r>
+            <a:endParaRPr sz="1900" b="1">
+              <a:solidFill>
+                <a:schemeClr val="dk1"/>
+              </a:solidFill>
+            </a:endParaRPr>
+          </a:p>
+          <a:p>
+            <a:pPr marL="1371600" lvl="0" indent="0" algn="l" rtl="0">
+              <a:spcBef>
+                <a:spcPts val="900"/>
+              </a:spcBef>
+              <a:spcAft>
+                <a:spcPts val="0"/>
+              </a:spcAft>
+              <a:buNone/>
+            </a:pPr>
+            <a:endParaRPr sz="1900" b="1">
+              <a:solidFill>
+                <a:schemeClr val="dk1"/>
+              </a:solidFill>
+            </a:endParaRPr>
+          </a:p>
+          <a:p>
+            <a:pPr marL="457200" lvl="0" indent="-349250" algn="l" rtl="0">
+              <a:spcBef>
+                <a:spcPts val="900"/>
+              </a:spcBef>
+              <a:spcAft>
+                <a:spcPts val="0"/>
+              </a:spcAft>
+              <a:buClr>
+                <a:schemeClr val="dk1"/>
+              </a:buClr>
+              <a:buSzPts val="1900"/>
+              <a:buAutoNum type="arabicPeriod"/>
+            </a:pPr>
+            <a:r>
+              <a:rPr lang="en" sz="1900">
+                <a:solidFill>
+                  <a:schemeClr val="dk1"/>
+                </a:solidFill>
+              </a:rPr>
+              <a:t>Every node (except root) is connected by a directed edge </a:t>
+            </a:r>
+            <a:r>
+              <a:rPr lang="en" sz="1900" i="1">
+                <a:solidFill>
+                  <a:schemeClr val="dk1"/>
+                </a:solidFill>
+              </a:rPr>
+              <a:t>from</a:t>
+            </a:r>
+            <a:r>
+              <a:rPr lang="en" sz="1900">
+                <a:solidFill>
+                  <a:schemeClr val="dk1"/>
+                </a:solidFill>
+              </a:rPr>
+              <a:t> exactly one other node. A direction is: </a:t>
+            </a:r>
+            <a:r>
+              <a:rPr lang="en" sz="1900" i="1">
+                <a:solidFill>
+                  <a:schemeClr val="dk1"/>
+                </a:solidFill>
+              </a:rPr>
+              <a:t>parent -&gt; children</a:t>
+            </a:r>
+            <a:endParaRPr sz="1900" i="1">
+              <a:solidFill>
+                <a:schemeClr val="dk1"/>
+              </a:solidFill>
+            </a:endParaRPr>
+          </a:p>
+          <a:p>
+            <a:pPr marL="457200" lvl="0" indent="0" algn="l" rtl="0">
+              <a:spcBef>
+                <a:spcPts val="900"/>
+              </a:spcBef>
+              <a:spcAft>
+                <a:spcPts val="0"/>
+              </a:spcAft>
+              <a:buNone/>
+            </a:pPr>
+            <a:r>
+              <a:rPr lang="en" sz="1900" i="1">
+                <a:solidFill>
+                  <a:schemeClr val="dk1"/>
+                </a:solidFill>
+              </a:rPr>
+              <a:t>						</a:t>
+            </a:r>
+            <a:r>
+              <a:rPr lang="en" sz="1900">
+                <a:solidFill>
+                  <a:schemeClr val="dk1"/>
+                </a:solidFill>
+              </a:rPr>
+              <a:t>	Here,</a:t>
+            </a:r>
+            <a:r>
+              <a:rPr lang="en">
+                <a:solidFill>
+                  <a:schemeClr val="dk1"/>
+                </a:solidFill>
+              </a:rPr>
+              <a:t> </a:t>
+            </a:r>
+            <a:r>
+              <a:rPr lang="en">
+                <a:solidFill>
+                  <a:srgbClr val="FF0000"/>
+                </a:solidFill>
+              </a:rPr>
+              <a:t>A</a:t>
+            </a:r>
+            <a:r>
+              <a:rPr lang="en">
+                <a:solidFill>
+                  <a:schemeClr val="dk1"/>
+                </a:solidFill>
+              </a:rPr>
+              <a:t> is a parent of </a:t>
+            </a:r>
+            <a:r>
+              <a:rPr lang="en">
+                <a:solidFill>
+                  <a:srgbClr val="0000FF"/>
+                </a:solidFill>
+              </a:rPr>
+              <a:t>B, C, D</a:t>
+            </a:r>
+            <a:r>
+              <a:rPr lang="en">
+                <a:solidFill>
+                  <a:schemeClr val="dk1"/>
+                </a:solidFill>
+              </a:rPr>
+              <a:t>,</a:t>
+            </a:r>
+            <a:endParaRPr>
+              <a:solidFill>
+                <a:schemeClr val="dk1"/>
+              </a:solidFill>
+            </a:endParaRPr>
+          </a:p>
+          <a:p>
+            <a:pPr marL="3657600" lvl="0" indent="0" algn="l" rtl="0">
+              <a:spcBef>
+                <a:spcPts val="900"/>
+              </a:spcBef>
+              <a:spcAft>
+                <a:spcPts val="0"/>
+              </a:spcAft>
+              <a:buClr>
+                <a:schemeClr val="dk1"/>
+              </a:buClr>
+              <a:buSzPts val="1100"/>
+              <a:buFont typeface="Arial"/>
+              <a:buNone/>
+            </a:pPr>
+            <a:r>
+              <a:rPr lang="en">
+                <a:solidFill>
+                  <a:srgbClr val="0000FF"/>
+                </a:solidFill>
+              </a:rPr>
+              <a:t>B</a:t>
+            </a:r>
+            <a:r>
+              <a:rPr lang="en">
+                <a:solidFill>
+                  <a:schemeClr val="dk1"/>
+                </a:solidFill>
+              </a:rPr>
+              <a:t> is called a child of </a:t>
+            </a:r>
+            <a:r>
+              <a:rPr lang="en">
+                <a:solidFill>
+                  <a:srgbClr val="FF0000"/>
+                </a:solidFill>
+              </a:rPr>
+              <a:t>A</a:t>
+            </a:r>
+            <a:r>
+              <a:rPr lang="en">
+                <a:solidFill>
+                  <a:schemeClr val="dk1"/>
+                </a:solidFill>
+              </a:rPr>
+              <a:t>.</a:t>
+            </a:r>
+            <a:endParaRPr>
+              <a:solidFill>
+                <a:schemeClr val="dk1"/>
+              </a:solidFill>
+            </a:endParaRPr>
+          </a:p>
+          <a:p>
+            <a:pPr marL="3657600" lvl="0" indent="0" algn="l" rtl="0">
+              <a:spcBef>
+                <a:spcPts val="900"/>
+              </a:spcBef>
+              <a:spcAft>
+                <a:spcPts val="0"/>
+              </a:spcAft>
+              <a:buNone/>
+            </a:pPr>
+            <a:r>
+              <a:rPr lang="en">
+                <a:solidFill>
+                  <a:schemeClr val="dk1"/>
+                </a:solidFill>
+              </a:rPr>
+              <a:t>on the other hand, </a:t>
+            </a:r>
+            <a:r>
+              <a:rPr lang="en">
+                <a:solidFill>
+                  <a:srgbClr val="FF0000"/>
+                </a:solidFill>
+              </a:rPr>
+              <a:t>B</a:t>
+            </a:r>
+            <a:r>
+              <a:rPr lang="en">
+                <a:solidFill>
+                  <a:schemeClr val="dk1"/>
+                </a:solidFill>
+              </a:rPr>
+              <a:t> is a parent of </a:t>
+            </a:r>
+            <a:r>
+              <a:rPr lang="en">
+                <a:solidFill>
+                  <a:srgbClr val="0000FF"/>
+                </a:solidFill>
+              </a:rPr>
+              <a:t>E, F, K</a:t>
+            </a:r>
+            <a:endParaRPr>
+              <a:solidFill>
+                <a:schemeClr val="dk1"/>
+              </a:solidFill>
+            </a:endParaRPr>
+          </a:p>
+          <a:p>
+            <a:pPr marL="457200" lvl="0" indent="0" algn="l" rtl="0">
+              <a:spcBef>
+                <a:spcPts val="900"/>
+              </a:spcBef>
+              <a:spcAft>
+                <a:spcPts val="0"/>
+              </a:spcAft>
+              <a:buNone/>
+            </a:pPr>
+            <a:endParaRPr i="1">
+              <a:solidFill>
+                <a:schemeClr val="dk1"/>
+              </a:solidFill>
+            </a:endParaRPr>
+          </a:p>
+          <a:p>
+            <a:pPr marL="457200" lvl="0" indent="0" algn="l" rtl="0">
+              <a:spcBef>
+                <a:spcPts val="900"/>
+              </a:spcBef>
+              <a:spcAft>
+                <a:spcPts val="200"/>
+              </a:spcAft>
+              <a:buNone/>
+            </a:pPr>
+            <a:endParaRPr sz="1900" i="1">
+              <a:solidFill>
+                <a:schemeClr val="dk1"/>
+              </a:solidFill>
+            </a:endParaRPr>
+          </a:p>
+        </p:txBody>
+      </p:sp>
+      <p:pic>
+        <p:nvPicPr>
+          <p:cNvPr id="166" name="Google Shape;166;p28"/>
+          <p:cNvPicPr preferRelativeResize="0"/>
+          <p:nvPr/>
+        </p:nvPicPr>
+        <p:blipFill>
+          <a:blip r:embed="rId3">
+            <a:alphaModFix/>
+          </a:blip>
+          <a:stretch>
+            <a:fillRect/>
+          </a:stretch>
+        </p:blipFill>
+        <p:spPr>
+          <a:xfrm>
+            <a:off x="1212378" y="2940825"/>
+            <a:ext cx="1986775" cy="1739900"/>
+          </a:xfrm>
+          <a:prstGeom prst="rect">
+            <a:avLst/>
+          </a:prstGeom>
+          <a:noFill/>
+          <a:ln>
+            <a:noFill/>
+          </a:ln>
+        </p:spPr>
+      </p:pic>
+    </p:spTree>
+  </p:cSld>
+  <p:clrMapOvr>
+    <a:masterClrMapping/>
+  </p:clrMapOvr>
+</p:sld>
+</file>
+
+<file path=ppt/slides/slide5.xml><?xml version="1.0" encoding="utf-8"?>
+<p:sld xmlns:a="http://schemas.openxmlformats.org/drawingml/2006/main" xmlns:r="http://schemas.openxmlformats.org/officeDocument/2006/relationships" xmlns:p="http://schemas.openxmlformats.org/presentationml/2006/main">
+  <p:cSld>
+    <p:spTree>
+      <p:nvGrpSpPr>
+        <p:cNvPr id="1" name="Shape 170"/>
+        <p:cNvGrpSpPr/>
+        <p:nvPr/>
+      </p:nvGrpSpPr>
+      <p:grpSpPr>
+        <a:xfrm>
+          <a:off x="0" y="0"/>
+          <a:ext cx="0" cy="0"/>
+          <a:chOff x="0" y="0"/>
+          <a:chExt cx="0" cy="0"/>
+        </a:xfrm>
+      </p:grpSpPr>
+      <p:sp>
+        <p:nvSpPr>
+          <p:cNvPr id="171" name="Google Shape;171;p29"/>
+          <p:cNvSpPr txBox="1">
+            <a:spLocks noGrp="1"/>
+          </p:cNvSpPr>
+          <p:nvPr>
+            <p:ph type="title"/>
+          </p:nvPr>
+        </p:nvSpPr>
+        <p:spPr>
+          <a:xfrm>
+            <a:off x="822960" y="113227"/>
+            <a:ext cx="7543800" cy="1088100"/>
+          </a:xfrm>
+          <a:prstGeom prst="rect">
+            <a:avLst/>
+          </a:prstGeom>
+        </p:spPr>
+        <p:txBody>
+          <a:bodyPr spcFirstLastPara="1" wrap="square" lIns="68575" tIns="34275" rIns="68575" bIns="34275" anchor="b" anchorCtr="0">
+            <a:noAutofit/>
+          </a:bodyPr>
+          <a:lstStyle/>
+          <a:p>
+            <a:pPr marL="0" lvl="0" indent="0" algn="l" rtl="0">
+              <a:spcBef>
+                <a:spcPts val="0"/>
+              </a:spcBef>
+              <a:spcAft>
+                <a:spcPts val="0"/>
+              </a:spcAft>
+              <a:buClr>
+                <a:schemeClr val="dk1"/>
+              </a:buClr>
+              <a:buSzPts val="1100"/>
+              <a:buFont typeface="Arial"/>
+              <a:buNone/>
+            </a:pPr>
+            <a:r>
+              <a:rPr lang="en" sz="4800"/>
+              <a:t>General Terms of Trees</a:t>
+            </a:r>
+            <a:endParaRPr sz="4800"/>
+          </a:p>
+        </p:txBody>
+      </p:sp>
+      <p:sp>
+        <p:nvSpPr>
+          <p:cNvPr id="172" name="Google Shape;172;p29"/>
+          <p:cNvSpPr txBox="1">
+            <a:spLocks noGrp="1"/>
+          </p:cNvSpPr>
+          <p:nvPr>
+            <p:ph type="body" idx="1"/>
+          </p:nvPr>
+        </p:nvSpPr>
+        <p:spPr>
+          <a:xfrm>
+            <a:off x="822960" y="1339075"/>
+            <a:ext cx="7543800" cy="3017400"/>
+          </a:xfrm>
+          <a:prstGeom prst="rect">
+            <a:avLst/>
+          </a:prstGeom>
+        </p:spPr>
+        <p:txBody>
+          <a:bodyPr spcFirstLastPara="1" wrap="square" lIns="0" tIns="34275" rIns="0" bIns="34275" anchor="t" anchorCtr="0">
+            <a:noAutofit/>
+          </a:bodyPr>
+          <a:lstStyle/>
+          <a:p>
+            <a:pPr marL="457200" lvl="0" indent="-349250" algn="l" rtl="0">
+              <a:lnSpc>
+                <a:spcPct val="115000"/>
+              </a:lnSpc>
+              <a:spcBef>
+                <a:spcPts val="0"/>
+              </a:spcBef>
+              <a:spcAft>
+                <a:spcPts val="0"/>
+              </a:spcAft>
+              <a:buClr>
+                <a:schemeClr val="dk1"/>
+              </a:buClr>
+              <a:buSzPts val="1900"/>
+              <a:buChar char="❏"/>
+            </a:pPr>
+            <a:r>
+              <a:rPr lang="en" sz="1900" b="1">
+                <a:solidFill>
+                  <a:schemeClr val="dk1"/>
+                </a:solidFill>
+              </a:rPr>
+              <a:t>Keys</a:t>
+            </a:r>
+            <a:endParaRPr sz="1900" b="1">
+              <a:solidFill>
+                <a:schemeClr val="dk1"/>
+              </a:solidFill>
+            </a:endParaRPr>
+          </a:p>
+          <a:p>
+            <a:pPr marL="457200" lvl="0" indent="-349250" algn="l" rtl="0">
+              <a:lnSpc>
+                <a:spcPct val="115000"/>
+              </a:lnSpc>
+              <a:spcBef>
+                <a:spcPts val="0"/>
+              </a:spcBef>
+              <a:spcAft>
+                <a:spcPts val="0"/>
+              </a:spcAft>
+              <a:buClr>
+                <a:schemeClr val="dk1"/>
+              </a:buClr>
+              <a:buSzPts val="1900"/>
+              <a:buChar char="❏"/>
+            </a:pPr>
+            <a:r>
+              <a:rPr lang="en" sz="1900" b="1">
+                <a:solidFill>
+                  <a:schemeClr val="dk1"/>
+                </a:solidFill>
+              </a:rPr>
+              <a:t>Visiting</a:t>
+            </a:r>
+            <a:r>
+              <a:rPr lang="en" sz="1900">
+                <a:solidFill>
+                  <a:schemeClr val="dk1"/>
+                </a:solidFill>
+              </a:rPr>
+              <a:t> </a:t>
+            </a:r>
+            <a:endParaRPr sz="1900">
+              <a:solidFill>
+                <a:schemeClr val="dk1"/>
+              </a:solidFill>
+            </a:endParaRPr>
+          </a:p>
+          <a:p>
+            <a:pPr marL="457200" lvl="0" indent="-349250" algn="l" rtl="0">
+              <a:lnSpc>
+                <a:spcPct val="115000"/>
+              </a:lnSpc>
+              <a:spcBef>
+                <a:spcPts val="0"/>
+              </a:spcBef>
+              <a:spcAft>
+                <a:spcPts val="0"/>
+              </a:spcAft>
+              <a:buClr>
+                <a:schemeClr val="dk1"/>
+              </a:buClr>
+              <a:buSzPts val="1900"/>
+              <a:buChar char="❏"/>
+            </a:pPr>
+            <a:r>
+              <a:rPr lang="en" sz="1900" b="1">
+                <a:solidFill>
+                  <a:schemeClr val="dk1"/>
+                </a:solidFill>
+              </a:rPr>
+              <a:t>Traversing</a:t>
+            </a:r>
+            <a:r>
+              <a:rPr lang="en" sz="1900">
+                <a:solidFill>
+                  <a:schemeClr val="dk1"/>
+                </a:solidFill>
+              </a:rPr>
+              <a:t> </a:t>
+            </a:r>
+            <a:endParaRPr/>
+          </a:p>
+        </p:txBody>
+      </p:sp>
+      <p:pic>
+        <p:nvPicPr>
+          <p:cNvPr id="173" name="Google Shape;173;p29"/>
+          <p:cNvPicPr preferRelativeResize="0"/>
+          <p:nvPr/>
+        </p:nvPicPr>
+        <p:blipFill>
+          <a:blip r:embed="rId3">
+            <a:alphaModFix/>
+          </a:blip>
+          <a:stretch>
+            <a:fillRect/>
+          </a:stretch>
+        </p:blipFill>
+        <p:spPr>
+          <a:xfrm>
+            <a:off x="3123923" y="1393475"/>
+            <a:ext cx="5548050" cy="3245600"/>
+          </a:xfrm>
+          <a:prstGeom prst="rect">
+            <a:avLst/>
+          </a:prstGeom>
+          <a:noFill/>
+          <a:ln>
+            <a:noFill/>
+          </a:ln>
+        </p:spPr>
+      </p:pic>
+    </p:spTree>
+  </p:cSld>
+  <p:clrMapOvr>
+    <a:masterClrMapping/>
+  </p:clrMapOvr>
+</p:sld>
+</file>
+
+<file path=ppt/slides/slide6.xml><?xml version="1.0" encoding="utf-8"?>
+<p:sld xmlns:a="http://schemas.openxmlformats.org/drawingml/2006/main" xmlns:r="http://schemas.openxmlformats.org/officeDocument/2006/relationships" xmlns:p="http://schemas.openxmlformats.org/presentationml/2006/main">
+  <p:cSld>
+    <p:spTree>
+      <p:nvGrpSpPr>
+        <p:cNvPr id="1" name="Shape 151"/>
+        <p:cNvGrpSpPr/>
+        <p:nvPr/>
+      </p:nvGrpSpPr>
+      <p:grpSpPr>
+        <a:xfrm>
+          <a:off x="0" y="0"/>
+          <a:ext cx="0" cy="0"/>
+          <a:chOff x="0" y="0"/>
+          <a:chExt cx="0" cy="0"/>
+        </a:xfrm>
+      </p:grpSpPr>
+      <p:sp>
+        <p:nvSpPr>
+          <p:cNvPr id="152" name="Google Shape;152;p26"/>
+          <p:cNvSpPr txBox="1">
+            <a:spLocks noGrp="1"/>
+          </p:cNvSpPr>
+          <p:nvPr>
+            <p:ph type="title"/>
+          </p:nvPr>
+        </p:nvSpPr>
+        <p:spPr>
+          <a:xfrm>
+            <a:off x="822960" y="214952"/>
+            <a:ext cx="7543800" cy="1088100"/>
+          </a:xfrm>
+          <a:prstGeom prst="rect">
+            <a:avLst/>
+          </a:prstGeom>
+        </p:spPr>
+        <p:txBody>
+          <a:bodyPr spcFirstLastPara="1" wrap="square" lIns="68575" tIns="34275" rIns="68575" bIns="34275" anchor="b" anchorCtr="0">
+            <a:noAutofit/>
+          </a:bodyPr>
+          <a:lstStyle/>
+          <a:p>
+            <a:pPr marL="0" lvl="0" indent="0" algn="l" rtl="0">
+              <a:spcBef>
+                <a:spcPts val="0"/>
+              </a:spcBef>
+              <a:spcAft>
+                <a:spcPts val="0"/>
+              </a:spcAft>
+              <a:buNone/>
+            </a:pPr>
+            <a:r>
+              <a:rPr lang="en"/>
+              <a:t>Types of Trees</a:t>
+            </a:r>
+            <a:endParaRPr/>
+          </a:p>
+        </p:txBody>
+      </p:sp>
+      <p:sp>
+        <p:nvSpPr>
+          <p:cNvPr id="153" name="Google Shape;153;p26"/>
+          <p:cNvSpPr txBox="1">
+            <a:spLocks noGrp="1"/>
+          </p:cNvSpPr>
+          <p:nvPr>
+            <p:ph type="body" idx="1"/>
+          </p:nvPr>
+        </p:nvSpPr>
+        <p:spPr>
+          <a:xfrm>
+            <a:off x="822960" y="1384300"/>
+            <a:ext cx="7543800" cy="3017400"/>
+          </a:xfrm>
+          <a:prstGeom prst="rect">
+            <a:avLst/>
+          </a:prstGeom>
+          <a:solidFill>
+            <a:srgbClr val="FFFFFF"/>
+          </a:solidFill>
+        </p:spPr>
+        <p:txBody>
+          <a:bodyPr spcFirstLastPara="1" wrap="square" lIns="0" tIns="34275" rIns="0" bIns="34275" anchor="t" anchorCtr="0">
+            <a:noAutofit/>
+          </a:bodyPr>
+          <a:lstStyle/>
+          <a:p>
+            <a:pPr marL="457200" lvl="0" indent="-349250" algn="l" rtl="0">
+              <a:spcBef>
+                <a:spcPts val="900"/>
+              </a:spcBef>
+              <a:spcAft>
+                <a:spcPts val="0"/>
+              </a:spcAft>
+              <a:buSzPts val="1900"/>
+              <a:buChar char="●"/>
+            </a:pPr>
+            <a:r>
+              <a:rPr lang="en" sz="1900"/>
+              <a:t>General Tree: </a:t>
+            </a:r>
+            <a:endParaRPr sz="1900"/>
+          </a:p>
+          <a:p>
+            <a:pPr marL="914400" lvl="1" indent="-349250" algn="l" rtl="0">
+              <a:spcBef>
+                <a:spcPts val="0"/>
+              </a:spcBef>
+              <a:spcAft>
+                <a:spcPts val="0"/>
+              </a:spcAft>
+              <a:buSzPts val="1900"/>
+              <a:buChar char="○"/>
+            </a:pPr>
+            <a:r>
+              <a:rPr lang="en" sz="1900"/>
+              <a:t>No constraint on hierarchy of tree.</a:t>
+            </a:r>
+            <a:endParaRPr sz="1900"/>
+          </a:p>
+          <a:p>
+            <a:pPr marL="914400" lvl="1" indent="-349250" algn="l" rtl="0">
+              <a:spcBef>
+                <a:spcPts val="0"/>
+              </a:spcBef>
+              <a:spcAft>
+                <a:spcPts val="0"/>
+              </a:spcAft>
+              <a:buSzPts val="1900"/>
+              <a:buChar char="○"/>
+            </a:pPr>
+            <a:r>
+              <a:rPr lang="en" sz="1900"/>
+              <a:t>Every node may have infinite numbers of children.</a:t>
+            </a:r>
+            <a:endParaRPr sz="1900"/>
+          </a:p>
+          <a:p>
+            <a:pPr marL="914400" lvl="0" indent="0" algn="l" rtl="0">
+              <a:spcBef>
+                <a:spcPts val="900"/>
+              </a:spcBef>
+              <a:spcAft>
+                <a:spcPts val="0"/>
+              </a:spcAft>
+              <a:buNone/>
+            </a:pPr>
+            <a:endParaRPr sz="1900"/>
+          </a:p>
+          <a:p>
+            <a:pPr marL="457200" lvl="0" indent="-349250" algn="l" rtl="0">
+              <a:spcBef>
+                <a:spcPts val="900"/>
+              </a:spcBef>
+              <a:spcAft>
+                <a:spcPts val="0"/>
+              </a:spcAft>
+              <a:buSzPts val="1900"/>
+              <a:buChar char="●"/>
+            </a:pPr>
+            <a:r>
+              <a:rPr lang="en" sz="1900">
+                <a:solidFill>
+                  <a:srgbClr val="4D5968"/>
+                </a:solidFill>
+                <a:highlight>
+                  <a:srgbClr val="FFFFFF"/>
+                </a:highlight>
+              </a:rPr>
+              <a:t>Binary Tree:</a:t>
+            </a:r>
+            <a:endParaRPr sz="1900">
+              <a:solidFill>
+                <a:srgbClr val="4D5968"/>
+              </a:solidFill>
+              <a:highlight>
+                <a:srgbClr val="FFFFFF"/>
+              </a:highlight>
+            </a:endParaRPr>
+          </a:p>
+          <a:p>
+            <a:pPr marL="914400" lvl="1" indent="-349250" algn="l" rtl="0">
+              <a:spcBef>
+                <a:spcPts val="0"/>
+              </a:spcBef>
+              <a:spcAft>
+                <a:spcPts val="0"/>
+              </a:spcAft>
+              <a:buClr>
+                <a:srgbClr val="4D5968"/>
+              </a:buClr>
+              <a:buSzPts val="1900"/>
+              <a:buChar char="○"/>
+            </a:pPr>
+            <a:r>
+              <a:rPr lang="en" sz="1900">
+                <a:solidFill>
+                  <a:srgbClr val="4D5968"/>
+                </a:solidFill>
+                <a:highlight>
+                  <a:srgbClr val="FFFFFF"/>
+                </a:highlight>
+              </a:rPr>
+              <a:t>Each node can have at max two child nodes.</a:t>
+            </a:r>
+            <a:endParaRPr sz="1900">
+              <a:solidFill>
+                <a:srgbClr val="4D5968"/>
+              </a:solidFill>
+              <a:highlight>
+                <a:srgbClr val="FFFFFF"/>
+              </a:highlight>
+            </a:endParaRPr>
+          </a:p>
+          <a:p>
+            <a:pPr marL="914400" lvl="1" indent="-349250" algn="l" rtl="0">
+              <a:spcBef>
+                <a:spcPts val="0"/>
+              </a:spcBef>
+              <a:spcAft>
+                <a:spcPts val="0"/>
+              </a:spcAft>
+              <a:buClr>
+                <a:srgbClr val="4D5968"/>
+              </a:buClr>
+              <a:buSzPts val="1900"/>
+              <a:buChar char="○"/>
+            </a:pPr>
+            <a:r>
+              <a:rPr lang="en" sz="1900">
+                <a:solidFill>
+                  <a:srgbClr val="4D5968"/>
+                </a:solidFill>
+                <a:highlight>
+                  <a:srgbClr val="FFFFFF"/>
+                </a:highlight>
+              </a:rPr>
+              <a:t>This is more popular than most other trees.</a:t>
+            </a:r>
+            <a:endParaRPr sz="1900">
+              <a:solidFill>
+                <a:srgbClr val="4D5968"/>
+              </a:solidFill>
+              <a:highlight>
+                <a:srgbClr val="FFFFFF"/>
+              </a:highlight>
+            </a:endParaRPr>
+          </a:p>
+        </p:txBody>
+      </p:sp>
+      <p:pic>
+        <p:nvPicPr>
+          <p:cNvPr id="154" name="Google Shape;154;p26"/>
+          <p:cNvPicPr preferRelativeResize="0"/>
+          <p:nvPr/>
+        </p:nvPicPr>
+        <p:blipFill rotWithShape="1">
+          <a:blip r:embed="rId3">
+            <a:alphaModFix/>
+          </a:blip>
+          <a:srcRect l="7023" r="5838" b="14354"/>
+          <a:stretch/>
+        </p:blipFill>
+        <p:spPr>
+          <a:xfrm>
+            <a:off x="6398275" y="2720375"/>
+            <a:ext cx="2588725" cy="2024525"/>
+          </a:xfrm>
+          <a:prstGeom prst="rect">
+            <a:avLst/>
+          </a:prstGeom>
+          <a:noFill/>
+          <a:ln>
+            <a:noFill/>
+          </a:ln>
+        </p:spPr>
+      </p:pic>
+    </p:spTree>
+    <p:extLst>
+      <p:ext uri="{BB962C8B-B14F-4D97-AF65-F5344CB8AC3E}">
+        <p14:creationId xmlns:p14="http://schemas.microsoft.com/office/powerpoint/2010/main" val="4103107784"/>
+      </p:ext>
+    </p:extLst>
+  </p:cSld>
+  <p:clrMapOvr>
+    <a:masterClrMapping/>
+  </p:clrMapOvr>
+</p:sld>
+</file>
+
+<file path=ppt/slides/slide7.xml><?xml version="1.0" encoding="utf-8"?>
 <p:sld xmlns:a="http://schemas.openxmlformats.org/drawingml/2006/main" xmlns:r="http://schemas.openxmlformats.org/officeDocument/2006/relationships" xmlns:p="http://schemas.openxmlformats.org/presentationml/2006/main">
   <p:cSld>
     <p:spTree>
@@ -30391,6 +33182,11 @@
         </p:spPr>
       </p:pic>
     </p:spTree>
+    <p:extLst>
+      <p:ext uri="{BB962C8B-B14F-4D97-AF65-F5344CB8AC3E}">
+        <p14:creationId xmlns:p14="http://schemas.microsoft.com/office/powerpoint/2010/main" val="3729031393"/>
+      </p:ext>
+    </p:extLst>
   </p:cSld>
   <p:clrMapOvr>
     <a:masterClrMapping/>
@@ -30398,7 +33194,7 @@
 </p:sld>
 </file>
 
-<file path=ppt/slides/slide4.xml><?xml version="1.0" encoding="utf-8"?>
+<file path=ppt/slides/slide8.xml><?xml version="1.0" encoding="utf-8"?>
 <p:sld xmlns:a="http://schemas.openxmlformats.org/drawingml/2006/main" xmlns:r="http://schemas.openxmlformats.org/officeDocument/2006/relationships" xmlns:p="http://schemas.openxmlformats.org/presentationml/2006/main">
   <p:cSld>
     <p:spTree>
@@ -30747,6 +33543,11 @@
         </p:spPr>
       </p:pic>
     </p:spTree>
+    <p:extLst>
+      <p:ext uri="{BB962C8B-B14F-4D97-AF65-F5344CB8AC3E}">
+        <p14:creationId xmlns:p14="http://schemas.microsoft.com/office/powerpoint/2010/main" val="1220639713"/>
+      </p:ext>
+    </p:extLst>
   </p:cSld>
   <p:clrMapOvr>
     <a:masterClrMapping/>
@@ -30754,7 +33555,7 @@
 </p:sld>
 </file>
 
-<file path=ppt/slides/slide5.xml><?xml version="1.0" encoding="utf-8"?>
+<file path=ppt/slides/slide9.xml><?xml version="1.0" encoding="utf-8"?>
 <p:sld xmlns:a="http://schemas.openxmlformats.org/drawingml/2006/main" xmlns:r="http://schemas.openxmlformats.org/officeDocument/2006/relationships" xmlns:p="http://schemas.openxmlformats.org/presentationml/2006/main">
   <p:cSld>
     <p:spTree>
@@ -30932,769 +33733,11 @@
         </p:spPr>
       </p:pic>
     </p:spTree>
-  </p:cSld>
-  <p:clrMapOvr>
-    <a:masterClrMapping/>
-  </p:clrMapOvr>
-</p:sld>
-</file>
-
-<file path=ppt/slides/slide6.xml><?xml version="1.0" encoding="utf-8"?>
-<p:sld xmlns:a="http://schemas.openxmlformats.org/drawingml/2006/main" xmlns:r="http://schemas.openxmlformats.org/officeDocument/2006/relationships" xmlns:p="http://schemas.openxmlformats.org/presentationml/2006/main">
-  <p:cSld>
-    <p:spTree>
-      <p:nvGrpSpPr>
-        <p:cNvPr id="1" name="Shape 179"/>
-        <p:cNvGrpSpPr/>
-        <p:nvPr/>
-      </p:nvGrpSpPr>
-      <p:grpSpPr>
-        <a:xfrm>
-          <a:off x="0" y="0"/>
-          <a:ext cx="0" cy="0"/>
-          <a:chOff x="0" y="0"/>
-          <a:chExt cx="0" cy="0"/>
-        </a:xfrm>
-      </p:grpSpPr>
-      <p:sp>
-        <p:nvSpPr>
-          <p:cNvPr id="180" name="Google Shape;180;p30"/>
-          <p:cNvSpPr txBox="1">
-            <a:spLocks noGrp="1"/>
-          </p:cNvSpPr>
-          <p:nvPr>
-            <p:ph type="title"/>
-          </p:nvPr>
-        </p:nvSpPr>
-        <p:spPr>
-          <a:xfrm>
-            <a:off x="822960" y="214952"/>
-            <a:ext cx="7543800" cy="1088100"/>
-          </a:xfrm>
-          <a:prstGeom prst="rect">
-            <a:avLst/>
-          </a:prstGeom>
-        </p:spPr>
-        <p:txBody>
-          <a:bodyPr spcFirstLastPara="1" wrap="square" lIns="68575" tIns="34275" rIns="68575" bIns="34275" anchor="b" anchorCtr="0">
-            <a:noAutofit/>
-          </a:bodyPr>
-          <a:lstStyle/>
-          <a:p>
-            <a:pPr marL="0" lvl="0" indent="0" algn="l" rtl="0">
-              <a:spcBef>
-                <a:spcPts val="0"/>
-              </a:spcBef>
-              <a:spcAft>
-                <a:spcPts val="0"/>
-              </a:spcAft>
-              <a:buNone/>
-            </a:pPr>
-            <a:r>
-              <a:rPr lang="en" sz="3800"/>
-              <a:t>Basic Operations</a:t>
-            </a:r>
-            <a:endParaRPr sz="3800"/>
-          </a:p>
-        </p:txBody>
-      </p:sp>
-      <p:sp>
-        <p:nvSpPr>
-          <p:cNvPr id="181" name="Google Shape;181;p30"/>
-          <p:cNvSpPr txBox="1">
-            <a:spLocks noGrp="1"/>
-          </p:cNvSpPr>
-          <p:nvPr>
-            <p:ph type="body" idx="1"/>
-          </p:nvPr>
-        </p:nvSpPr>
-        <p:spPr>
-          <a:xfrm>
-            <a:off x="822960" y="1384300"/>
-            <a:ext cx="7543800" cy="3017400"/>
-          </a:xfrm>
-          <a:prstGeom prst="rect">
-            <a:avLst/>
-          </a:prstGeom>
-        </p:spPr>
-        <p:txBody>
-          <a:bodyPr spcFirstLastPara="1" wrap="square" lIns="0" tIns="34275" rIns="0" bIns="34275" anchor="t" anchorCtr="0">
-            <a:noAutofit/>
-          </a:bodyPr>
-          <a:lstStyle/>
-          <a:p>
-            <a:pPr marL="457200" lvl="0" indent="-349250" algn="l" rtl="0">
-              <a:spcBef>
-                <a:spcPts val="900"/>
-              </a:spcBef>
-              <a:spcAft>
-                <a:spcPts val="0"/>
-              </a:spcAft>
-              <a:buSzPts val="1900"/>
-              <a:buChar char="●"/>
-            </a:pPr>
-            <a:r>
-              <a:rPr lang="en" sz="2000" b="1"/>
-              <a:t>Insertion  -  </a:t>
-            </a:r>
-            <a:r>
-              <a:rPr lang="en" sz="2000"/>
-              <a:t>Inserting a new node.</a:t>
-            </a:r>
-            <a:r>
-              <a:rPr lang="en" sz="2000" b="1"/>
-              <a:t> </a:t>
-            </a:r>
-            <a:endParaRPr sz="2000" b="1"/>
-          </a:p>
-          <a:p>
-            <a:pPr marL="457200" lvl="0" indent="-349250" algn="l" rtl="0">
-              <a:spcBef>
-                <a:spcPts val="0"/>
-              </a:spcBef>
-              <a:spcAft>
-                <a:spcPts val="0"/>
-              </a:spcAft>
-              <a:buSzPts val="1900"/>
-              <a:buChar char="●"/>
-            </a:pPr>
-            <a:r>
-              <a:rPr lang="en" sz="2000" b="1"/>
-              <a:t>Searching -  </a:t>
-            </a:r>
-            <a:r>
-              <a:rPr lang="en" sz="2000"/>
-              <a:t>Searching for a specific node</a:t>
-            </a:r>
-            <a:endParaRPr sz="2000"/>
-          </a:p>
-          <a:p>
-            <a:pPr marL="457200" lvl="0" indent="-349250" algn="l" rtl="0">
-              <a:spcBef>
-                <a:spcPts val="0"/>
-              </a:spcBef>
-              <a:spcAft>
-                <a:spcPts val="0"/>
-              </a:spcAft>
-              <a:buSzPts val="1900"/>
-              <a:buChar char="●"/>
-            </a:pPr>
-            <a:r>
-              <a:rPr lang="en" sz="2000" b="1"/>
-              <a:t>Traversal  -  </a:t>
-            </a:r>
-            <a:r>
-              <a:rPr lang="en" sz="2000"/>
-              <a:t>Traversing the tree</a:t>
-            </a:r>
-            <a:endParaRPr sz="2000"/>
-          </a:p>
-          <a:p>
-            <a:pPr marL="457200" lvl="0" indent="-349250" algn="l" rtl="0">
-              <a:spcBef>
-                <a:spcPts val="0"/>
-              </a:spcBef>
-              <a:spcAft>
-                <a:spcPts val="0"/>
-              </a:spcAft>
-              <a:buSzPts val="1900"/>
-              <a:buChar char="●"/>
-            </a:pPr>
-            <a:r>
-              <a:rPr lang="en" sz="2000" b="1"/>
-              <a:t>Deletion   -  </a:t>
-            </a:r>
-            <a:r>
-              <a:rPr lang="en" sz="2000"/>
-              <a:t>Deleting a node</a:t>
-            </a:r>
-            <a:endParaRPr sz="2000"/>
-          </a:p>
-        </p:txBody>
-      </p:sp>
-    </p:spTree>
-  </p:cSld>
-  <p:clrMapOvr>
-    <a:masterClrMapping/>
-  </p:clrMapOvr>
-</p:sld>
-</file>
-
-<file path=ppt/slides/slide7.xml><?xml version="1.0" encoding="utf-8"?>
-<p:sld xmlns:a="http://schemas.openxmlformats.org/drawingml/2006/main" xmlns:r="http://schemas.openxmlformats.org/officeDocument/2006/relationships" xmlns:p="http://schemas.openxmlformats.org/presentationml/2006/main">
-  <p:cSld>
-    <p:spTree>
-      <p:nvGrpSpPr>
-        <p:cNvPr id="1" name="Shape 185"/>
-        <p:cNvGrpSpPr/>
-        <p:nvPr/>
-      </p:nvGrpSpPr>
-      <p:grpSpPr>
-        <a:xfrm>
-          <a:off x="0" y="0"/>
-          <a:ext cx="0" cy="0"/>
-          <a:chOff x="0" y="0"/>
-          <a:chExt cx="0" cy="0"/>
-        </a:xfrm>
-      </p:grpSpPr>
-      <p:sp>
-        <p:nvSpPr>
-          <p:cNvPr id="186" name="Google Shape;186;p31"/>
-          <p:cNvSpPr txBox="1">
-            <a:spLocks noGrp="1"/>
-          </p:cNvSpPr>
-          <p:nvPr>
-            <p:ph type="title"/>
-          </p:nvPr>
-        </p:nvSpPr>
-        <p:spPr>
-          <a:xfrm>
-            <a:off x="822960" y="214952"/>
-            <a:ext cx="7543800" cy="1088100"/>
-          </a:xfrm>
-          <a:prstGeom prst="rect">
-            <a:avLst/>
-          </a:prstGeom>
-        </p:spPr>
-        <p:txBody>
-          <a:bodyPr spcFirstLastPara="1" wrap="square" lIns="68575" tIns="34275" rIns="68575" bIns="34275" anchor="b" anchorCtr="0">
-            <a:noAutofit/>
-          </a:bodyPr>
-          <a:lstStyle/>
-          <a:p>
-            <a:pPr marL="0" lvl="0" indent="0" algn="l" rtl="0">
-              <a:spcBef>
-                <a:spcPts val="0"/>
-              </a:spcBef>
-              <a:spcAft>
-                <a:spcPts val="0"/>
-              </a:spcAft>
-              <a:buNone/>
-            </a:pPr>
-            <a:r>
-              <a:rPr lang="en"/>
-              <a:t>Applications</a:t>
-            </a:r>
-            <a:endParaRPr/>
-          </a:p>
-        </p:txBody>
-      </p:sp>
-      <p:sp>
-        <p:nvSpPr>
-          <p:cNvPr id="187" name="Google Shape;187;p31"/>
-          <p:cNvSpPr txBox="1">
-            <a:spLocks noGrp="1"/>
-          </p:cNvSpPr>
-          <p:nvPr>
-            <p:ph type="body" idx="1"/>
-          </p:nvPr>
-        </p:nvSpPr>
-        <p:spPr>
-          <a:xfrm>
-            <a:off x="822960" y="1384300"/>
-            <a:ext cx="7543800" cy="3017400"/>
-          </a:xfrm>
-          <a:prstGeom prst="rect">
-            <a:avLst/>
-          </a:prstGeom>
-        </p:spPr>
-        <p:txBody>
-          <a:bodyPr spcFirstLastPara="1" wrap="square" lIns="0" tIns="34275" rIns="0" bIns="34275" anchor="t" anchorCtr="0">
-            <a:noAutofit/>
-          </a:bodyPr>
-          <a:lstStyle/>
-          <a:p>
-            <a:pPr marL="457200" lvl="0" indent="-342900" algn="l" rtl="0">
-              <a:lnSpc>
-                <a:spcPct val="150000"/>
-              </a:lnSpc>
-              <a:spcBef>
-                <a:spcPts val="900"/>
-              </a:spcBef>
-              <a:spcAft>
-                <a:spcPts val="0"/>
-              </a:spcAft>
-              <a:buSzPts val="1800"/>
-              <a:buAutoNum type="arabicPeriod"/>
-            </a:pPr>
-            <a:r>
-              <a:rPr lang="en" sz="1900"/>
-              <a:t>Storing naturally hierarchical data.</a:t>
-            </a:r>
-            <a:r>
-              <a:rPr lang="en" sz="1900" i="1"/>
-              <a:t> E.g: filesystems</a:t>
-            </a:r>
-            <a:endParaRPr sz="1900" i="1"/>
-          </a:p>
-          <a:p>
-            <a:pPr marL="457200" lvl="0" indent="-342900" algn="l" rtl="0">
-              <a:lnSpc>
-                <a:spcPct val="150000"/>
-              </a:lnSpc>
-              <a:spcBef>
-                <a:spcPts val="0"/>
-              </a:spcBef>
-              <a:spcAft>
-                <a:spcPts val="0"/>
-              </a:spcAft>
-              <a:buSzPts val="1800"/>
-              <a:buAutoNum type="arabicPeriod"/>
-            </a:pPr>
-            <a:r>
-              <a:rPr lang="en" sz="1900"/>
-              <a:t>Organizing data for quick search, insertion, deletion.</a:t>
-            </a:r>
-            <a:r>
-              <a:rPr lang="en" sz="1900" i="1"/>
-              <a:t> E.g: Binary Search Trees.</a:t>
-            </a:r>
-            <a:endParaRPr sz="1900" i="1"/>
-          </a:p>
-          <a:p>
-            <a:pPr marL="457200" lvl="0" indent="-342900" algn="l" rtl="0">
-              <a:lnSpc>
-                <a:spcPct val="150000"/>
-              </a:lnSpc>
-              <a:spcBef>
-                <a:spcPts val="0"/>
-              </a:spcBef>
-              <a:spcAft>
-                <a:spcPts val="0"/>
-              </a:spcAft>
-              <a:buSzPts val="1800"/>
-              <a:buAutoNum type="arabicPeriod"/>
-            </a:pPr>
-            <a:r>
-              <a:rPr lang="en" sz="1900"/>
-              <a:t>Network Routing Algorithms</a:t>
-            </a:r>
-            <a:endParaRPr sz="1900"/>
-          </a:p>
-          <a:p>
-            <a:pPr marL="457200" lvl="0" indent="-342900" algn="l" rtl="0">
-              <a:lnSpc>
-                <a:spcPct val="150000"/>
-              </a:lnSpc>
-              <a:spcBef>
-                <a:spcPts val="0"/>
-              </a:spcBef>
-              <a:spcAft>
-                <a:spcPts val="0"/>
-              </a:spcAft>
-              <a:buSzPts val="1800"/>
-              <a:buAutoNum type="arabicPeriod"/>
-            </a:pPr>
-            <a:r>
-              <a:rPr lang="en" sz="1900"/>
-              <a:t>And much more ....</a:t>
-            </a:r>
-            <a:endParaRPr sz="1900"/>
-          </a:p>
-        </p:txBody>
-      </p:sp>
-    </p:spTree>
-  </p:cSld>
-  <p:clrMapOvr>
-    <a:masterClrMapping/>
-  </p:clrMapOvr>
-</p:sld>
-</file>
-
-<file path=ppt/slides/slide8.xml><?xml version="1.0" encoding="utf-8"?>
-<p:sld xmlns:a="http://schemas.openxmlformats.org/drawingml/2006/main" xmlns:r="http://schemas.openxmlformats.org/officeDocument/2006/relationships" xmlns:p="http://schemas.openxmlformats.org/presentationml/2006/main">
-  <p:cSld>
-    <p:spTree>
-      <p:nvGrpSpPr>
-        <p:cNvPr id="1" name="Shape 191"/>
-        <p:cNvGrpSpPr/>
-        <p:nvPr/>
-      </p:nvGrpSpPr>
-      <p:grpSpPr>
-        <a:xfrm>
-          <a:off x="0" y="0"/>
-          <a:ext cx="0" cy="0"/>
-          <a:chOff x="0" y="0"/>
-          <a:chExt cx="0" cy="0"/>
-        </a:xfrm>
-      </p:grpSpPr>
-      <p:sp>
-        <p:nvSpPr>
-          <p:cNvPr id="192" name="Google Shape;192;p32"/>
-          <p:cNvSpPr txBox="1">
-            <a:spLocks noGrp="1"/>
-          </p:cNvSpPr>
-          <p:nvPr>
-            <p:ph type="title"/>
-          </p:nvPr>
-        </p:nvSpPr>
-        <p:spPr>
-          <a:xfrm>
-            <a:off x="822960" y="214952"/>
-            <a:ext cx="7543800" cy="1088100"/>
-          </a:xfrm>
-          <a:prstGeom prst="rect">
-            <a:avLst/>
-          </a:prstGeom>
-        </p:spPr>
-        <p:txBody>
-          <a:bodyPr spcFirstLastPara="1" wrap="square" lIns="68575" tIns="34275" rIns="68575" bIns="34275" anchor="b" anchorCtr="0">
-            <a:noAutofit/>
-          </a:bodyPr>
-          <a:lstStyle/>
-          <a:p>
-            <a:pPr marL="0" lvl="0" indent="0" algn="l" rtl="0">
-              <a:spcBef>
-                <a:spcPts val="0"/>
-              </a:spcBef>
-              <a:spcAft>
-                <a:spcPts val="0"/>
-              </a:spcAft>
-              <a:buNone/>
-            </a:pPr>
-            <a:r>
-              <a:rPr lang="en"/>
-              <a:t>Representation</a:t>
-            </a:r>
-            <a:endParaRPr/>
-          </a:p>
-          <a:p>
-            <a:pPr marL="0" lvl="0" indent="0" algn="l" rtl="0">
-              <a:spcBef>
-                <a:spcPts val="0"/>
-              </a:spcBef>
-              <a:spcAft>
-                <a:spcPts val="0"/>
-              </a:spcAft>
-              <a:buNone/>
-            </a:pPr>
-            <a:r>
-              <a:rPr lang="en"/>
-              <a:t>(Binary Trees)</a:t>
-            </a:r>
-            <a:endParaRPr/>
-          </a:p>
-        </p:txBody>
-      </p:sp>
-      <p:sp>
-        <p:nvSpPr>
-          <p:cNvPr id="193" name="Google Shape;193;p32"/>
-          <p:cNvSpPr txBox="1">
-            <a:spLocks noGrp="1"/>
-          </p:cNvSpPr>
-          <p:nvPr>
-            <p:ph type="body" idx="1"/>
-          </p:nvPr>
-        </p:nvSpPr>
-        <p:spPr>
-          <a:xfrm>
-            <a:off x="822960" y="1384300"/>
-            <a:ext cx="7543800" cy="3017400"/>
-          </a:xfrm>
-          <a:prstGeom prst="rect">
-            <a:avLst/>
-          </a:prstGeom>
-        </p:spPr>
-        <p:txBody>
-          <a:bodyPr spcFirstLastPara="1" wrap="square" lIns="0" tIns="34275" rIns="0" bIns="34275" anchor="t" anchorCtr="0">
-            <a:noAutofit/>
-          </a:bodyPr>
-          <a:lstStyle/>
-          <a:p>
-            <a:pPr marL="0" lvl="0" indent="0" algn="l" rtl="0">
-              <a:lnSpc>
-                <a:spcPct val="80000"/>
-              </a:lnSpc>
-              <a:spcBef>
-                <a:spcPts val="900"/>
-              </a:spcBef>
-              <a:spcAft>
-                <a:spcPts val="0"/>
-              </a:spcAft>
-              <a:buNone/>
-            </a:pPr>
-            <a:r>
-              <a:rPr lang="en">
-                <a:solidFill>
-                  <a:srgbClr val="4A86E8"/>
-                </a:solidFill>
-              </a:rPr>
-              <a:t>struct</a:t>
-            </a:r>
-            <a:r>
-              <a:rPr lang="en"/>
-              <a:t> Node {</a:t>
-            </a:r>
-            <a:endParaRPr/>
-          </a:p>
-          <a:p>
-            <a:pPr marL="0" lvl="0" indent="0" algn="l" rtl="0">
-              <a:lnSpc>
-                <a:spcPct val="80000"/>
-              </a:lnSpc>
-              <a:spcBef>
-                <a:spcPts val="900"/>
-              </a:spcBef>
-              <a:spcAft>
-                <a:spcPts val="0"/>
-              </a:spcAft>
-              <a:buNone/>
-            </a:pPr>
-            <a:r>
-              <a:rPr lang="en"/>
-              <a:t>	</a:t>
-            </a:r>
-            <a:r>
-              <a:rPr lang="en">
-                <a:solidFill>
-                  <a:srgbClr val="4A86E8"/>
-                </a:solidFill>
-              </a:rPr>
-              <a:t>int</a:t>
-            </a:r>
-            <a:r>
-              <a:rPr lang="en"/>
-              <a:t> data;</a:t>
-            </a:r>
-            <a:endParaRPr/>
-          </a:p>
-          <a:p>
-            <a:pPr marL="0" lvl="0" indent="0" algn="l" rtl="0">
-              <a:lnSpc>
-                <a:spcPct val="80000"/>
-              </a:lnSpc>
-              <a:spcBef>
-                <a:spcPts val="900"/>
-              </a:spcBef>
-              <a:spcAft>
-                <a:spcPts val="0"/>
-              </a:spcAft>
-              <a:buNone/>
-            </a:pPr>
-            <a:r>
-              <a:rPr lang="en"/>
-              <a:t>	Node* left;</a:t>
-            </a:r>
-            <a:endParaRPr/>
-          </a:p>
-          <a:p>
-            <a:pPr marL="0" lvl="0" indent="0" algn="l" rtl="0">
-              <a:lnSpc>
-                <a:spcPct val="80000"/>
-              </a:lnSpc>
-              <a:spcBef>
-                <a:spcPts val="900"/>
-              </a:spcBef>
-              <a:spcAft>
-                <a:spcPts val="0"/>
-              </a:spcAft>
-              <a:buNone/>
-            </a:pPr>
-            <a:r>
-              <a:rPr lang="en"/>
-              <a:t>	Node* right;</a:t>
-            </a:r>
-            <a:endParaRPr/>
-          </a:p>
-          <a:p>
-            <a:pPr marL="0" lvl="0" indent="0" algn="l" rtl="0">
-              <a:lnSpc>
-                <a:spcPct val="80000"/>
-              </a:lnSpc>
-              <a:spcBef>
-                <a:spcPts val="900"/>
-              </a:spcBef>
-              <a:spcAft>
-                <a:spcPts val="200"/>
-              </a:spcAft>
-              <a:buNone/>
-            </a:pPr>
-            <a:r>
-              <a:rPr lang="en"/>
-              <a:t>};</a:t>
-            </a:r>
-            <a:endParaRPr/>
-          </a:p>
-        </p:txBody>
-      </p:sp>
-      <p:pic>
-        <p:nvPicPr>
-          <p:cNvPr id="194" name="Google Shape;194;p32"/>
-          <p:cNvPicPr preferRelativeResize="0"/>
-          <p:nvPr/>
-        </p:nvPicPr>
-        <p:blipFill>
-          <a:blip r:embed="rId3">
-            <a:alphaModFix/>
-          </a:blip>
-          <a:stretch>
-            <a:fillRect/>
-          </a:stretch>
-        </p:blipFill>
-        <p:spPr>
-          <a:xfrm>
-            <a:off x="2520900" y="1919423"/>
-            <a:ext cx="6459824" cy="2351473"/>
-          </a:xfrm>
-          <a:prstGeom prst="rect">
-            <a:avLst/>
-          </a:prstGeom>
-          <a:noFill/>
-          <a:ln>
-            <a:noFill/>
-          </a:ln>
-        </p:spPr>
-      </p:pic>
-    </p:spTree>
-  </p:cSld>
-  <p:clrMapOvr>
-    <a:masterClrMapping/>
-  </p:clrMapOvr>
-</p:sld>
-</file>
-
-<file path=ppt/slides/slide9.xml><?xml version="1.0" encoding="utf-8"?>
-<p:sld xmlns:a="http://schemas.openxmlformats.org/drawingml/2006/main" xmlns:r="http://schemas.openxmlformats.org/officeDocument/2006/relationships" xmlns:p="http://schemas.openxmlformats.org/presentationml/2006/main">
-  <p:cSld>
-    <p:spTree>
-      <p:nvGrpSpPr>
-        <p:cNvPr id="1" name="Shape 198"/>
-        <p:cNvGrpSpPr/>
-        <p:nvPr/>
-      </p:nvGrpSpPr>
-      <p:grpSpPr>
-        <a:xfrm>
-          <a:off x="0" y="0"/>
-          <a:ext cx="0" cy="0"/>
-          <a:chOff x="0" y="0"/>
-          <a:chExt cx="0" cy="0"/>
-        </a:xfrm>
-      </p:grpSpPr>
-      <p:sp>
-        <p:nvSpPr>
-          <p:cNvPr id="199" name="Google Shape;199;p33"/>
-          <p:cNvSpPr txBox="1">
-            <a:spLocks noGrp="1"/>
-          </p:cNvSpPr>
-          <p:nvPr>
-            <p:ph type="title"/>
-          </p:nvPr>
-        </p:nvSpPr>
-        <p:spPr>
-          <a:xfrm>
-            <a:off x="822960" y="214952"/>
-            <a:ext cx="7543800" cy="1088100"/>
-          </a:xfrm>
-          <a:prstGeom prst="rect">
-            <a:avLst/>
-          </a:prstGeom>
-        </p:spPr>
-        <p:txBody>
-          <a:bodyPr spcFirstLastPara="1" wrap="square" lIns="68575" tIns="34275" rIns="68575" bIns="34275" anchor="b" anchorCtr="0">
-            <a:noAutofit/>
-          </a:bodyPr>
-          <a:lstStyle/>
-          <a:p>
-            <a:pPr marL="0" lvl="0" indent="0" algn="l" rtl="0">
-              <a:spcBef>
-                <a:spcPts val="0"/>
-              </a:spcBef>
-              <a:spcAft>
-                <a:spcPts val="0"/>
-              </a:spcAft>
-              <a:buNone/>
-            </a:pPr>
-            <a:r>
-              <a:rPr lang="en"/>
-              <a:t>Complexity</a:t>
-            </a:r>
-            <a:endParaRPr/>
-          </a:p>
-          <a:p>
-            <a:pPr marL="0" lvl="0" indent="0" algn="l" rtl="0">
-              <a:spcBef>
-                <a:spcPts val="0"/>
-              </a:spcBef>
-              <a:spcAft>
-                <a:spcPts val="0"/>
-              </a:spcAft>
-              <a:buNone/>
-            </a:pPr>
-            <a:r>
-              <a:rPr lang="en"/>
-              <a:t>(Binary Trees)</a:t>
-            </a:r>
-            <a:endParaRPr/>
-          </a:p>
-        </p:txBody>
-      </p:sp>
-      <p:sp>
-        <p:nvSpPr>
-          <p:cNvPr id="200" name="Google Shape;200;p33"/>
-          <p:cNvSpPr txBox="1">
-            <a:spLocks noGrp="1"/>
-          </p:cNvSpPr>
-          <p:nvPr>
-            <p:ph type="body" idx="1"/>
-          </p:nvPr>
-        </p:nvSpPr>
-        <p:spPr>
-          <a:xfrm>
-            <a:off x="822960" y="1384300"/>
-            <a:ext cx="7543800" cy="3017400"/>
-          </a:xfrm>
-          <a:prstGeom prst="rect">
-            <a:avLst/>
-          </a:prstGeom>
-        </p:spPr>
-        <p:txBody>
-          <a:bodyPr spcFirstLastPara="1" wrap="square" lIns="0" tIns="34275" rIns="0" bIns="34275" anchor="t" anchorCtr="0">
-            <a:noAutofit/>
-          </a:bodyPr>
-          <a:lstStyle/>
-          <a:p>
-            <a:pPr marL="0" lvl="0" indent="0" algn="l" rtl="0">
-              <a:spcBef>
-                <a:spcPts val="900"/>
-              </a:spcBef>
-              <a:spcAft>
-                <a:spcPts val="200"/>
-              </a:spcAft>
-              <a:buNone/>
-            </a:pPr>
-            <a:endParaRPr/>
-          </a:p>
-        </p:txBody>
-      </p:sp>
-      <p:pic>
-        <p:nvPicPr>
-          <p:cNvPr id="201" name="Google Shape;201;p33"/>
-          <p:cNvPicPr preferRelativeResize="0"/>
-          <p:nvPr/>
-        </p:nvPicPr>
-        <p:blipFill>
-          <a:blip r:embed="rId3">
-            <a:alphaModFix/>
-          </a:blip>
-          <a:stretch>
-            <a:fillRect/>
-          </a:stretch>
-        </p:blipFill>
-        <p:spPr>
-          <a:xfrm>
-            <a:off x="442200" y="1528450"/>
-            <a:ext cx="8139323" cy="2729100"/>
-          </a:xfrm>
-          <a:prstGeom prst="rect">
-            <a:avLst/>
-          </a:prstGeom>
-          <a:noFill/>
-          <a:ln>
-            <a:noFill/>
-          </a:ln>
-        </p:spPr>
-      </p:pic>
-    </p:spTree>
+    <p:extLst>
+      <p:ext uri="{BB962C8B-B14F-4D97-AF65-F5344CB8AC3E}">
+        <p14:creationId xmlns:p14="http://schemas.microsoft.com/office/powerpoint/2010/main" val="3760695371"/>
+      </p:ext>
+    </p:extLst>
   </p:cSld>
   <p:clrMapOvr>
     <a:masterClrMapping/>
